--- a/Capstone Three/capstone_three_presentation.pptx
+++ b/Capstone Three/capstone_three_presentation.pptx
@@ -5,26 +5,27 @@
     <p:sldMasterId id="2147483660" r:id="rId1"/>
   </p:sldMasterIdLst>
   <p:notesMasterIdLst>
-    <p:notesMasterId r:id="rId19"/>
+    <p:notesMasterId r:id="rId20"/>
   </p:notesMasterIdLst>
   <p:sldIdLst>
     <p:sldId id="256" r:id="rId2"/>
     <p:sldId id="260" r:id="rId3"/>
     <p:sldId id="259" r:id="rId4"/>
-    <p:sldId id="257" r:id="rId5"/>
-    <p:sldId id="258" r:id="rId6"/>
-    <p:sldId id="261" r:id="rId7"/>
-    <p:sldId id="262" r:id="rId8"/>
-    <p:sldId id="264" r:id="rId9"/>
-    <p:sldId id="263" r:id="rId10"/>
-    <p:sldId id="265" r:id="rId11"/>
-    <p:sldId id="266" r:id="rId12"/>
-    <p:sldId id="267" r:id="rId13"/>
-    <p:sldId id="268" r:id="rId14"/>
-    <p:sldId id="269" r:id="rId15"/>
-    <p:sldId id="270" r:id="rId16"/>
-    <p:sldId id="271" r:id="rId17"/>
-    <p:sldId id="272" r:id="rId18"/>
+    <p:sldId id="273" r:id="rId5"/>
+    <p:sldId id="257" r:id="rId6"/>
+    <p:sldId id="258" r:id="rId7"/>
+    <p:sldId id="261" r:id="rId8"/>
+    <p:sldId id="262" r:id="rId9"/>
+    <p:sldId id="264" r:id="rId10"/>
+    <p:sldId id="263" r:id="rId11"/>
+    <p:sldId id="265" r:id="rId12"/>
+    <p:sldId id="266" r:id="rId13"/>
+    <p:sldId id="267" r:id="rId14"/>
+    <p:sldId id="268" r:id="rId15"/>
+    <p:sldId id="269" r:id="rId16"/>
+    <p:sldId id="270" r:id="rId17"/>
+    <p:sldId id="271" r:id="rId18"/>
+    <p:sldId id="272" r:id="rId19"/>
   </p:sldIdLst>
   <p:sldSz cx="12192000" cy="6858000"/>
   <p:notesSz cx="6858000" cy="9144000"/>
@@ -123,6 +124,11 @@
       </a:defRPr>
     </a:lvl9pPr>
   </p:defaultTextStyle>
+  <p:extLst>
+    <p:ext uri="{EFAFB233-063F-42B5-8137-9DF3F51BA10A}">
+      <p15:sldGuideLst xmlns:p15="http://schemas.microsoft.com/office/powerpoint/2012/main"/>
+    </p:ext>
+  </p:extLst>
 </p:presentation>
 </file>
 
@@ -1829,762 +1835,11 @@
 </dgm:colorsDef>
 </file>
 
-<file path=ppt/diagrams/colors3.xml><?xml version="1.0" encoding="utf-8"?>
-<dgm:colorsDef xmlns:dgm="http://schemas.openxmlformats.org/drawingml/2006/diagram" xmlns:a="http://schemas.openxmlformats.org/drawingml/2006/main" uniqueId="urn:microsoft.com/office/officeart/2005/8/colors/accent0_3">
-  <dgm:title val=""/>
-  <dgm:desc val=""/>
-  <dgm:catLst>
-    <dgm:cat type="mainScheme" pri="10300"/>
-  </dgm:catLst>
-  <dgm:styleLbl name="node0">
-    <dgm:fillClrLst meth="repeat">
-      <a:schemeClr val="dk2"/>
-    </dgm:fillClrLst>
-    <dgm:linClrLst meth="repeat">
-      <a:schemeClr val="lt2"/>
-    </dgm:linClrLst>
-    <dgm:effectClrLst/>
-    <dgm:txLinClrLst/>
-    <dgm:txFillClrLst/>
-    <dgm:txEffectClrLst/>
-  </dgm:styleLbl>
-  <dgm:styleLbl name="alignNode1">
-    <dgm:fillClrLst meth="repeat">
-      <a:schemeClr val="dk2"/>
-    </dgm:fillClrLst>
-    <dgm:linClrLst meth="repeat">
-      <a:schemeClr val="dk2"/>
-    </dgm:linClrLst>
-    <dgm:effectClrLst/>
-    <dgm:txLinClrLst/>
-    <dgm:txFillClrLst/>
-    <dgm:txEffectClrLst/>
-  </dgm:styleLbl>
-  <dgm:styleLbl name="node1">
-    <dgm:fillClrLst meth="repeat">
-      <a:schemeClr val="dk2"/>
-    </dgm:fillClrLst>
-    <dgm:linClrLst meth="repeat">
-      <a:schemeClr val="lt2"/>
-    </dgm:linClrLst>
-    <dgm:effectClrLst/>
-    <dgm:txLinClrLst/>
-    <dgm:txFillClrLst/>
-    <dgm:txEffectClrLst/>
-  </dgm:styleLbl>
-  <dgm:styleLbl name="lnNode1">
-    <dgm:fillClrLst meth="repeat">
-      <a:schemeClr val="dk2"/>
-    </dgm:fillClrLst>
-    <dgm:linClrLst meth="repeat">
-      <a:schemeClr val="lt2"/>
-    </dgm:linClrLst>
-    <dgm:effectClrLst/>
-    <dgm:txLinClrLst/>
-    <dgm:txFillClrLst/>
-    <dgm:txEffectClrLst/>
-  </dgm:styleLbl>
-  <dgm:styleLbl name="vennNode1">
-    <dgm:fillClrLst meth="repeat">
-      <a:schemeClr val="dk2">
-        <a:alpha val="50000"/>
-      </a:schemeClr>
-    </dgm:fillClrLst>
-    <dgm:linClrLst meth="repeat">
-      <a:schemeClr val="lt2"/>
-    </dgm:linClrLst>
-    <dgm:effectClrLst/>
-    <dgm:txLinClrLst/>
-    <dgm:txFillClrLst/>
-    <dgm:txEffectClrLst/>
-  </dgm:styleLbl>
-  <dgm:styleLbl name="node2">
-    <dgm:fillClrLst meth="repeat">
-      <a:schemeClr val="dk2"/>
-    </dgm:fillClrLst>
-    <dgm:linClrLst meth="repeat">
-      <a:schemeClr val="lt2"/>
-    </dgm:linClrLst>
-    <dgm:effectClrLst/>
-    <dgm:txLinClrLst/>
-    <dgm:txFillClrLst/>
-    <dgm:txEffectClrLst/>
-  </dgm:styleLbl>
-  <dgm:styleLbl name="node3">
-    <dgm:fillClrLst meth="repeat">
-      <a:schemeClr val="dk2"/>
-    </dgm:fillClrLst>
-    <dgm:linClrLst meth="repeat">
-      <a:schemeClr val="lt2"/>
-    </dgm:linClrLst>
-    <dgm:effectClrLst/>
-    <dgm:txLinClrLst/>
-    <dgm:txFillClrLst/>
-    <dgm:txEffectClrLst/>
-  </dgm:styleLbl>
-  <dgm:styleLbl name="node4">
-    <dgm:fillClrLst meth="repeat">
-      <a:schemeClr val="dk2"/>
-    </dgm:fillClrLst>
-    <dgm:linClrLst meth="repeat">
-      <a:schemeClr val="lt2"/>
-    </dgm:linClrLst>
-    <dgm:effectClrLst/>
-    <dgm:txLinClrLst/>
-    <dgm:txFillClrLst/>
-    <dgm:txEffectClrLst/>
-  </dgm:styleLbl>
-  <dgm:styleLbl name="fgImgPlace1">
-    <dgm:fillClrLst meth="repeat">
-      <a:schemeClr val="dk2">
-        <a:tint val="50000"/>
-      </a:schemeClr>
-    </dgm:fillClrLst>
-    <dgm:linClrLst meth="repeat">
-      <a:schemeClr val="lt2"/>
-    </dgm:linClrLst>
-    <dgm:effectClrLst/>
-    <dgm:txLinClrLst/>
-    <dgm:txFillClrLst meth="repeat">
-      <a:schemeClr val="lt2"/>
-    </dgm:txFillClrLst>
-    <dgm:txEffectClrLst/>
-  </dgm:styleLbl>
-  <dgm:styleLbl name="alignImgPlace1">
-    <dgm:fillClrLst meth="repeat">
-      <a:schemeClr val="dk2">
-        <a:tint val="50000"/>
-      </a:schemeClr>
-    </dgm:fillClrLst>
-    <dgm:linClrLst meth="repeat">
-      <a:schemeClr val="dk2">
-        <a:shade val="80000"/>
-      </a:schemeClr>
-    </dgm:linClrLst>
-    <dgm:effectClrLst/>
-    <dgm:txLinClrLst/>
-    <dgm:txFillClrLst meth="repeat">
-      <a:schemeClr val="lt2"/>
-    </dgm:txFillClrLst>
-    <dgm:txEffectClrLst/>
-  </dgm:styleLbl>
-  <dgm:styleLbl name="bgImgPlace1">
-    <dgm:fillClrLst meth="repeat">
-      <a:schemeClr val="dk2">
-        <a:tint val="50000"/>
-      </a:schemeClr>
-    </dgm:fillClrLst>
-    <dgm:linClrLst meth="repeat">
-      <a:schemeClr val="dk2">
-        <a:shade val="80000"/>
-      </a:schemeClr>
-    </dgm:linClrLst>
-    <dgm:effectClrLst/>
-    <dgm:txLinClrLst/>
-    <dgm:txFillClrLst meth="repeat">
-      <a:schemeClr val="lt2"/>
-    </dgm:txFillClrLst>
-    <dgm:txEffectClrLst/>
-  </dgm:styleLbl>
-  <dgm:styleLbl name="sibTrans2D1">
-    <dgm:fillClrLst meth="repeat">
-      <a:schemeClr val="dk2">
-        <a:tint val="60000"/>
-      </a:schemeClr>
-    </dgm:fillClrLst>
-    <dgm:linClrLst meth="repeat">
-      <a:schemeClr val="dk2">
-        <a:tint val="60000"/>
-      </a:schemeClr>
-    </dgm:linClrLst>
-    <dgm:effectClrLst/>
-    <dgm:txLinClrLst/>
-    <dgm:txFillClrLst/>
-    <dgm:txEffectClrLst/>
-  </dgm:styleLbl>
-  <dgm:styleLbl name="fgSibTrans2D1">
-    <dgm:fillClrLst meth="repeat">
-      <a:schemeClr val="dk2">
-        <a:tint val="60000"/>
-      </a:schemeClr>
-    </dgm:fillClrLst>
-    <dgm:linClrLst meth="repeat">
-      <a:schemeClr val="dk2">
-        <a:tint val="60000"/>
-      </a:schemeClr>
-    </dgm:linClrLst>
-    <dgm:effectClrLst/>
-    <dgm:txLinClrLst/>
-    <dgm:txFillClrLst/>
-    <dgm:txEffectClrLst/>
-  </dgm:styleLbl>
-  <dgm:styleLbl name="bgSibTrans2D1">
-    <dgm:fillClrLst meth="repeat">
-      <a:schemeClr val="dk2">
-        <a:tint val="60000"/>
-      </a:schemeClr>
-    </dgm:fillClrLst>
-    <dgm:linClrLst meth="repeat">
-      <a:schemeClr val="dk2">
-        <a:tint val="60000"/>
-      </a:schemeClr>
-    </dgm:linClrLst>
-    <dgm:effectClrLst/>
-    <dgm:txLinClrLst/>
-    <dgm:txFillClrLst/>
-    <dgm:txEffectClrLst/>
-  </dgm:styleLbl>
-  <dgm:styleLbl name="sibTrans1D1">
-    <dgm:fillClrLst meth="repeat">
-      <a:schemeClr val="dk2"/>
-    </dgm:fillClrLst>
-    <dgm:linClrLst meth="repeat">
-      <a:schemeClr val="dk2"/>
-    </dgm:linClrLst>
-    <dgm:effectClrLst/>
-    <dgm:txLinClrLst/>
-    <dgm:txFillClrLst meth="repeat">
-      <a:schemeClr val="lt2"/>
-    </dgm:txFillClrLst>
-    <dgm:txEffectClrLst/>
-  </dgm:styleLbl>
-  <dgm:styleLbl name="callout">
-    <dgm:fillClrLst meth="repeat">
-      <a:schemeClr val="dk2"/>
-    </dgm:fillClrLst>
-    <dgm:linClrLst meth="repeat">
-      <a:schemeClr val="dk2">
-        <a:tint val="50000"/>
-      </a:schemeClr>
-    </dgm:linClrLst>
-    <dgm:effectClrLst/>
-    <dgm:txLinClrLst/>
-    <dgm:txFillClrLst meth="repeat">
-      <a:schemeClr val="lt2"/>
-    </dgm:txFillClrLst>
-    <dgm:txEffectClrLst/>
-  </dgm:styleLbl>
-  <dgm:styleLbl name="asst0">
-    <dgm:fillClrLst meth="repeat">
-      <a:schemeClr val="dk2"/>
-    </dgm:fillClrLst>
-    <dgm:linClrLst meth="repeat">
-      <a:schemeClr val="lt2"/>
-    </dgm:linClrLst>
-    <dgm:effectClrLst/>
-    <dgm:txLinClrLst/>
-    <dgm:txFillClrLst/>
-    <dgm:txEffectClrLst/>
-  </dgm:styleLbl>
-  <dgm:styleLbl name="asst1">
-    <dgm:fillClrLst meth="repeat">
-      <a:schemeClr val="dk2"/>
-    </dgm:fillClrLst>
-    <dgm:linClrLst meth="repeat">
-      <a:schemeClr val="lt2"/>
-    </dgm:linClrLst>
-    <dgm:effectClrLst/>
-    <dgm:txLinClrLst/>
-    <dgm:txFillClrLst/>
-    <dgm:txEffectClrLst/>
-  </dgm:styleLbl>
-  <dgm:styleLbl name="asst2">
-    <dgm:fillClrLst meth="repeat">
-      <a:schemeClr val="dk2"/>
-    </dgm:fillClrLst>
-    <dgm:linClrLst meth="repeat">
-      <a:schemeClr val="lt2"/>
-    </dgm:linClrLst>
-    <dgm:effectClrLst/>
-    <dgm:txLinClrLst/>
-    <dgm:txFillClrLst/>
-    <dgm:txEffectClrLst/>
-  </dgm:styleLbl>
-  <dgm:styleLbl name="asst3">
-    <dgm:fillClrLst meth="repeat">
-      <a:schemeClr val="dk2"/>
-    </dgm:fillClrLst>
-    <dgm:linClrLst meth="repeat">
-      <a:schemeClr val="lt2"/>
-    </dgm:linClrLst>
-    <dgm:effectClrLst/>
-    <dgm:txLinClrLst/>
-    <dgm:txFillClrLst/>
-    <dgm:txEffectClrLst/>
-  </dgm:styleLbl>
-  <dgm:styleLbl name="asst4">
-    <dgm:fillClrLst meth="repeat">
-      <a:schemeClr val="dk2"/>
-    </dgm:fillClrLst>
-    <dgm:linClrLst meth="repeat">
-      <a:schemeClr val="lt2"/>
-    </dgm:linClrLst>
-    <dgm:effectClrLst/>
-    <dgm:txLinClrLst/>
-    <dgm:txFillClrLst/>
-    <dgm:txEffectClrLst/>
-  </dgm:styleLbl>
-  <dgm:styleLbl name="parChTrans2D1">
-    <dgm:fillClrLst meth="repeat">
-      <a:schemeClr val="dk2">
-        <a:tint val="60000"/>
-      </a:schemeClr>
-    </dgm:fillClrLst>
-    <dgm:linClrLst meth="repeat">
-      <a:schemeClr val="dk2">
-        <a:tint val="60000"/>
-      </a:schemeClr>
-    </dgm:linClrLst>
-    <dgm:effectClrLst/>
-    <dgm:txLinClrLst/>
-    <dgm:txFillClrLst meth="repeat">
-      <a:schemeClr val="lt2"/>
-    </dgm:txFillClrLst>
-    <dgm:txEffectClrLst/>
-  </dgm:styleLbl>
-  <dgm:styleLbl name="parChTrans2D2">
-    <dgm:fillClrLst meth="repeat">
-      <a:schemeClr val="dk2"/>
-    </dgm:fillClrLst>
-    <dgm:linClrLst meth="repeat">
-      <a:schemeClr val="dk2"/>
-    </dgm:linClrLst>
-    <dgm:effectClrLst/>
-    <dgm:txLinClrLst/>
-    <dgm:txFillClrLst meth="repeat">
-      <a:schemeClr val="lt2"/>
-    </dgm:txFillClrLst>
-    <dgm:txEffectClrLst/>
-  </dgm:styleLbl>
-  <dgm:styleLbl name="parChTrans2D3">
-    <dgm:fillClrLst meth="repeat">
-      <a:schemeClr val="dk2"/>
-    </dgm:fillClrLst>
-    <dgm:linClrLst meth="repeat">
-      <a:schemeClr val="dk2"/>
-    </dgm:linClrLst>
-    <dgm:effectClrLst/>
-    <dgm:txLinClrLst/>
-    <dgm:txFillClrLst meth="repeat">
-      <a:schemeClr val="lt2"/>
-    </dgm:txFillClrLst>
-    <dgm:txEffectClrLst/>
-  </dgm:styleLbl>
-  <dgm:styleLbl name="parChTrans2D4">
-    <dgm:fillClrLst meth="repeat">
-      <a:schemeClr val="dk2"/>
-    </dgm:fillClrLst>
-    <dgm:linClrLst meth="repeat">
-      <a:schemeClr val="dk2"/>
-    </dgm:linClrLst>
-    <dgm:effectClrLst/>
-    <dgm:txLinClrLst/>
-    <dgm:txFillClrLst meth="repeat">
-      <a:schemeClr val="lt2"/>
-    </dgm:txFillClrLst>
-    <dgm:txEffectClrLst/>
-  </dgm:styleLbl>
-  <dgm:styleLbl name="parChTrans1D1">
-    <dgm:fillClrLst meth="repeat">
-      <a:schemeClr val="dk2"/>
-    </dgm:fillClrLst>
-    <dgm:linClrLst meth="repeat">
-      <a:schemeClr val="dk2">
-        <a:shade val="60000"/>
-      </a:schemeClr>
-    </dgm:linClrLst>
-    <dgm:effectClrLst/>
-    <dgm:txLinClrLst/>
-    <dgm:txFillClrLst meth="repeat">
-      <a:schemeClr val="tx1"/>
-    </dgm:txFillClrLst>
-    <dgm:txEffectClrLst/>
-  </dgm:styleLbl>
-  <dgm:styleLbl name="parChTrans1D2">
-    <dgm:fillClrLst meth="repeat">
-      <a:schemeClr val="dk2"/>
-    </dgm:fillClrLst>
-    <dgm:linClrLst meth="repeat">
-      <a:schemeClr val="dk2">
-        <a:shade val="60000"/>
-      </a:schemeClr>
-    </dgm:linClrLst>
-    <dgm:effectClrLst/>
-    <dgm:txLinClrLst/>
-    <dgm:txFillClrLst meth="repeat">
-      <a:schemeClr val="tx1"/>
-    </dgm:txFillClrLst>
-    <dgm:txEffectClrLst/>
-  </dgm:styleLbl>
-  <dgm:styleLbl name="parChTrans1D3">
-    <dgm:fillClrLst meth="repeat">
-      <a:schemeClr val="dk2"/>
-    </dgm:fillClrLst>
-    <dgm:linClrLst meth="repeat">
-      <a:schemeClr val="dk2">
-        <a:shade val="80000"/>
-      </a:schemeClr>
-    </dgm:linClrLst>
-    <dgm:effectClrLst/>
-    <dgm:txLinClrLst/>
-    <dgm:txFillClrLst meth="repeat">
-      <a:schemeClr val="tx1"/>
-    </dgm:txFillClrLst>
-    <dgm:txEffectClrLst/>
-  </dgm:styleLbl>
-  <dgm:styleLbl name="parChTrans1D4">
-    <dgm:fillClrLst meth="repeat">
-      <a:schemeClr val="dk2"/>
-    </dgm:fillClrLst>
-    <dgm:linClrLst meth="repeat">
-      <a:schemeClr val="dk2">
-        <a:shade val="80000"/>
-      </a:schemeClr>
-    </dgm:linClrLst>
-    <dgm:effectClrLst/>
-    <dgm:txLinClrLst/>
-    <dgm:txFillClrLst meth="repeat">
-      <a:schemeClr val="tx1"/>
-    </dgm:txFillClrLst>
-    <dgm:txEffectClrLst/>
-  </dgm:styleLbl>
-  <dgm:styleLbl name="fgAcc1">
-    <dgm:fillClrLst meth="repeat">
-      <a:schemeClr val="lt2">
-        <a:alpha val="90000"/>
-      </a:schemeClr>
-    </dgm:fillClrLst>
-    <dgm:linClrLst meth="repeat">
-      <a:schemeClr val="dk2"/>
-    </dgm:linClrLst>
-    <dgm:effectClrLst/>
-    <dgm:txLinClrLst/>
-    <dgm:txFillClrLst meth="repeat">
-      <a:schemeClr val="dk1"/>
-    </dgm:txFillClrLst>
-    <dgm:txEffectClrLst/>
-  </dgm:styleLbl>
-  <dgm:styleLbl name="conFgAcc1">
-    <dgm:fillClrLst meth="repeat">
-      <a:schemeClr val="lt2">
-        <a:alpha val="90000"/>
-      </a:schemeClr>
-    </dgm:fillClrLst>
-    <dgm:linClrLst meth="repeat">
-      <a:schemeClr val="dk2"/>
-    </dgm:linClrLst>
-    <dgm:effectClrLst/>
-    <dgm:txLinClrLst/>
-    <dgm:txFillClrLst meth="repeat">
-      <a:schemeClr val="dk1"/>
-    </dgm:txFillClrLst>
-    <dgm:txEffectClrLst/>
-  </dgm:styleLbl>
-  <dgm:styleLbl name="alignAcc1">
-    <dgm:fillClrLst meth="repeat">
-      <a:schemeClr val="lt2">
-        <a:alpha val="90000"/>
-      </a:schemeClr>
-    </dgm:fillClrLst>
-    <dgm:linClrLst meth="repeat">
-      <a:schemeClr val="dk2"/>
-    </dgm:linClrLst>
-    <dgm:effectClrLst/>
-    <dgm:txLinClrLst/>
-    <dgm:txFillClrLst meth="repeat">
-      <a:schemeClr val="dk1"/>
-    </dgm:txFillClrLst>
-    <dgm:txEffectClrLst/>
-  </dgm:styleLbl>
-  <dgm:styleLbl name="trAlignAcc1">
-    <dgm:fillClrLst meth="repeat">
-      <a:schemeClr val="lt2">
-        <a:alpha val="40000"/>
-      </a:schemeClr>
-    </dgm:fillClrLst>
-    <dgm:linClrLst meth="repeat">
-      <a:schemeClr val="dk2"/>
-    </dgm:linClrLst>
-    <dgm:effectClrLst/>
-    <dgm:txLinClrLst/>
-    <dgm:txFillClrLst meth="repeat">
-      <a:schemeClr val="dk1"/>
-    </dgm:txFillClrLst>
-    <dgm:txEffectClrLst/>
-  </dgm:styleLbl>
-  <dgm:styleLbl name="bgAcc1">
-    <dgm:fillClrLst meth="repeat">
-      <a:schemeClr val="lt2">
-        <a:alpha val="90000"/>
-      </a:schemeClr>
-    </dgm:fillClrLst>
-    <dgm:linClrLst meth="repeat">
-      <a:schemeClr val="dk2"/>
-    </dgm:linClrLst>
-    <dgm:effectClrLst/>
-    <dgm:txLinClrLst/>
-    <dgm:txFillClrLst meth="repeat">
-      <a:schemeClr val="dk1"/>
-    </dgm:txFillClrLst>
-    <dgm:txEffectClrLst/>
-  </dgm:styleLbl>
-  <dgm:styleLbl name="solidFgAcc1">
-    <dgm:fillClrLst meth="repeat">
-      <a:schemeClr val="lt2"/>
-    </dgm:fillClrLst>
-    <dgm:linClrLst meth="repeat">
-      <a:schemeClr val="dk2"/>
-    </dgm:linClrLst>
-    <dgm:effectClrLst/>
-    <dgm:txLinClrLst/>
-    <dgm:txFillClrLst meth="repeat">
-      <a:schemeClr val="dk1"/>
-    </dgm:txFillClrLst>
-    <dgm:txEffectClrLst/>
-  </dgm:styleLbl>
-  <dgm:styleLbl name="solidAlignAcc1">
-    <dgm:fillClrLst meth="repeat">
-      <a:schemeClr val="lt2"/>
-    </dgm:fillClrLst>
-    <dgm:linClrLst meth="repeat">
-      <a:schemeClr val="dk2"/>
-    </dgm:linClrLst>
-    <dgm:effectClrLst/>
-    <dgm:txLinClrLst/>
-    <dgm:txFillClrLst meth="repeat">
-      <a:schemeClr val="dk1"/>
-    </dgm:txFillClrLst>
-    <dgm:txEffectClrLst/>
-  </dgm:styleLbl>
-  <dgm:styleLbl name="solidBgAcc1">
-    <dgm:fillClrLst meth="repeat">
-      <a:schemeClr val="lt2"/>
-    </dgm:fillClrLst>
-    <dgm:linClrLst meth="repeat">
-      <a:schemeClr val="dk2"/>
-    </dgm:linClrLst>
-    <dgm:effectClrLst/>
-    <dgm:txLinClrLst/>
-    <dgm:txFillClrLst meth="repeat">
-      <a:schemeClr val="dk1"/>
-    </dgm:txFillClrLst>
-    <dgm:txEffectClrLst/>
-  </dgm:styleLbl>
-  <dgm:styleLbl name="fgAccFollowNode1">
-    <dgm:fillClrLst meth="repeat">
-      <a:schemeClr val="dk2">
-        <a:alpha val="90000"/>
-        <a:tint val="40000"/>
-      </a:schemeClr>
-    </dgm:fillClrLst>
-    <dgm:linClrLst meth="repeat">
-      <a:schemeClr val="dk2">
-        <a:alpha val="90000"/>
-        <a:tint val="40000"/>
-      </a:schemeClr>
-    </dgm:linClrLst>
-    <dgm:effectClrLst/>
-    <dgm:txLinClrLst/>
-    <dgm:txFillClrLst meth="repeat">
-      <a:schemeClr val="dk1"/>
-    </dgm:txFillClrLst>
-    <dgm:txEffectClrLst/>
-  </dgm:styleLbl>
-  <dgm:styleLbl name="alignAccFollowNode1">
-    <dgm:fillClrLst meth="repeat">
-      <a:schemeClr val="dk2">
-        <a:alpha val="90000"/>
-        <a:tint val="40000"/>
-      </a:schemeClr>
-    </dgm:fillClrLst>
-    <dgm:linClrLst meth="repeat">
-      <a:schemeClr val="dk2">
-        <a:alpha val="90000"/>
-        <a:tint val="40000"/>
-      </a:schemeClr>
-    </dgm:linClrLst>
-    <dgm:effectClrLst/>
-    <dgm:txLinClrLst/>
-    <dgm:txFillClrLst meth="repeat">
-      <a:schemeClr val="dk1"/>
-    </dgm:txFillClrLst>
-    <dgm:txEffectClrLst/>
-  </dgm:styleLbl>
-  <dgm:styleLbl name="bgAccFollowNode1">
-    <dgm:fillClrLst meth="repeat">
-      <a:schemeClr val="dk2">
-        <a:alpha val="90000"/>
-        <a:tint val="40000"/>
-      </a:schemeClr>
-    </dgm:fillClrLst>
-    <dgm:linClrLst meth="repeat">
-      <a:schemeClr val="dk2">
-        <a:alpha val="90000"/>
-        <a:tint val="40000"/>
-      </a:schemeClr>
-    </dgm:linClrLst>
-    <dgm:effectClrLst/>
-    <dgm:txLinClrLst/>
-    <dgm:txFillClrLst meth="repeat">
-      <a:schemeClr val="dk1"/>
-    </dgm:txFillClrLst>
-    <dgm:txEffectClrLst/>
-  </dgm:styleLbl>
-  <dgm:styleLbl name="fgAcc0">
-    <dgm:fillClrLst meth="repeat">
-      <a:schemeClr val="lt2">
-        <a:alpha val="90000"/>
-      </a:schemeClr>
-    </dgm:fillClrLst>
-    <dgm:linClrLst meth="repeat">
-      <a:schemeClr val="dk2"/>
-    </dgm:linClrLst>
-    <dgm:effectClrLst/>
-    <dgm:txLinClrLst/>
-    <dgm:txFillClrLst meth="repeat">
-      <a:schemeClr val="dk1"/>
-    </dgm:txFillClrLst>
-    <dgm:txEffectClrLst/>
-  </dgm:styleLbl>
-  <dgm:styleLbl name="fgAcc2">
-    <dgm:fillClrLst meth="repeat">
-      <a:schemeClr val="lt2">
-        <a:alpha val="90000"/>
-      </a:schemeClr>
-    </dgm:fillClrLst>
-    <dgm:linClrLst meth="repeat">
-      <a:schemeClr val="dk2"/>
-    </dgm:linClrLst>
-    <dgm:effectClrLst/>
-    <dgm:txLinClrLst/>
-    <dgm:txFillClrLst meth="repeat">
-      <a:schemeClr val="dk1"/>
-    </dgm:txFillClrLst>
-    <dgm:txEffectClrLst/>
-  </dgm:styleLbl>
-  <dgm:styleLbl name="fgAcc3">
-    <dgm:fillClrLst meth="repeat">
-      <a:schemeClr val="lt2">
-        <a:alpha val="90000"/>
-      </a:schemeClr>
-    </dgm:fillClrLst>
-    <dgm:linClrLst meth="repeat">
-      <a:schemeClr val="dk2"/>
-    </dgm:linClrLst>
-    <dgm:effectClrLst/>
-    <dgm:txLinClrLst/>
-    <dgm:txFillClrLst meth="repeat">
-      <a:schemeClr val="dk1"/>
-    </dgm:txFillClrLst>
-    <dgm:txEffectClrLst/>
-  </dgm:styleLbl>
-  <dgm:styleLbl name="fgAcc4">
-    <dgm:fillClrLst meth="repeat">
-      <a:schemeClr val="lt2">
-        <a:alpha val="90000"/>
-      </a:schemeClr>
-    </dgm:fillClrLst>
-    <dgm:linClrLst meth="repeat">
-      <a:schemeClr val="dk2"/>
-    </dgm:linClrLst>
-    <dgm:effectClrLst/>
-    <dgm:txLinClrLst/>
-    <dgm:txFillClrLst meth="repeat">
-      <a:schemeClr val="dk1"/>
-    </dgm:txFillClrLst>
-    <dgm:txEffectClrLst/>
-  </dgm:styleLbl>
-  <dgm:styleLbl name="bgShp">
-    <dgm:fillClrLst meth="repeat">
-      <a:schemeClr val="dk2">
-        <a:tint val="40000"/>
-      </a:schemeClr>
-    </dgm:fillClrLst>
-    <dgm:linClrLst meth="repeat">
-      <a:schemeClr val="dk2"/>
-    </dgm:linClrLst>
-    <dgm:effectClrLst/>
-    <dgm:txLinClrLst/>
-    <dgm:txFillClrLst meth="repeat">
-      <a:schemeClr val="dk1"/>
-    </dgm:txFillClrLst>
-    <dgm:txEffectClrLst/>
-  </dgm:styleLbl>
-  <dgm:styleLbl name="dkBgShp">
-    <dgm:fillClrLst meth="repeat">
-      <a:schemeClr val="dk2">
-        <a:shade val="80000"/>
-      </a:schemeClr>
-    </dgm:fillClrLst>
-    <dgm:linClrLst meth="repeat">
-      <a:schemeClr val="dk2"/>
-    </dgm:linClrLst>
-    <dgm:effectClrLst/>
-    <dgm:txLinClrLst/>
-    <dgm:txFillClrLst meth="repeat">
-      <a:schemeClr val="lt1"/>
-    </dgm:txFillClrLst>
-    <dgm:txEffectClrLst/>
-  </dgm:styleLbl>
-  <dgm:styleLbl name="trBgShp">
-    <dgm:fillClrLst meth="repeat">
-      <a:schemeClr val="dk2">
-        <a:tint val="50000"/>
-        <a:alpha val="40000"/>
-      </a:schemeClr>
-    </dgm:fillClrLst>
-    <dgm:linClrLst meth="repeat">
-      <a:schemeClr val="dk2"/>
-    </dgm:linClrLst>
-    <dgm:effectClrLst/>
-    <dgm:txLinClrLst/>
-    <dgm:txFillClrLst meth="repeat">
-      <a:schemeClr val="lt1"/>
-    </dgm:txFillClrLst>
-    <dgm:txEffectClrLst/>
-  </dgm:styleLbl>
-  <dgm:styleLbl name="fgShp">
-    <dgm:fillClrLst meth="repeat">
-      <a:schemeClr val="dk2">
-        <a:tint val="60000"/>
-      </a:schemeClr>
-    </dgm:fillClrLst>
-    <dgm:linClrLst meth="repeat">
-      <a:schemeClr val="lt2"/>
-    </dgm:linClrLst>
-    <dgm:effectClrLst/>
-    <dgm:txLinClrLst/>
-    <dgm:txFillClrLst meth="repeat">
-      <a:schemeClr val="dk1"/>
-    </dgm:txFillClrLst>
-    <dgm:txEffectClrLst/>
-  </dgm:styleLbl>
-  <dgm:styleLbl name="revTx">
-    <dgm:fillClrLst meth="repeat">
-      <a:schemeClr val="lt2">
-        <a:alpha val="0"/>
-      </a:schemeClr>
-    </dgm:fillClrLst>
-    <dgm:linClrLst meth="repeat">
-      <a:schemeClr val="dk1">
-        <a:alpha val="0"/>
-      </a:schemeClr>
-    </dgm:linClrLst>
-    <dgm:effectClrLst/>
-    <dgm:txLinClrLst/>
-    <dgm:txFillClrLst meth="repeat">
-      <a:schemeClr val="tx1"/>
-    </dgm:txFillClrLst>
-    <dgm:txEffectClrLst/>
-  </dgm:styleLbl>
-</dgm:colorsDef>
-</file>
-
 <file path=ppt/diagrams/data1.xml><?xml version="1.0" encoding="utf-8"?>
 <dgm:dataModel xmlns:dgm="http://schemas.openxmlformats.org/drawingml/2006/diagram" xmlns:a="http://schemas.openxmlformats.org/drawingml/2006/main">
   <dgm:ptLst>
     <dgm:pt modelId="{DA7D0889-DB8A-42D4-864D-D99F9E38E73C}" type="doc">
-      <dgm:prSet loTypeId="urn:microsoft.com/office/officeart/2005/8/layout/hierarchy1" loCatId="hierarchy" qsTypeId="urn:microsoft.com/office/officeart/2005/8/quickstyle/simple1" qsCatId="simple" csTypeId="urn:microsoft.com/office/officeart/2005/8/colors/colorful2" csCatId="colorful"/>
+      <dgm:prSet loTypeId="urn:microsoft.com/office/officeart/2005/8/layout/hierarchy1" loCatId="hierarchy" qsTypeId="urn:microsoft.com/office/officeart/2005/8/quickstyle/simple1" qsCatId="simple" csTypeId="urn:microsoft.com/office/officeart/2005/8/colors/colorful2" csCatId="colorful" phldr="1"/>
       <dgm:spPr/>
       <dgm:t>
         <a:bodyPr/>
@@ -2602,8 +1857,18 @@
         <a:lstStyle/>
         <a:p>
           <a:r>
-            <a:rPr lang="en-US"/>
-            <a:t>DecisionTreeClassifier: 0.5478</a:t>
+            <a:rPr lang="en-US" dirty="0" err="1"/>
+            <a:t>DecisionTreeClassifier</a:t>
+          </a:r>
+          <a:r>
+            <a:rPr lang="en-US" dirty="0"/>
+            <a:t>: </a:t>
+          </a:r>
+        </a:p>
+        <a:p>
+          <a:r>
+            <a:rPr lang="en-US" dirty="0"/>
+            <a:t>AUC 0.5478</a:t>
           </a:r>
         </a:p>
       </dgm:t>
@@ -2638,8 +1903,18 @@
         <a:lstStyle/>
         <a:p>
           <a:r>
-            <a:rPr lang="en-US"/>
-            <a:t>RandomForestClassifier: 0.7728</a:t>
+            <a:rPr lang="en-US" dirty="0" err="1"/>
+            <a:t>RandomForestClassifier</a:t>
+          </a:r>
+          <a:r>
+            <a:rPr lang="en-US" dirty="0"/>
+            <a:t>: </a:t>
+          </a:r>
+        </a:p>
+        <a:p>
+          <a:r>
+            <a:rPr lang="en-US" dirty="0"/>
+            <a:t>AUC 0.7728</a:t>
           </a:r>
         </a:p>
       </dgm:t>
@@ -2674,8 +1949,18 @@
         <a:lstStyle/>
         <a:p>
           <a:r>
-            <a:rPr lang="en-US"/>
-            <a:t>LogisticRegression: 0.7997</a:t>
+            <a:rPr lang="en-US" dirty="0" err="1"/>
+            <a:t>LogisticRegression</a:t>
+          </a:r>
+          <a:r>
+            <a:rPr lang="en-US" dirty="0"/>
+            <a:t>: </a:t>
+          </a:r>
+        </a:p>
+        <a:p>
+          <a:r>
+            <a:rPr lang="en-US" dirty="0"/>
+            <a:t>AUC 0.7997</a:t>
           </a:r>
         </a:p>
       </dgm:t>
@@ -2843,8 +2128,8 @@
         <a:lstStyle/>
         <a:p>
           <a:r>
-            <a:rPr lang="en-US"/>
-            <a:t>1.	The Consumer Financial Protection Bureau would be able to use this model to identify consumer narratives that do not have timely responses.</a:t>
+            <a:rPr lang="en-US" dirty="0"/>
+            <a:t>1.	Prioritizing Complaint Response</a:t>
           </a:r>
         </a:p>
       </dgm:t>
@@ -2879,9 +2164,14 @@
         <a:lstStyle/>
         <a:p>
           <a:r>
+            <a:rPr lang="en-US" dirty="0"/>
+            <a:t>2.	Identifying </a:t>
+          </a:r>
+          <a:r>
             <a:rPr lang="en-US"/>
-            <a:t>2.	Companies that appear on this list will also be able to deal with consumer complaints that may take more than 15 days to respond to.</a:t>
+            <a:t>Systemic Issues</a:t>
           </a:r>
+          <a:endParaRPr lang="en-US" dirty="0"/>
         </a:p>
       </dgm:t>
     </dgm:pt>
@@ -2915,8 +2205,8 @@
         <a:lstStyle/>
         <a:p>
           <a:r>
-            <a:rPr lang="en-US"/>
-            <a:t>3.	Consumers can use this model to ensure that their complaints receive a timely response.</a:t>
+            <a:rPr lang="en-US" dirty="0"/>
+            <a:t>3.	Improving Consumer Experience</a:t>
           </a:r>
         </a:p>
       </dgm:t>
@@ -3010,7 +2300,7 @@
       <dgm:spPr/>
     </dgm:pt>
     <dgm:pt modelId="{29F8747D-76E1-42F9-A07C-2A25221F2882}" type="pres">
-      <dgm:prSet presAssocID="{68BF6E2D-E806-4294-A003-5D0A90CFFF6D}" presName="bgRect" presStyleLbl="bgShp" presStyleIdx="1" presStyleCnt="3"/>
+      <dgm:prSet presAssocID="{68BF6E2D-E806-4294-A003-5D0A90CFFF6D}" presName="bgRect" presStyleLbl="bgShp" presStyleIdx="1" presStyleCnt="3" custLinFactNeighborX="-16136" custLinFactNeighborY="-1342"/>
       <dgm:spPr/>
     </dgm:pt>
     <dgm:pt modelId="{0038E37F-233C-43FA-92D8-80EE4DB08E14}" type="pres">
@@ -3133,218 +2423,6 @@
     <dgm:cxn modelId="{B719E09A-7D51-4BC0-BC70-E20586C0CBBF}" type="presParOf" srcId="{3B63D95A-1D72-455B-A5CB-632476126531}" destId="{817A00A8-3478-4051-80C4-8CC56DCA4B7E}" srcOrd="1" destOrd="0" presId="urn:microsoft.com/office/officeart/2018/2/layout/IconVerticalSolidList"/>
     <dgm:cxn modelId="{E6419E9B-8E4C-4033-903B-D4CB9DF64D25}" type="presParOf" srcId="{3B63D95A-1D72-455B-A5CB-632476126531}" destId="{FAC9160B-5275-43A2-AB9F-39A95B8E5F86}" srcOrd="2" destOrd="0" presId="urn:microsoft.com/office/officeart/2018/2/layout/IconVerticalSolidList"/>
     <dgm:cxn modelId="{E7864F92-9883-48E9-90E2-A157A428CFB8}" type="presParOf" srcId="{3B63D95A-1D72-455B-A5CB-632476126531}" destId="{9472E201-9FC0-4EA4-964B-A6CC38AB4DE2}" srcOrd="3" destOrd="0" presId="urn:microsoft.com/office/officeart/2018/2/layout/IconVerticalSolidList"/>
-  </dgm:cxnLst>
-  <dgm:bg/>
-  <dgm:whole/>
-  <dgm:extLst>
-    <a:ext uri="http://schemas.microsoft.com/office/drawing/2008/diagram">
-      <dsp:dataModelExt xmlns:dsp="http://schemas.microsoft.com/office/drawing/2008/diagram" relId="rId7" minVer="http://schemas.openxmlformats.org/drawingml/2006/diagram"/>
-    </a:ext>
-  </dgm:extLst>
-</dgm:dataModel>
-</file>
-
-<file path=ppt/diagrams/data3.xml><?xml version="1.0" encoding="utf-8"?>
-<dgm:dataModel xmlns:dgm="http://schemas.openxmlformats.org/drawingml/2006/diagram" xmlns:a="http://schemas.openxmlformats.org/drawingml/2006/main">
-  <dgm:ptLst>
-    <dgm:pt modelId="{D27A3AD0-B104-4928-8031-7F1B79FA2758}" type="doc">
-      <dgm:prSet loTypeId="urn:microsoft.com/office/officeart/2008/layout/LinedList" loCatId="list" qsTypeId="urn:microsoft.com/office/officeart/2005/8/quickstyle/simple4" qsCatId="simple" csTypeId="urn:microsoft.com/office/officeart/2005/8/colors/accent0_3" csCatId="mainScheme"/>
-      <dgm:spPr/>
-      <dgm:t>
-        <a:bodyPr/>
-        <a:lstStyle/>
-        <a:p>
-          <a:endParaRPr lang="en-US"/>
-        </a:p>
-      </dgm:t>
-    </dgm:pt>
-    <dgm:pt modelId="{BA3F7320-189F-4FC9-BED3-0096B53C342B}">
-      <dgm:prSet/>
-      <dgm:spPr/>
-      <dgm:t>
-        <a:bodyPr/>
-        <a:lstStyle/>
-        <a:p>
-          <a:r>
-            <a:rPr lang="en-US"/>
-            <a:t>Larger Date Range</a:t>
-          </a:r>
-        </a:p>
-      </dgm:t>
-    </dgm:pt>
-    <dgm:pt modelId="{7815C374-2264-48E1-84A1-CED566284C63}" type="parTrans" cxnId="{C40C3099-9E24-40B3-96FD-9B4E3EF72210}">
-      <dgm:prSet/>
-      <dgm:spPr/>
-      <dgm:t>
-        <a:bodyPr/>
-        <a:lstStyle/>
-        <a:p>
-          <a:endParaRPr lang="en-US"/>
-        </a:p>
-      </dgm:t>
-    </dgm:pt>
-    <dgm:pt modelId="{CAA6CF96-8326-41FE-9DBF-A3B1D651F213}" type="sibTrans" cxnId="{C40C3099-9E24-40B3-96FD-9B4E3EF72210}">
-      <dgm:prSet/>
-      <dgm:spPr/>
-      <dgm:t>
-        <a:bodyPr/>
-        <a:lstStyle/>
-        <a:p>
-          <a:endParaRPr lang="en-US"/>
-        </a:p>
-      </dgm:t>
-    </dgm:pt>
-    <dgm:pt modelId="{3653DB8C-C450-4AA8-8DFB-1B69EF8DE722}">
-      <dgm:prSet/>
-      <dgm:spPr/>
-      <dgm:t>
-        <a:bodyPr/>
-        <a:lstStyle/>
-        <a:p>
-          <a:r>
-            <a:rPr lang="en-US"/>
-            <a:t>Complaints without narratives</a:t>
-          </a:r>
-        </a:p>
-      </dgm:t>
-    </dgm:pt>
-    <dgm:pt modelId="{E77D5812-71A7-4624-B49F-F55247ABE919}" type="parTrans" cxnId="{99748D93-0AEA-4DB0-8FEB-0D5F1C62A9DB}">
-      <dgm:prSet/>
-      <dgm:spPr/>
-      <dgm:t>
-        <a:bodyPr/>
-        <a:lstStyle/>
-        <a:p>
-          <a:endParaRPr lang="en-US"/>
-        </a:p>
-      </dgm:t>
-    </dgm:pt>
-    <dgm:pt modelId="{AF7ED4A2-736C-4DB9-B35A-72675FBCEB78}" type="sibTrans" cxnId="{99748D93-0AEA-4DB0-8FEB-0D5F1C62A9DB}">
-      <dgm:prSet/>
-      <dgm:spPr/>
-      <dgm:t>
-        <a:bodyPr/>
-        <a:lstStyle/>
-        <a:p>
-          <a:endParaRPr lang="en-US"/>
-        </a:p>
-      </dgm:t>
-    </dgm:pt>
-    <dgm:pt modelId="{0F03F182-9A01-4507-A092-31BCFF8343DE}">
-      <dgm:prSet/>
-      <dgm:spPr/>
-      <dgm:t>
-        <a:bodyPr/>
-        <a:lstStyle/>
-        <a:p>
-          <a:r>
-            <a:rPr lang="en-US"/>
-            <a:t>Other datasets</a:t>
-          </a:r>
-        </a:p>
-      </dgm:t>
-    </dgm:pt>
-    <dgm:pt modelId="{BA51E888-DB27-4A03-B67C-6E4EEC64E9C9}" type="parTrans" cxnId="{8827D26D-5FBC-43A9-B292-858DE02F08D9}">
-      <dgm:prSet/>
-      <dgm:spPr/>
-      <dgm:t>
-        <a:bodyPr/>
-        <a:lstStyle/>
-        <a:p>
-          <a:endParaRPr lang="en-US"/>
-        </a:p>
-      </dgm:t>
-    </dgm:pt>
-    <dgm:pt modelId="{BF529097-15B6-42E7-800B-442E94E00307}" type="sibTrans" cxnId="{8827D26D-5FBC-43A9-B292-858DE02F08D9}">
-      <dgm:prSet/>
-      <dgm:spPr/>
-      <dgm:t>
-        <a:bodyPr/>
-        <a:lstStyle/>
-        <a:p>
-          <a:endParaRPr lang="en-US"/>
-        </a:p>
-      </dgm:t>
-    </dgm:pt>
-    <dgm:pt modelId="{1CDCA789-74C7-4B86-86D6-ED2FF73F343D}" type="pres">
-      <dgm:prSet presAssocID="{D27A3AD0-B104-4928-8031-7F1B79FA2758}" presName="vert0" presStyleCnt="0">
-        <dgm:presLayoutVars>
-          <dgm:dir/>
-          <dgm:animOne val="branch"/>
-          <dgm:animLvl val="lvl"/>
-        </dgm:presLayoutVars>
-      </dgm:prSet>
-      <dgm:spPr/>
-    </dgm:pt>
-    <dgm:pt modelId="{5E9F770F-B8B0-4BE4-9D26-EB0E6B04EADE}" type="pres">
-      <dgm:prSet presAssocID="{BA3F7320-189F-4FC9-BED3-0096B53C342B}" presName="thickLine" presStyleLbl="alignNode1" presStyleIdx="0" presStyleCnt="3"/>
-      <dgm:spPr/>
-    </dgm:pt>
-    <dgm:pt modelId="{83FC4796-FCFA-4EE9-A1D5-D523B52679C1}" type="pres">
-      <dgm:prSet presAssocID="{BA3F7320-189F-4FC9-BED3-0096B53C342B}" presName="horz1" presStyleCnt="0"/>
-      <dgm:spPr/>
-    </dgm:pt>
-    <dgm:pt modelId="{37927701-7AC5-46AC-95FE-A14F44D6B104}" type="pres">
-      <dgm:prSet presAssocID="{BA3F7320-189F-4FC9-BED3-0096B53C342B}" presName="tx1" presStyleLbl="revTx" presStyleIdx="0" presStyleCnt="3"/>
-      <dgm:spPr/>
-    </dgm:pt>
-    <dgm:pt modelId="{3FCF7A53-D100-446F-B5F3-F2E24A6433AD}" type="pres">
-      <dgm:prSet presAssocID="{BA3F7320-189F-4FC9-BED3-0096B53C342B}" presName="vert1" presStyleCnt="0"/>
-      <dgm:spPr/>
-    </dgm:pt>
-    <dgm:pt modelId="{66BA8736-FA41-45A2-88D7-9A11758386F3}" type="pres">
-      <dgm:prSet presAssocID="{3653DB8C-C450-4AA8-8DFB-1B69EF8DE722}" presName="thickLine" presStyleLbl="alignNode1" presStyleIdx="1" presStyleCnt="3"/>
-      <dgm:spPr/>
-    </dgm:pt>
-    <dgm:pt modelId="{D4C3454D-9AF8-4D14-844C-C2FD3FDF57C6}" type="pres">
-      <dgm:prSet presAssocID="{3653DB8C-C450-4AA8-8DFB-1B69EF8DE722}" presName="horz1" presStyleCnt="0"/>
-      <dgm:spPr/>
-    </dgm:pt>
-    <dgm:pt modelId="{32A360DD-4995-4637-87E8-FBB801F948C4}" type="pres">
-      <dgm:prSet presAssocID="{3653DB8C-C450-4AA8-8DFB-1B69EF8DE722}" presName="tx1" presStyleLbl="revTx" presStyleIdx="1" presStyleCnt="3"/>
-      <dgm:spPr/>
-    </dgm:pt>
-    <dgm:pt modelId="{BF2996A1-6D87-4904-8CA9-62EBFF9FFE94}" type="pres">
-      <dgm:prSet presAssocID="{3653DB8C-C450-4AA8-8DFB-1B69EF8DE722}" presName="vert1" presStyleCnt="0"/>
-      <dgm:spPr/>
-    </dgm:pt>
-    <dgm:pt modelId="{BF7E9C1A-735D-4ED0-887F-357A0DEE4F50}" type="pres">
-      <dgm:prSet presAssocID="{0F03F182-9A01-4507-A092-31BCFF8343DE}" presName="thickLine" presStyleLbl="alignNode1" presStyleIdx="2" presStyleCnt="3"/>
-      <dgm:spPr/>
-    </dgm:pt>
-    <dgm:pt modelId="{F03BE63E-3154-45CC-9D89-0EBF252F1603}" type="pres">
-      <dgm:prSet presAssocID="{0F03F182-9A01-4507-A092-31BCFF8343DE}" presName="horz1" presStyleCnt="0"/>
-      <dgm:spPr/>
-    </dgm:pt>
-    <dgm:pt modelId="{F7FBEDD6-617E-44F4-A2B8-614059DAD792}" type="pres">
-      <dgm:prSet presAssocID="{0F03F182-9A01-4507-A092-31BCFF8343DE}" presName="tx1" presStyleLbl="revTx" presStyleIdx="2" presStyleCnt="3"/>
-      <dgm:spPr/>
-    </dgm:pt>
-    <dgm:pt modelId="{3700871A-1D1F-45C6-8CA6-CC74ED1E5E9A}" type="pres">
-      <dgm:prSet presAssocID="{0F03F182-9A01-4507-A092-31BCFF8343DE}" presName="vert1" presStyleCnt="0"/>
-      <dgm:spPr/>
-    </dgm:pt>
-  </dgm:ptLst>
-  <dgm:cxnLst>
-    <dgm:cxn modelId="{3CA0A02E-CDDA-4BBA-BC10-FBCFDE7A1895}" type="presOf" srcId="{BA3F7320-189F-4FC9-BED3-0096B53C342B}" destId="{37927701-7AC5-46AC-95FE-A14F44D6B104}" srcOrd="0" destOrd="0" presId="urn:microsoft.com/office/officeart/2008/layout/LinedList"/>
-    <dgm:cxn modelId="{8827D26D-5FBC-43A9-B292-858DE02F08D9}" srcId="{D27A3AD0-B104-4928-8031-7F1B79FA2758}" destId="{0F03F182-9A01-4507-A092-31BCFF8343DE}" srcOrd="2" destOrd="0" parTransId="{BA51E888-DB27-4A03-B67C-6E4EEC64E9C9}" sibTransId="{BF529097-15B6-42E7-800B-442E94E00307}"/>
-    <dgm:cxn modelId="{967AC770-898E-4A20-A71C-CB73020AFE0F}" type="presOf" srcId="{3653DB8C-C450-4AA8-8DFB-1B69EF8DE722}" destId="{32A360DD-4995-4637-87E8-FBB801F948C4}" srcOrd="0" destOrd="0" presId="urn:microsoft.com/office/officeart/2008/layout/LinedList"/>
-    <dgm:cxn modelId="{99748D93-0AEA-4DB0-8FEB-0D5F1C62A9DB}" srcId="{D27A3AD0-B104-4928-8031-7F1B79FA2758}" destId="{3653DB8C-C450-4AA8-8DFB-1B69EF8DE722}" srcOrd="1" destOrd="0" parTransId="{E77D5812-71A7-4624-B49F-F55247ABE919}" sibTransId="{AF7ED4A2-736C-4DB9-B35A-72675FBCEB78}"/>
-    <dgm:cxn modelId="{C40C3099-9E24-40B3-96FD-9B4E3EF72210}" srcId="{D27A3AD0-B104-4928-8031-7F1B79FA2758}" destId="{BA3F7320-189F-4FC9-BED3-0096B53C342B}" srcOrd="0" destOrd="0" parTransId="{7815C374-2264-48E1-84A1-CED566284C63}" sibTransId="{CAA6CF96-8326-41FE-9DBF-A3B1D651F213}"/>
-    <dgm:cxn modelId="{FB56EEC4-D8A2-46AD-8AEC-799E407E2E22}" type="presOf" srcId="{0F03F182-9A01-4507-A092-31BCFF8343DE}" destId="{F7FBEDD6-617E-44F4-A2B8-614059DAD792}" srcOrd="0" destOrd="0" presId="urn:microsoft.com/office/officeart/2008/layout/LinedList"/>
-    <dgm:cxn modelId="{4C8076DA-DDE9-47F3-B65A-12B45DE3E720}" type="presOf" srcId="{D27A3AD0-B104-4928-8031-7F1B79FA2758}" destId="{1CDCA789-74C7-4B86-86D6-ED2FF73F343D}" srcOrd="0" destOrd="0" presId="urn:microsoft.com/office/officeart/2008/layout/LinedList"/>
-    <dgm:cxn modelId="{B805118F-F951-4A8C-B7F8-571A44A44422}" type="presParOf" srcId="{1CDCA789-74C7-4B86-86D6-ED2FF73F343D}" destId="{5E9F770F-B8B0-4BE4-9D26-EB0E6B04EADE}" srcOrd="0" destOrd="0" presId="urn:microsoft.com/office/officeart/2008/layout/LinedList"/>
-    <dgm:cxn modelId="{C97FBD36-1876-40EC-B526-DC97D96A8C83}" type="presParOf" srcId="{1CDCA789-74C7-4B86-86D6-ED2FF73F343D}" destId="{83FC4796-FCFA-4EE9-A1D5-D523B52679C1}" srcOrd="1" destOrd="0" presId="urn:microsoft.com/office/officeart/2008/layout/LinedList"/>
-    <dgm:cxn modelId="{DF761BD1-D601-4455-B3BA-6269512633E1}" type="presParOf" srcId="{83FC4796-FCFA-4EE9-A1D5-D523B52679C1}" destId="{37927701-7AC5-46AC-95FE-A14F44D6B104}" srcOrd="0" destOrd="0" presId="urn:microsoft.com/office/officeart/2008/layout/LinedList"/>
-    <dgm:cxn modelId="{9195D755-C579-4AB5-8660-BF3F3C794310}" type="presParOf" srcId="{83FC4796-FCFA-4EE9-A1D5-D523B52679C1}" destId="{3FCF7A53-D100-446F-B5F3-F2E24A6433AD}" srcOrd="1" destOrd="0" presId="urn:microsoft.com/office/officeart/2008/layout/LinedList"/>
-    <dgm:cxn modelId="{8BC62EBD-ACA0-4B5A-9A0F-36E3C302066B}" type="presParOf" srcId="{1CDCA789-74C7-4B86-86D6-ED2FF73F343D}" destId="{66BA8736-FA41-45A2-88D7-9A11758386F3}" srcOrd="2" destOrd="0" presId="urn:microsoft.com/office/officeart/2008/layout/LinedList"/>
-    <dgm:cxn modelId="{C6907EB0-A2EB-4103-8C9D-93F558DF0B1B}" type="presParOf" srcId="{1CDCA789-74C7-4B86-86D6-ED2FF73F343D}" destId="{D4C3454D-9AF8-4D14-844C-C2FD3FDF57C6}" srcOrd="3" destOrd="0" presId="urn:microsoft.com/office/officeart/2008/layout/LinedList"/>
-    <dgm:cxn modelId="{8E77E473-76E5-4E48-BBA1-2DC0A1918E51}" type="presParOf" srcId="{D4C3454D-9AF8-4D14-844C-C2FD3FDF57C6}" destId="{32A360DD-4995-4637-87E8-FBB801F948C4}" srcOrd="0" destOrd="0" presId="urn:microsoft.com/office/officeart/2008/layout/LinedList"/>
-    <dgm:cxn modelId="{64A436EE-D69A-420C-A423-A8BA8E2910D9}" type="presParOf" srcId="{D4C3454D-9AF8-4D14-844C-C2FD3FDF57C6}" destId="{BF2996A1-6D87-4904-8CA9-62EBFF9FFE94}" srcOrd="1" destOrd="0" presId="urn:microsoft.com/office/officeart/2008/layout/LinedList"/>
-    <dgm:cxn modelId="{D49EE26B-1972-4221-81C2-C435531132D3}" type="presParOf" srcId="{1CDCA789-74C7-4B86-86D6-ED2FF73F343D}" destId="{BF7E9C1A-735D-4ED0-887F-357A0DEE4F50}" srcOrd="4" destOrd="0" presId="urn:microsoft.com/office/officeart/2008/layout/LinedList"/>
-    <dgm:cxn modelId="{26E64345-2A30-4E8D-8596-AB2CCD95BECA}" type="presParOf" srcId="{1CDCA789-74C7-4B86-86D6-ED2FF73F343D}" destId="{F03BE63E-3154-45CC-9D89-0EBF252F1603}" srcOrd="5" destOrd="0" presId="urn:microsoft.com/office/officeart/2008/layout/LinedList"/>
-    <dgm:cxn modelId="{FA0FDB5E-A5AF-4A84-B5ED-D65BFEE14DF4}" type="presParOf" srcId="{F03BE63E-3154-45CC-9D89-0EBF252F1603}" destId="{F7FBEDD6-617E-44F4-A2B8-614059DAD792}" srcOrd="0" destOrd="0" presId="urn:microsoft.com/office/officeart/2008/layout/LinedList"/>
-    <dgm:cxn modelId="{57AAD319-18A2-43BA-89A1-8C1EAE1715FF}" type="presParOf" srcId="{F03BE63E-3154-45CC-9D89-0EBF252F1603}" destId="{3700871A-1D1F-45C6-8CA6-CC74ED1E5E9A}" srcOrd="1" destOrd="0" presId="urn:microsoft.com/office/officeart/2008/layout/LinedList"/>
   </dgm:cxnLst>
   <dgm:bg/>
   <dgm:whole/>
@@ -3483,8 +2561,30 @@
             <a:buNone/>
           </a:pPr>
           <a:r>
-            <a:rPr lang="en-US" sz="1800" kern="1200"/>
-            <a:t>DecisionTreeClassifier: 0.5478</a:t>
+            <a:rPr lang="en-US" sz="1800" kern="1200" dirty="0" err="1"/>
+            <a:t>DecisionTreeClassifier</a:t>
+          </a:r>
+          <a:r>
+            <a:rPr lang="en-US" sz="1800" kern="1200" dirty="0"/>
+            <a:t>: </a:t>
+          </a:r>
+        </a:p>
+        <a:p>
+          <a:pPr marL="0" lvl="0" indent="0" algn="ctr" defTabSz="800100">
+            <a:lnSpc>
+              <a:spcPct val="90000"/>
+            </a:lnSpc>
+            <a:spcBef>
+              <a:spcPct val="0"/>
+            </a:spcBef>
+            <a:spcAft>
+              <a:spcPct val="35000"/>
+            </a:spcAft>
+            <a:buNone/>
+          </a:pPr>
+          <a:r>
+            <a:rPr lang="en-US" sz="1800" kern="1200" dirty="0"/>
+            <a:t>AUC 0.5478</a:t>
           </a:r>
         </a:p>
       </dsp:txBody>
@@ -3612,8 +2712,30 @@
             <a:buNone/>
           </a:pPr>
           <a:r>
-            <a:rPr lang="en-US" sz="1800" kern="1200"/>
-            <a:t>RandomForestClassifier: 0.7728</a:t>
+            <a:rPr lang="en-US" sz="1800" kern="1200" dirty="0" err="1"/>
+            <a:t>RandomForestClassifier</a:t>
+          </a:r>
+          <a:r>
+            <a:rPr lang="en-US" sz="1800" kern="1200" dirty="0"/>
+            <a:t>: </a:t>
+          </a:r>
+        </a:p>
+        <a:p>
+          <a:pPr marL="0" lvl="0" indent="0" algn="ctr" defTabSz="800100">
+            <a:lnSpc>
+              <a:spcPct val="90000"/>
+            </a:lnSpc>
+            <a:spcBef>
+              <a:spcPct val="0"/>
+            </a:spcBef>
+            <a:spcAft>
+              <a:spcPct val="35000"/>
+            </a:spcAft>
+            <a:buNone/>
+          </a:pPr>
+          <a:r>
+            <a:rPr lang="en-US" sz="1800" kern="1200" dirty="0"/>
+            <a:t>AUC 0.7728</a:t>
           </a:r>
         </a:p>
       </dsp:txBody>
@@ -3741,8 +2863,30 @@
             <a:buNone/>
           </a:pPr>
           <a:r>
-            <a:rPr lang="en-US" sz="1800" kern="1200"/>
-            <a:t>LogisticRegression: 0.7997</a:t>
+            <a:rPr lang="en-US" sz="1800" kern="1200" dirty="0" err="1"/>
+            <a:t>LogisticRegression</a:t>
+          </a:r>
+          <a:r>
+            <a:rPr lang="en-US" sz="1800" kern="1200" dirty="0"/>
+            <a:t>: </a:t>
+          </a:r>
+        </a:p>
+        <a:p>
+          <a:pPr marL="0" lvl="0" indent="0" algn="ctr" defTabSz="800100">
+            <a:lnSpc>
+              <a:spcPct val="90000"/>
+            </a:lnSpc>
+            <a:spcBef>
+              <a:spcPct val="0"/>
+            </a:spcBef>
+            <a:spcAft>
+              <a:spcPct val="35000"/>
+            </a:spcAft>
+            <a:buNone/>
+          </a:pPr>
+          <a:r>
+            <a:rPr lang="en-US" sz="1800" kern="1200" dirty="0"/>
+            <a:t>AUC 0.7997</a:t>
           </a:r>
         </a:p>
       </dsp:txBody>
@@ -3890,7 +3034,7 @@
         </a:bodyPr>
         <a:lstStyle/>
         <a:p>
-          <a:pPr marL="0" lvl="0" indent="0" algn="l" defTabSz="711200">
+          <a:pPr marL="0" lvl="0" indent="0" algn="l" defTabSz="1111250">
             <a:lnSpc>
               <a:spcPct val="90000"/>
             </a:lnSpc>
@@ -3903,8 +3047,8 @@
             <a:buNone/>
           </a:pPr>
           <a:r>
-            <a:rPr lang="en-US" sz="1600" kern="1200"/>
-            <a:t>1.	The Consumer Financial Protection Bureau would be able to use this model to identify consumer narratives that do not have timely responses.</a:t>
+            <a:rPr lang="en-US" sz="2500" kern="1200" dirty="0"/>
+            <a:t>1.	Prioritizing Complaint Response</a:t>
           </a:r>
         </a:p>
       </dsp:txBody>
@@ -3920,7 +3064,7 @@
       </dsp:nvSpPr>
       <dsp:spPr>
         <a:xfrm>
-          <a:off x="0" y="1653429"/>
+          <a:off x="0" y="1635684"/>
           <a:ext cx="5924550" cy="1322291"/>
         </a:xfrm>
         <a:prstGeom prst="roundRect">
@@ -4040,7 +3184,7 @@
         </a:bodyPr>
         <a:lstStyle/>
         <a:p>
-          <a:pPr marL="0" lvl="0" indent="0" algn="l" defTabSz="711200">
+          <a:pPr marL="0" lvl="0" indent="0" algn="l" defTabSz="1111250">
             <a:lnSpc>
               <a:spcPct val="90000"/>
             </a:lnSpc>
@@ -4053,9 +3197,14 @@
             <a:buNone/>
           </a:pPr>
           <a:r>
-            <a:rPr lang="en-US" sz="1600" kern="1200"/>
-            <a:t>2.	Companies that appear on this list will also be able to deal with consumer complaints that may take more than 15 days to respond to.</a:t>
+            <a:rPr lang="en-US" sz="2500" kern="1200" dirty="0"/>
+            <a:t>2.	Identifying </a:t>
           </a:r>
+          <a:r>
+            <a:rPr lang="en-US" sz="2500" kern="1200"/>
+            <a:t>Systemic Issues</a:t>
+          </a:r>
+          <a:endParaRPr lang="en-US" sz="2500" kern="1200" dirty="0"/>
         </a:p>
       </dsp:txBody>
       <dsp:txXfrm>
@@ -4190,7 +3339,7 @@
         </a:bodyPr>
         <a:lstStyle/>
         <a:p>
-          <a:pPr marL="0" lvl="0" indent="0" algn="l" defTabSz="711200">
+          <a:pPr marL="0" lvl="0" indent="0" algn="l" defTabSz="1111250">
             <a:lnSpc>
               <a:spcPct val="90000"/>
             </a:lnSpc>
@@ -4203,461 +3352,14 @@
             <a:buNone/>
           </a:pPr>
           <a:r>
-            <a:rPr lang="en-US" sz="1600" kern="1200"/>
-            <a:t>3.	Consumers can use this model to ensure that their complaints receive a timely response.</a:t>
+            <a:rPr lang="en-US" sz="2500" kern="1200" dirty="0"/>
+            <a:t>3.	Improving Consumer Experience</a:t>
           </a:r>
         </a:p>
       </dsp:txBody>
       <dsp:txXfrm>
         <a:off x="1527246" y="3306293"/>
         <a:ext cx="4397303" cy="1322291"/>
-      </dsp:txXfrm>
-    </dsp:sp>
-  </dsp:spTree>
-</dsp:drawing>
-</file>
-
-<file path=ppt/diagrams/drawing3.xml><?xml version="1.0" encoding="utf-8"?>
-<dsp:drawing xmlns:dgm="http://schemas.openxmlformats.org/drawingml/2006/diagram" xmlns:dsp="http://schemas.microsoft.com/office/drawing/2008/diagram" xmlns:a="http://schemas.openxmlformats.org/drawingml/2006/main">
-  <dsp:spTree>
-    <dsp:nvGrpSpPr>
-      <dsp:cNvPr id="0" name=""/>
-      <dsp:cNvGrpSpPr/>
-    </dsp:nvGrpSpPr>
-    <dsp:grpSpPr/>
-    <dsp:sp modelId="{5E9F770F-B8B0-4BE4-9D26-EB0E6B04EADE}">
-      <dsp:nvSpPr>
-        <dsp:cNvPr id="0" name=""/>
-        <dsp:cNvSpPr/>
-      </dsp:nvSpPr>
-      <dsp:spPr>
-        <a:xfrm>
-          <a:off x="0" y="2260"/>
-          <a:ext cx="5924550" cy="0"/>
-        </a:xfrm>
-        <a:prstGeom prst="line">
-          <a:avLst/>
-        </a:prstGeom>
-        <a:gradFill rotWithShape="0">
-          <a:gsLst>
-            <a:gs pos="0">
-              <a:schemeClr val="dk2">
-                <a:hueOff val="0"/>
-                <a:satOff val="0"/>
-                <a:lumOff val="0"/>
-                <a:alphaOff val="0"/>
-                <a:tint val="94000"/>
-                <a:satMod val="100000"/>
-                <a:lumMod val="104000"/>
-              </a:schemeClr>
-            </a:gs>
-            <a:gs pos="69000">
-              <a:schemeClr val="dk2">
-                <a:hueOff val="0"/>
-                <a:satOff val="0"/>
-                <a:lumOff val="0"/>
-                <a:alphaOff val="0"/>
-                <a:shade val="86000"/>
-                <a:satMod val="130000"/>
-                <a:lumMod val="102000"/>
-              </a:schemeClr>
-            </a:gs>
-            <a:gs pos="100000">
-              <a:schemeClr val="dk2">
-                <a:hueOff val="0"/>
-                <a:satOff val="0"/>
-                <a:lumOff val="0"/>
-                <a:alphaOff val="0"/>
-                <a:shade val="72000"/>
-                <a:satMod val="130000"/>
-                <a:lumMod val="100000"/>
-              </a:schemeClr>
-            </a:gs>
-          </a:gsLst>
-          <a:lin ang="5400000" scaled="0"/>
-        </a:gradFill>
-        <a:ln w="12700" cap="flat" cmpd="sng" algn="ctr">
-          <a:solidFill>
-            <a:schemeClr val="dk2">
-              <a:hueOff val="0"/>
-              <a:satOff val="0"/>
-              <a:lumOff val="0"/>
-              <a:alphaOff val="0"/>
-            </a:schemeClr>
-          </a:solidFill>
-          <a:prstDash val="solid"/>
-        </a:ln>
-        <a:effectLst>
-          <a:outerShdw blurRad="50800" dist="38100" dir="5400000" sy="96000" rotWithShape="0">
-            <a:srgbClr val="000000">
-              <a:alpha val="54000"/>
-            </a:srgbClr>
-          </a:outerShdw>
-        </a:effectLst>
-      </dsp:spPr>
-      <dsp:style>
-        <a:lnRef idx="1">
-          <a:scrgbClr r="0" g="0" b="0"/>
-        </a:lnRef>
-        <a:fillRef idx="3">
-          <a:scrgbClr r="0" g="0" b="0"/>
-        </a:fillRef>
-        <a:effectRef idx="2">
-          <a:scrgbClr r="0" g="0" b="0"/>
-        </a:effectRef>
-        <a:fontRef idx="minor">
-          <a:schemeClr val="lt1"/>
-        </a:fontRef>
-      </dsp:style>
-    </dsp:sp>
-    <dsp:sp modelId="{37927701-7AC5-46AC-95FE-A14F44D6B104}">
-      <dsp:nvSpPr>
-        <dsp:cNvPr id="0" name=""/>
-        <dsp:cNvSpPr/>
-      </dsp:nvSpPr>
-      <dsp:spPr>
-        <a:xfrm>
-          <a:off x="0" y="2260"/>
-          <a:ext cx="5924550" cy="1541543"/>
-        </a:xfrm>
-        <a:prstGeom prst="rect">
-          <a:avLst/>
-        </a:prstGeom>
-        <a:noFill/>
-        <a:ln>
-          <a:noFill/>
-        </a:ln>
-        <a:effectLst/>
-      </dsp:spPr>
-      <dsp:style>
-        <a:lnRef idx="0">
-          <a:scrgbClr r="0" g="0" b="0"/>
-        </a:lnRef>
-        <a:fillRef idx="0">
-          <a:scrgbClr r="0" g="0" b="0"/>
-        </a:fillRef>
-        <a:effectRef idx="0">
-          <a:scrgbClr r="0" g="0" b="0"/>
-        </a:effectRef>
-        <a:fontRef idx="minor"/>
-      </dsp:style>
-      <dsp:txBody>
-        <a:bodyPr spcFirstLastPara="0" vert="horz" wrap="square" lIns="167640" tIns="167640" rIns="167640" bIns="167640" numCol="1" spcCol="1270" anchor="t" anchorCtr="0">
-          <a:noAutofit/>
-        </a:bodyPr>
-        <a:lstStyle/>
-        <a:p>
-          <a:pPr marL="0" lvl="0" indent="0" algn="l" defTabSz="1955800">
-            <a:lnSpc>
-              <a:spcPct val="90000"/>
-            </a:lnSpc>
-            <a:spcBef>
-              <a:spcPct val="0"/>
-            </a:spcBef>
-            <a:spcAft>
-              <a:spcPct val="35000"/>
-            </a:spcAft>
-            <a:buNone/>
-          </a:pPr>
-          <a:r>
-            <a:rPr lang="en-US" sz="4400" kern="1200"/>
-            <a:t>Larger Date Range</a:t>
-          </a:r>
-        </a:p>
-      </dsp:txBody>
-      <dsp:txXfrm>
-        <a:off x="0" y="2260"/>
-        <a:ext cx="5924550" cy="1541543"/>
-      </dsp:txXfrm>
-    </dsp:sp>
-    <dsp:sp modelId="{66BA8736-FA41-45A2-88D7-9A11758386F3}">
-      <dsp:nvSpPr>
-        <dsp:cNvPr id="0" name=""/>
-        <dsp:cNvSpPr/>
-      </dsp:nvSpPr>
-      <dsp:spPr>
-        <a:xfrm>
-          <a:off x="0" y="1543803"/>
-          <a:ext cx="5924550" cy="0"/>
-        </a:xfrm>
-        <a:prstGeom prst="line">
-          <a:avLst/>
-        </a:prstGeom>
-        <a:gradFill rotWithShape="0">
-          <a:gsLst>
-            <a:gs pos="0">
-              <a:schemeClr val="dk2">
-                <a:hueOff val="0"/>
-                <a:satOff val="0"/>
-                <a:lumOff val="0"/>
-                <a:alphaOff val="0"/>
-                <a:tint val="94000"/>
-                <a:satMod val="100000"/>
-                <a:lumMod val="104000"/>
-              </a:schemeClr>
-            </a:gs>
-            <a:gs pos="69000">
-              <a:schemeClr val="dk2">
-                <a:hueOff val="0"/>
-                <a:satOff val="0"/>
-                <a:lumOff val="0"/>
-                <a:alphaOff val="0"/>
-                <a:shade val="86000"/>
-                <a:satMod val="130000"/>
-                <a:lumMod val="102000"/>
-              </a:schemeClr>
-            </a:gs>
-            <a:gs pos="100000">
-              <a:schemeClr val="dk2">
-                <a:hueOff val="0"/>
-                <a:satOff val="0"/>
-                <a:lumOff val="0"/>
-                <a:alphaOff val="0"/>
-                <a:shade val="72000"/>
-                <a:satMod val="130000"/>
-                <a:lumMod val="100000"/>
-              </a:schemeClr>
-            </a:gs>
-          </a:gsLst>
-          <a:lin ang="5400000" scaled="0"/>
-        </a:gradFill>
-        <a:ln w="12700" cap="flat" cmpd="sng" algn="ctr">
-          <a:solidFill>
-            <a:schemeClr val="dk2">
-              <a:hueOff val="0"/>
-              <a:satOff val="0"/>
-              <a:lumOff val="0"/>
-              <a:alphaOff val="0"/>
-            </a:schemeClr>
-          </a:solidFill>
-          <a:prstDash val="solid"/>
-        </a:ln>
-        <a:effectLst>
-          <a:outerShdw blurRad="50800" dist="38100" dir="5400000" sy="96000" rotWithShape="0">
-            <a:srgbClr val="000000">
-              <a:alpha val="54000"/>
-            </a:srgbClr>
-          </a:outerShdw>
-        </a:effectLst>
-      </dsp:spPr>
-      <dsp:style>
-        <a:lnRef idx="1">
-          <a:scrgbClr r="0" g="0" b="0"/>
-        </a:lnRef>
-        <a:fillRef idx="3">
-          <a:scrgbClr r="0" g="0" b="0"/>
-        </a:fillRef>
-        <a:effectRef idx="2">
-          <a:scrgbClr r="0" g="0" b="0"/>
-        </a:effectRef>
-        <a:fontRef idx="minor">
-          <a:schemeClr val="lt1"/>
-        </a:fontRef>
-      </dsp:style>
-    </dsp:sp>
-    <dsp:sp modelId="{32A360DD-4995-4637-87E8-FBB801F948C4}">
-      <dsp:nvSpPr>
-        <dsp:cNvPr id="0" name=""/>
-        <dsp:cNvSpPr/>
-      </dsp:nvSpPr>
-      <dsp:spPr>
-        <a:xfrm>
-          <a:off x="0" y="1543803"/>
-          <a:ext cx="5924550" cy="1541543"/>
-        </a:xfrm>
-        <a:prstGeom prst="rect">
-          <a:avLst/>
-        </a:prstGeom>
-        <a:noFill/>
-        <a:ln>
-          <a:noFill/>
-        </a:ln>
-        <a:effectLst/>
-      </dsp:spPr>
-      <dsp:style>
-        <a:lnRef idx="0">
-          <a:scrgbClr r="0" g="0" b="0"/>
-        </a:lnRef>
-        <a:fillRef idx="0">
-          <a:scrgbClr r="0" g="0" b="0"/>
-        </a:fillRef>
-        <a:effectRef idx="0">
-          <a:scrgbClr r="0" g="0" b="0"/>
-        </a:effectRef>
-        <a:fontRef idx="minor"/>
-      </dsp:style>
-      <dsp:txBody>
-        <a:bodyPr spcFirstLastPara="0" vert="horz" wrap="square" lIns="167640" tIns="167640" rIns="167640" bIns="167640" numCol="1" spcCol="1270" anchor="t" anchorCtr="0">
-          <a:noAutofit/>
-        </a:bodyPr>
-        <a:lstStyle/>
-        <a:p>
-          <a:pPr marL="0" lvl="0" indent="0" algn="l" defTabSz="1955800">
-            <a:lnSpc>
-              <a:spcPct val="90000"/>
-            </a:lnSpc>
-            <a:spcBef>
-              <a:spcPct val="0"/>
-            </a:spcBef>
-            <a:spcAft>
-              <a:spcPct val="35000"/>
-            </a:spcAft>
-            <a:buNone/>
-          </a:pPr>
-          <a:r>
-            <a:rPr lang="en-US" sz="4400" kern="1200"/>
-            <a:t>Complaints without narratives</a:t>
-          </a:r>
-        </a:p>
-      </dsp:txBody>
-      <dsp:txXfrm>
-        <a:off x="0" y="1543803"/>
-        <a:ext cx="5924550" cy="1541543"/>
-      </dsp:txXfrm>
-    </dsp:sp>
-    <dsp:sp modelId="{BF7E9C1A-735D-4ED0-887F-357A0DEE4F50}">
-      <dsp:nvSpPr>
-        <dsp:cNvPr id="0" name=""/>
-        <dsp:cNvSpPr/>
-      </dsp:nvSpPr>
-      <dsp:spPr>
-        <a:xfrm>
-          <a:off x="0" y="3085346"/>
-          <a:ext cx="5924550" cy="0"/>
-        </a:xfrm>
-        <a:prstGeom prst="line">
-          <a:avLst/>
-        </a:prstGeom>
-        <a:gradFill rotWithShape="0">
-          <a:gsLst>
-            <a:gs pos="0">
-              <a:schemeClr val="dk2">
-                <a:hueOff val="0"/>
-                <a:satOff val="0"/>
-                <a:lumOff val="0"/>
-                <a:alphaOff val="0"/>
-                <a:tint val="94000"/>
-                <a:satMod val="100000"/>
-                <a:lumMod val="104000"/>
-              </a:schemeClr>
-            </a:gs>
-            <a:gs pos="69000">
-              <a:schemeClr val="dk2">
-                <a:hueOff val="0"/>
-                <a:satOff val="0"/>
-                <a:lumOff val="0"/>
-                <a:alphaOff val="0"/>
-                <a:shade val="86000"/>
-                <a:satMod val="130000"/>
-                <a:lumMod val="102000"/>
-              </a:schemeClr>
-            </a:gs>
-            <a:gs pos="100000">
-              <a:schemeClr val="dk2">
-                <a:hueOff val="0"/>
-                <a:satOff val="0"/>
-                <a:lumOff val="0"/>
-                <a:alphaOff val="0"/>
-                <a:shade val="72000"/>
-                <a:satMod val="130000"/>
-                <a:lumMod val="100000"/>
-              </a:schemeClr>
-            </a:gs>
-          </a:gsLst>
-          <a:lin ang="5400000" scaled="0"/>
-        </a:gradFill>
-        <a:ln w="12700" cap="flat" cmpd="sng" algn="ctr">
-          <a:solidFill>
-            <a:schemeClr val="dk2">
-              <a:hueOff val="0"/>
-              <a:satOff val="0"/>
-              <a:lumOff val="0"/>
-              <a:alphaOff val="0"/>
-            </a:schemeClr>
-          </a:solidFill>
-          <a:prstDash val="solid"/>
-        </a:ln>
-        <a:effectLst>
-          <a:outerShdw blurRad="50800" dist="38100" dir="5400000" sy="96000" rotWithShape="0">
-            <a:srgbClr val="000000">
-              <a:alpha val="54000"/>
-            </a:srgbClr>
-          </a:outerShdw>
-        </a:effectLst>
-      </dsp:spPr>
-      <dsp:style>
-        <a:lnRef idx="1">
-          <a:scrgbClr r="0" g="0" b="0"/>
-        </a:lnRef>
-        <a:fillRef idx="3">
-          <a:scrgbClr r="0" g="0" b="0"/>
-        </a:fillRef>
-        <a:effectRef idx="2">
-          <a:scrgbClr r="0" g="0" b="0"/>
-        </a:effectRef>
-        <a:fontRef idx="minor">
-          <a:schemeClr val="lt1"/>
-        </a:fontRef>
-      </dsp:style>
-    </dsp:sp>
-    <dsp:sp modelId="{F7FBEDD6-617E-44F4-A2B8-614059DAD792}">
-      <dsp:nvSpPr>
-        <dsp:cNvPr id="0" name=""/>
-        <dsp:cNvSpPr/>
-      </dsp:nvSpPr>
-      <dsp:spPr>
-        <a:xfrm>
-          <a:off x="0" y="3085346"/>
-          <a:ext cx="5924550" cy="1541543"/>
-        </a:xfrm>
-        <a:prstGeom prst="rect">
-          <a:avLst/>
-        </a:prstGeom>
-        <a:noFill/>
-        <a:ln>
-          <a:noFill/>
-        </a:ln>
-        <a:effectLst/>
-      </dsp:spPr>
-      <dsp:style>
-        <a:lnRef idx="0">
-          <a:scrgbClr r="0" g="0" b="0"/>
-        </a:lnRef>
-        <a:fillRef idx="0">
-          <a:scrgbClr r="0" g="0" b="0"/>
-        </a:fillRef>
-        <a:effectRef idx="0">
-          <a:scrgbClr r="0" g="0" b="0"/>
-        </a:effectRef>
-        <a:fontRef idx="minor"/>
-      </dsp:style>
-      <dsp:txBody>
-        <a:bodyPr spcFirstLastPara="0" vert="horz" wrap="square" lIns="167640" tIns="167640" rIns="167640" bIns="167640" numCol="1" spcCol="1270" anchor="t" anchorCtr="0">
-          <a:noAutofit/>
-        </a:bodyPr>
-        <a:lstStyle/>
-        <a:p>
-          <a:pPr marL="0" lvl="0" indent="0" algn="l" defTabSz="1955800">
-            <a:lnSpc>
-              <a:spcPct val="90000"/>
-            </a:lnSpc>
-            <a:spcBef>
-              <a:spcPct val="0"/>
-            </a:spcBef>
-            <a:spcAft>
-              <a:spcPct val="35000"/>
-            </a:spcAft>
-            <a:buNone/>
-          </a:pPr>
-          <a:r>
-            <a:rPr lang="en-US" sz="4400" kern="1200"/>
-            <a:t>Other datasets</a:t>
-          </a:r>
-        </a:p>
-      </dsp:txBody>
-      <dsp:txXfrm>
-        <a:off x="0" y="3085346"/>
-        <a:ext cx="5924550" cy="1541543"/>
       </dsp:txXfrm>
     </dsp:sp>
   </dsp:spTree>
@@ -5521,472 +4223,6 @@
 </dgm:layoutDef>
 </file>
 
-<file path=ppt/diagrams/layout3.xml><?xml version="1.0" encoding="utf-8"?>
-<dgm:layoutDef xmlns:dgm="http://schemas.openxmlformats.org/drawingml/2006/diagram" xmlns:a="http://schemas.openxmlformats.org/drawingml/2006/main" uniqueId="urn:microsoft.com/office/officeart/2008/layout/LinedList">
-  <dgm:title val=""/>
-  <dgm:desc val=""/>
-  <dgm:catLst>
-    <dgm:cat type="hierarchy" pri="8000"/>
-    <dgm:cat type="list" pri="2500"/>
-  </dgm:catLst>
-  <dgm:sampData>
-    <dgm:dataModel>
-      <dgm:ptLst>
-        <dgm:pt modelId="0" type="doc"/>
-        <dgm:pt modelId="1">
-          <dgm:prSet phldr="1"/>
-        </dgm:pt>
-        <dgm:pt modelId="11">
-          <dgm:prSet phldr="1"/>
-        </dgm:pt>
-        <dgm:pt modelId="12">
-          <dgm:prSet phldr="1"/>
-        </dgm:pt>
-        <dgm:pt modelId="13">
-          <dgm:prSet phldr="1"/>
-        </dgm:pt>
-      </dgm:ptLst>
-      <dgm:cxnLst>
-        <dgm:cxn modelId="2" srcId="0" destId="1" srcOrd="0" destOrd="0"/>
-        <dgm:cxn modelId="3" srcId="1" destId="11" srcOrd="0" destOrd="0"/>
-        <dgm:cxn modelId="4" srcId="1" destId="12" srcOrd="1" destOrd="0"/>
-        <dgm:cxn modelId="5" srcId="1" destId="13" srcOrd="2" destOrd="0"/>
-      </dgm:cxnLst>
-      <dgm:bg/>
-      <dgm:whole/>
-    </dgm:dataModel>
-  </dgm:sampData>
-  <dgm:styleData>
-    <dgm:dataModel>
-      <dgm:ptLst>
-        <dgm:pt modelId="0" type="doc"/>
-        <dgm:pt modelId="1">
-          <dgm:prSet phldr="1"/>
-        </dgm:pt>
-        <dgm:pt modelId="11">
-          <dgm:prSet phldr="1"/>
-        </dgm:pt>
-        <dgm:pt modelId="12">
-          <dgm:prSet phldr="1"/>
-        </dgm:pt>
-      </dgm:ptLst>
-      <dgm:cxnLst>
-        <dgm:cxn modelId="2" srcId="0" destId="1" srcOrd="0" destOrd="0"/>
-        <dgm:cxn modelId="3" srcId="1" destId="11" srcOrd="0" destOrd="0"/>
-        <dgm:cxn modelId="4" srcId="1" destId="12" srcOrd="1" destOrd="0"/>
-      </dgm:cxnLst>
-      <dgm:bg/>
-      <dgm:whole/>
-    </dgm:dataModel>
-  </dgm:styleData>
-  <dgm:clrData>
-    <dgm:dataModel>
-      <dgm:ptLst>
-        <dgm:pt modelId="0" type="doc"/>
-        <dgm:pt modelId="1">
-          <dgm:prSet phldr="1"/>
-        </dgm:pt>
-        <dgm:pt modelId="11">
-          <dgm:prSet phldr="1"/>
-        </dgm:pt>
-        <dgm:pt modelId="12">
-          <dgm:prSet phldr="1"/>
-        </dgm:pt>
-      </dgm:ptLst>
-      <dgm:cxnLst>
-        <dgm:cxn modelId="2" srcId="0" destId="1" srcOrd="0" destOrd="0"/>
-        <dgm:cxn modelId="3" srcId="1" destId="11" srcOrd="0" destOrd="0"/>
-        <dgm:cxn modelId="4" srcId="1" destId="12" srcOrd="1" destOrd="0"/>
-      </dgm:cxnLst>
-      <dgm:bg/>
-      <dgm:whole/>
-    </dgm:dataModel>
-  </dgm:clrData>
-  <dgm:layoutNode name="vert0">
-    <dgm:varLst>
-      <dgm:dir/>
-      <dgm:animOne val="branch"/>
-      <dgm:animLvl val="lvl"/>
-    </dgm:varLst>
-    <dgm:choose name="Name0">
-      <dgm:if name="Name1" func="var" arg="dir" op="equ" val="norm">
-        <dgm:alg type="lin">
-          <dgm:param type="linDir" val="fromT"/>
-          <dgm:param type="nodeHorzAlign" val="l"/>
-        </dgm:alg>
-      </dgm:if>
-      <dgm:else name="Name2">
-        <dgm:alg type="lin">
-          <dgm:param type="linDir" val="fromT"/>
-          <dgm:param type="nodeHorzAlign" val="r"/>
-        </dgm:alg>
-      </dgm:else>
-    </dgm:choose>
-    <dgm:shape xmlns:r="http://schemas.openxmlformats.org/officeDocument/2006/relationships" r:blip="">
-      <dgm:adjLst/>
-    </dgm:shape>
-    <dgm:presOf/>
-    <dgm:constrLst>
-      <dgm:constr type="w" for="ch" forName="horz1" refType="w"/>
-      <dgm:constr type="h" for="ch" forName="horz1" refType="h"/>
-      <dgm:constr type="h" for="des" forName="vert1" refType="h"/>
-      <dgm:constr type="h" for="des" forName="tx1" refType="h"/>
-      <dgm:constr type="h" for="des" forName="horz2" refType="h"/>
-      <dgm:constr type="h" for="des" forName="vert2" refType="h"/>
-      <dgm:constr type="h" for="des" forName="horz3" refType="h"/>
-      <dgm:constr type="h" for="des" forName="vert3" refType="h"/>
-      <dgm:constr type="h" for="des" forName="horz4" refType="h"/>
-      <dgm:constr type="h" for="des" ptType="node" refType="h"/>
-      <dgm:constr type="primFontSz" for="des" forName="tx1" op="equ" val="65"/>
-      <dgm:constr type="primFontSz" for="des" forName="tx2" op="equ" val="65"/>
-      <dgm:constr type="primFontSz" for="des" forName="tx3" op="equ" val="65"/>
-      <dgm:constr type="primFontSz" for="des" forName="tx4" op="equ" val="65"/>
-      <dgm:constr type="w" for="des" forName="thickLine" refType="w"/>
-      <dgm:constr type="h" for="des" forName="thickLine"/>
-      <dgm:constr type="h" for="des" forName="thinLine1"/>
-      <dgm:constr type="h" for="des" forName="thinLine2b"/>
-      <dgm:constr type="h" for="des" forName="thinLine3"/>
-      <dgm:constr type="h" for="des" forName="vertSpace2a" refType="h" fact="0.05"/>
-      <dgm:constr type="h" for="des" forName="vertSpace2b" refType="h" refFor="des" refForName="vertSpace2a"/>
-    </dgm:constrLst>
-    <dgm:forEach name="Name3" axis="ch" ptType="node">
-      <dgm:layoutNode name="thickLine" styleLbl="alignNode1">
-        <dgm:alg type="sp"/>
-        <dgm:shape xmlns:r="http://schemas.openxmlformats.org/officeDocument/2006/relationships" type="line" r:blip="">
-          <dgm:adjLst/>
-        </dgm:shape>
-        <dgm:presOf/>
-      </dgm:layoutNode>
-      <dgm:layoutNode name="horz1">
-        <dgm:choose name="Name4">
-          <dgm:if name="Name5" func="var" arg="dir" op="equ" val="norm">
-            <dgm:alg type="lin">
-              <dgm:param type="linDir" val="fromL"/>
-              <dgm:param type="nodeVertAlign" val="t"/>
-            </dgm:alg>
-          </dgm:if>
-          <dgm:else name="Name6">
-            <dgm:alg type="lin">
-              <dgm:param type="linDir" val="fromR"/>
-              <dgm:param type="nodeVertAlign" val="t"/>
-            </dgm:alg>
-          </dgm:else>
-        </dgm:choose>
-        <dgm:shape xmlns:r="http://schemas.openxmlformats.org/officeDocument/2006/relationships" r:blip="">
-          <dgm:adjLst/>
-        </dgm:shape>
-        <dgm:presOf/>
-        <dgm:choose name="Name7">
-          <dgm:if name="Name8" axis="root des" func="maxDepth" op="equ" val="1">
-            <dgm:constrLst>
-              <dgm:constr type="w" for="ch" forName="tx1" refType="w"/>
-            </dgm:constrLst>
-          </dgm:if>
-          <dgm:if name="Name9" axis="root des" func="maxDepth" op="equ" val="2">
-            <dgm:constrLst>
-              <dgm:constr type="w" for="ch" forName="tx1" refType="w" fact="0.2"/>
-              <dgm:constr type="w" for="des" forName="tx2" refType="w" fact="0.785"/>
-              <dgm:constr type="w" for="des" forName="horzSpace2" refType="w" fact="0.015"/>
-              <dgm:constr type="w" for="des" forName="thinLine2b" refType="w" fact="0.8"/>
-            </dgm:constrLst>
-          </dgm:if>
-          <dgm:if name="Name10" axis="root des" func="maxDepth" op="equ" val="3">
-            <dgm:constrLst>
-              <dgm:constr type="w" for="ch" forName="tx1" refType="w" fact="0.2"/>
-              <dgm:constr type="w" for="des" forName="tx2" refType="w" fact="0.385"/>
-              <dgm:constr type="w" for="des" forName="tx3" refType="w" fact="0.385"/>
-              <dgm:constr type="w" for="des" forName="horzSpace2" refType="w" fact="0.015"/>
-              <dgm:constr type="w" for="des" forName="horzSpace3" refType="w" fact="0.015"/>
-              <dgm:constr type="w" for="des" forName="thinLine2b" refType="w" fact="0.8"/>
-              <dgm:constr type="w" for="des" forName="thinLine3" refType="w" fact="0.385"/>
-            </dgm:constrLst>
-          </dgm:if>
-          <dgm:if name="Name11" axis="root des" func="maxDepth" op="gte" val="4">
-            <dgm:constrLst>
-              <dgm:constr type="w" for="ch" forName="tx1" refType="w" fact="0.2"/>
-              <dgm:constr type="w" for="des" forName="tx2" refType="w" fact="0.2516"/>
-              <dgm:constr type="w" for="des" forName="tx3" refType="w" fact="0.2516"/>
-              <dgm:constr type="w" for="des" forName="tx4" refType="w" fact="0.2516"/>
-              <dgm:constr type="w" for="des" forName="horzSpace2" refType="w" fact="0.015"/>
-              <dgm:constr type="w" for="des" forName="horzSpace3" refType="w" fact="0.015"/>
-              <dgm:constr type="w" for="des" forName="horzSpace4" refType="w" fact="0.015"/>
-              <dgm:constr type="w" for="des" forName="thinLine2b" refType="w" fact="0.8"/>
-              <dgm:constr type="w" for="des" forName="thinLine3" refType="w" fact="0.5332"/>
-            </dgm:constrLst>
-          </dgm:if>
-          <dgm:else name="Name12"/>
-        </dgm:choose>
-        <dgm:layoutNode name="tx1" styleLbl="revTx">
-          <dgm:alg type="tx">
-            <dgm:param type="parTxLTRAlign" val="l"/>
-            <dgm:param type="parTxRTLAlign" val="r"/>
-            <dgm:param type="txAnchorVert" val="t"/>
-          </dgm:alg>
-          <dgm:shape xmlns:r="http://schemas.openxmlformats.org/officeDocument/2006/relationships" type="rect" r:blip="">
-            <dgm:adjLst/>
-          </dgm:shape>
-          <dgm:presOf axis="self"/>
-          <dgm:constrLst>
-            <dgm:constr type="tMarg" refType="primFontSz" fact="0.3"/>
-            <dgm:constr type="bMarg" refType="primFontSz" fact="0.3"/>
-            <dgm:constr type="lMarg" refType="primFontSz" fact="0.3"/>
-            <dgm:constr type="rMarg" refType="primFontSz" fact="0.3"/>
-          </dgm:constrLst>
-          <dgm:ruleLst>
-            <dgm:rule type="primFontSz" val="5" fact="NaN" max="NaN"/>
-          </dgm:ruleLst>
-        </dgm:layoutNode>
-        <dgm:layoutNode name="vert1">
-          <dgm:choose name="Name13">
-            <dgm:if name="Name14" func="var" arg="dir" op="equ" val="norm">
-              <dgm:alg type="lin">
-                <dgm:param type="linDir" val="fromT"/>
-                <dgm:param type="nodeHorzAlign" val="l"/>
-              </dgm:alg>
-            </dgm:if>
-            <dgm:else name="Name15">
-              <dgm:alg type="lin">
-                <dgm:param type="linDir" val="fromT"/>
-                <dgm:param type="nodeHorzAlign" val="r"/>
-              </dgm:alg>
-            </dgm:else>
-          </dgm:choose>
-          <dgm:shape xmlns:r="http://schemas.openxmlformats.org/officeDocument/2006/relationships" r:blip="">
-            <dgm:adjLst/>
-          </dgm:shape>
-          <dgm:presOf/>
-          <dgm:forEach name="Name16" axis="ch" ptType="node">
-            <dgm:choose name="Name17">
-              <dgm:if name="Name18" axis="self" ptType="node" func="pos" op="equ" val="1">
-                <dgm:layoutNode name="vertSpace2a">
-                  <dgm:alg type="sp"/>
-                  <dgm:shape xmlns:r="http://schemas.openxmlformats.org/officeDocument/2006/relationships" r:blip="">
-                    <dgm:adjLst/>
-                  </dgm:shape>
-                  <dgm:presOf/>
-                </dgm:layoutNode>
-              </dgm:if>
-              <dgm:else name="Name19"/>
-            </dgm:choose>
-            <dgm:layoutNode name="horz2">
-              <dgm:choose name="Name20">
-                <dgm:if name="Name21" func="var" arg="dir" op="equ" val="norm">
-                  <dgm:alg type="lin">
-                    <dgm:param type="linDir" val="fromL"/>
-                    <dgm:param type="nodeVertAlign" val="t"/>
-                  </dgm:alg>
-                </dgm:if>
-                <dgm:else name="Name22">
-                  <dgm:alg type="lin">
-                    <dgm:param type="linDir" val="fromR"/>
-                    <dgm:param type="nodeVertAlign" val="t"/>
-                  </dgm:alg>
-                </dgm:else>
-              </dgm:choose>
-              <dgm:shape xmlns:r="http://schemas.openxmlformats.org/officeDocument/2006/relationships" r:blip="">
-                <dgm:adjLst/>
-              </dgm:shape>
-              <dgm:presOf/>
-              <dgm:layoutNode name="horzSpace2">
-                <dgm:alg type="sp"/>
-                <dgm:shape xmlns:r="http://schemas.openxmlformats.org/officeDocument/2006/relationships" r:blip="">
-                  <dgm:adjLst/>
-                </dgm:shape>
-                <dgm:presOf/>
-              </dgm:layoutNode>
-              <dgm:layoutNode name="tx2" styleLbl="revTx">
-                <dgm:alg type="tx">
-                  <dgm:param type="parTxLTRAlign" val="l"/>
-                  <dgm:param type="parTxRTLAlign" val="r"/>
-                  <dgm:param type="txAnchorVert" val="t"/>
-                </dgm:alg>
-                <dgm:shape xmlns:r="http://schemas.openxmlformats.org/officeDocument/2006/relationships" type="rect" r:blip="">
-                  <dgm:adjLst/>
-                </dgm:shape>
-                <dgm:presOf axis="self"/>
-                <dgm:constrLst>
-                  <dgm:constr type="tMarg" refType="primFontSz" fact="0.3"/>
-                  <dgm:constr type="bMarg" refType="primFontSz" fact="0.3"/>
-                  <dgm:constr type="lMarg" refType="primFontSz" fact="0.3"/>
-                  <dgm:constr type="rMarg" refType="primFontSz" fact="0.3"/>
-                </dgm:constrLst>
-                <dgm:ruleLst>
-                  <dgm:rule type="primFontSz" val="5" fact="NaN" max="NaN"/>
-                </dgm:ruleLst>
-              </dgm:layoutNode>
-              <dgm:layoutNode name="vert2">
-                <dgm:choose name="Name23">
-                  <dgm:if name="Name24" func="var" arg="dir" op="equ" val="norm">
-                    <dgm:alg type="lin">
-                      <dgm:param type="linDir" val="fromT"/>
-                      <dgm:param type="nodeHorzAlign" val="l"/>
-                    </dgm:alg>
-                  </dgm:if>
-                  <dgm:else name="Name25">
-                    <dgm:alg type="lin">
-                      <dgm:param type="linDir" val="fromT"/>
-                      <dgm:param type="nodeHorzAlign" val="r"/>
-                    </dgm:alg>
-                  </dgm:else>
-                </dgm:choose>
-                <dgm:shape xmlns:r="http://schemas.openxmlformats.org/officeDocument/2006/relationships" r:blip="">
-                  <dgm:adjLst/>
-                </dgm:shape>
-                <dgm:presOf/>
-                <dgm:forEach name="Name26" axis="ch" ptType="node">
-                  <dgm:layoutNode name="horz3">
-                    <dgm:choose name="Name27">
-                      <dgm:if name="Name28" func="var" arg="dir" op="equ" val="norm">
-                        <dgm:alg type="lin">
-                          <dgm:param type="linDir" val="fromL"/>
-                          <dgm:param type="nodeVertAlign" val="t"/>
-                        </dgm:alg>
-                      </dgm:if>
-                      <dgm:else name="Name29">
-                        <dgm:alg type="lin">
-                          <dgm:param type="linDir" val="fromR"/>
-                          <dgm:param type="nodeVertAlign" val="t"/>
-                        </dgm:alg>
-                      </dgm:else>
-                    </dgm:choose>
-                    <dgm:shape xmlns:r="http://schemas.openxmlformats.org/officeDocument/2006/relationships" r:blip="">
-                      <dgm:adjLst/>
-                    </dgm:shape>
-                    <dgm:presOf/>
-                    <dgm:layoutNode name="horzSpace3">
-                      <dgm:alg type="sp"/>
-                      <dgm:shape xmlns:r="http://schemas.openxmlformats.org/officeDocument/2006/relationships" r:blip="">
-                        <dgm:adjLst/>
-                      </dgm:shape>
-                      <dgm:presOf/>
-                    </dgm:layoutNode>
-                    <dgm:layoutNode name="tx3" styleLbl="revTx">
-                      <dgm:alg type="tx">
-                        <dgm:param type="parTxLTRAlign" val="l"/>
-                        <dgm:param type="parTxRTLAlign" val="r"/>
-                        <dgm:param type="txAnchorVert" val="t"/>
-                      </dgm:alg>
-                      <dgm:shape xmlns:r="http://schemas.openxmlformats.org/officeDocument/2006/relationships" type="rect" r:blip="">
-                        <dgm:adjLst/>
-                      </dgm:shape>
-                      <dgm:presOf axis="self"/>
-                      <dgm:constrLst>
-                        <dgm:constr type="tMarg" refType="primFontSz" fact="0.3"/>
-                        <dgm:constr type="bMarg" refType="primFontSz" fact="0.3"/>
-                        <dgm:constr type="lMarg" refType="primFontSz" fact="0.3"/>
-                        <dgm:constr type="rMarg" refType="primFontSz" fact="0.3"/>
-                      </dgm:constrLst>
-                      <dgm:ruleLst>
-                        <dgm:rule type="primFontSz" val="5" fact="NaN" max="NaN"/>
-                      </dgm:ruleLst>
-                    </dgm:layoutNode>
-                    <dgm:layoutNode name="vert3">
-                      <dgm:choose name="Name30">
-                        <dgm:if name="Name31" func="var" arg="dir" op="equ" val="norm">
-                          <dgm:alg type="lin">
-                            <dgm:param type="linDir" val="fromT"/>
-                            <dgm:param type="nodeHorzAlign" val="l"/>
-                          </dgm:alg>
-                        </dgm:if>
-                        <dgm:else name="Name32">
-                          <dgm:alg type="lin">
-                            <dgm:param type="linDir" val="fromT"/>
-                            <dgm:param type="nodeHorzAlign" val="r"/>
-                          </dgm:alg>
-                        </dgm:else>
-                      </dgm:choose>
-                      <dgm:shape xmlns:r="http://schemas.openxmlformats.org/officeDocument/2006/relationships" r:blip="">
-                        <dgm:adjLst/>
-                      </dgm:shape>
-                      <dgm:presOf/>
-                      <dgm:forEach name="Name33" axis="ch" ptType="node">
-                        <dgm:layoutNode name="horz4">
-                          <dgm:choose name="Name34">
-                            <dgm:if name="Name35" func="var" arg="dir" op="equ" val="norm">
-                              <dgm:alg type="lin">
-                                <dgm:param type="linDir" val="fromL"/>
-                                <dgm:param type="nodeVertAlign" val="t"/>
-                              </dgm:alg>
-                            </dgm:if>
-                            <dgm:else name="Name36">
-                              <dgm:alg type="lin">
-                                <dgm:param type="linDir" val="fromR"/>
-                                <dgm:param type="nodeVertAlign" val="t"/>
-                              </dgm:alg>
-                            </dgm:else>
-                          </dgm:choose>
-                          <dgm:shape xmlns:r="http://schemas.openxmlformats.org/officeDocument/2006/relationships" r:blip="">
-                            <dgm:adjLst/>
-                          </dgm:shape>
-                          <dgm:presOf/>
-                          <dgm:layoutNode name="horzSpace4">
-                            <dgm:alg type="sp"/>
-                            <dgm:shape xmlns:r="http://schemas.openxmlformats.org/officeDocument/2006/relationships" r:blip="">
-                              <dgm:adjLst/>
-                            </dgm:shape>
-                            <dgm:presOf/>
-                          </dgm:layoutNode>
-                          <dgm:layoutNode name="tx4" styleLbl="revTx">
-                            <dgm:varLst>
-                              <dgm:bulletEnabled val="1"/>
-                            </dgm:varLst>
-                            <dgm:alg type="tx">
-                              <dgm:param type="parTxLTRAlign" val="l"/>
-                              <dgm:param type="parTxRTLAlign" val="r"/>
-                              <dgm:param type="txAnchorVert" val="t"/>
-                            </dgm:alg>
-                            <dgm:shape xmlns:r="http://schemas.openxmlformats.org/officeDocument/2006/relationships" type="rect" r:blip="">
-                              <dgm:adjLst/>
-                            </dgm:shape>
-                            <dgm:presOf axis="desOrSelf" ptType="node"/>
-                            <dgm:constrLst>
-                              <dgm:constr type="tMarg" refType="primFontSz" fact="0.3"/>
-                              <dgm:constr type="bMarg" refType="primFontSz" fact="0.3"/>
-                              <dgm:constr type="lMarg" refType="primFontSz" fact="0.3"/>
-                              <dgm:constr type="rMarg" refType="primFontSz" fact="0.3"/>
-                            </dgm:constrLst>
-                            <dgm:ruleLst>
-                              <dgm:rule type="primFontSz" val="5" fact="NaN" max="NaN"/>
-                            </dgm:ruleLst>
-                          </dgm:layoutNode>
-                        </dgm:layoutNode>
-                      </dgm:forEach>
-                    </dgm:layoutNode>
-                  </dgm:layoutNode>
-                  <dgm:forEach name="Name37" axis="followSib" ptType="sibTrans" cnt="1">
-                    <dgm:layoutNode name="thinLine3" styleLbl="callout">
-                      <dgm:alg type="sp"/>
-                      <dgm:shape xmlns:r="http://schemas.openxmlformats.org/officeDocument/2006/relationships" type="line" r:blip="">
-                        <dgm:adjLst/>
-                      </dgm:shape>
-                      <dgm:presOf/>
-                    </dgm:layoutNode>
-                  </dgm:forEach>
-                </dgm:forEach>
-              </dgm:layoutNode>
-            </dgm:layoutNode>
-            <dgm:layoutNode name="thinLine2b" styleLbl="callout">
-              <dgm:alg type="sp"/>
-              <dgm:shape xmlns:r="http://schemas.openxmlformats.org/officeDocument/2006/relationships" type="line" r:blip="">
-                <dgm:adjLst/>
-              </dgm:shape>
-              <dgm:presOf/>
-            </dgm:layoutNode>
-            <dgm:layoutNode name="vertSpace2b">
-              <dgm:alg type="sp"/>
-              <dgm:shape xmlns:r="http://schemas.openxmlformats.org/officeDocument/2006/relationships" r:blip="">
-                <dgm:adjLst/>
-              </dgm:shape>
-              <dgm:presOf/>
-            </dgm:layoutNode>
-          </dgm:forEach>
-        </dgm:layoutNode>
-      </dgm:layoutNode>
-    </dgm:forEach>
-  </dgm:layoutNode>
-</dgm:layoutDef>
-</file>
-
 <file path=ppt/diagrams/quickStyle1.xml><?xml version="1.0" encoding="utf-8"?>
 <dgm:styleDef xmlns:dgm="http://schemas.openxmlformats.org/drawingml/2006/diagram" xmlns:a="http://schemas.openxmlformats.org/drawingml/2006/main" uniqueId="urn:microsoft.com/office/officeart/2005/8/quickstyle/simple1">
   <dgm:title val=""/>
@@ -8027,1040 +6263,6 @@
         <a:scrgbClr r="0" g="0" b="0"/>
       </a:fillRef>
       <a:effectRef idx="0">
-        <a:scrgbClr r="0" g="0" b="0"/>
-      </a:effectRef>
-      <a:fontRef idx="minor"/>
-    </dgm:style>
-  </dgm:styleLbl>
-  <dgm:styleLbl name="revTx">
-    <dgm:scene3d>
-      <a:camera prst="orthographicFront"/>
-      <a:lightRig rig="threePt" dir="t"/>
-    </dgm:scene3d>
-    <dgm:sp3d/>
-    <dgm:txPr/>
-    <dgm:style>
-      <a:lnRef idx="0">
-        <a:scrgbClr r="0" g="0" b="0"/>
-      </a:lnRef>
-      <a:fillRef idx="0">
-        <a:scrgbClr r="0" g="0" b="0"/>
-      </a:fillRef>
-      <a:effectRef idx="0">
-        <a:scrgbClr r="0" g="0" b="0"/>
-      </a:effectRef>
-      <a:fontRef idx="minor"/>
-    </dgm:style>
-  </dgm:styleLbl>
-</dgm:styleDef>
-</file>
-
-<file path=ppt/diagrams/quickStyle3.xml><?xml version="1.0" encoding="utf-8"?>
-<dgm:styleDef xmlns:dgm="http://schemas.openxmlformats.org/drawingml/2006/diagram" xmlns:a="http://schemas.openxmlformats.org/drawingml/2006/main" uniqueId="urn:microsoft.com/office/officeart/2005/8/quickstyle/simple4">
-  <dgm:title val=""/>
-  <dgm:desc val=""/>
-  <dgm:catLst>
-    <dgm:cat type="simple" pri="10400"/>
-  </dgm:catLst>
-  <dgm:scene3d>
-    <a:camera prst="orthographicFront"/>
-    <a:lightRig rig="threePt" dir="t"/>
-  </dgm:scene3d>
-  <dgm:styleLbl name="node0">
-    <dgm:scene3d>
-      <a:camera prst="orthographicFront"/>
-      <a:lightRig rig="threePt" dir="t"/>
-    </dgm:scene3d>
-    <dgm:sp3d/>
-    <dgm:txPr/>
-    <dgm:style>
-      <a:lnRef idx="0">
-        <a:scrgbClr r="0" g="0" b="0"/>
-      </a:lnRef>
-      <a:fillRef idx="3">
-        <a:scrgbClr r="0" g="0" b="0"/>
-      </a:fillRef>
-      <a:effectRef idx="2">
-        <a:scrgbClr r="0" g="0" b="0"/>
-      </a:effectRef>
-      <a:fontRef idx="minor">
-        <a:schemeClr val="lt1"/>
-      </a:fontRef>
-    </dgm:style>
-  </dgm:styleLbl>
-  <dgm:styleLbl name="lnNode1">
-    <dgm:scene3d>
-      <a:camera prst="orthographicFront"/>
-      <a:lightRig rig="threePt" dir="t"/>
-    </dgm:scene3d>
-    <dgm:sp3d/>
-    <dgm:txPr/>
-    <dgm:style>
-      <a:lnRef idx="1">
-        <a:scrgbClr r="0" g="0" b="0"/>
-      </a:lnRef>
-      <a:fillRef idx="3">
-        <a:scrgbClr r="0" g="0" b="0"/>
-      </a:fillRef>
-      <a:effectRef idx="2">
-        <a:scrgbClr r="0" g="0" b="0"/>
-      </a:effectRef>
-      <a:fontRef idx="minor">
-        <a:schemeClr val="lt1"/>
-      </a:fontRef>
-    </dgm:style>
-  </dgm:styleLbl>
-  <dgm:styleLbl name="vennNode1">
-    <dgm:scene3d>
-      <a:camera prst="orthographicFront"/>
-      <a:lightRig rig="threePt" dir="t"/>
-    </dgm:scene3d>
-    <dgm:sp3d/>
-    <dgm:txPr/>
-    <dgm:style>
-      <a:lnRef idx="0">
-        <a:scrgbClr r="0" g="0" b="0"/>
-      </a:lnRef>
-      <a:fillRef idx="3">
-        <a:scrgbClr r="0" g="0" b="0"/>
-      </a:fillRef>
-      <a:effectRef idx="0">
-        <a:scrgbClr r="0" g="0" b="0"/>
-      </a:effectRef>
-      <a:fontRef idx="minor">
-        <a:schemeClr val="tx1"/>
-      </a:fontRef>
-    </dgm:style>
-  </dgm:styleLbl>
-  <dgm:styleLbl name="alignNode1">
-    <dgm:scene3d>
-      <a:camera prst="orthographicFront"/>
-      <a:lightRig rig="threePt" dir="t"/>
-    </dgm:scene3d>
-    <dgm:sp3d/>
-    <dgm:txPr/>
-    <dgm:style>
-      <a:lnRef idx="1">
-        <a:scrgbClr r="0" g="0" b="0"/>
-      </a:lnRef>
-      <a:fillRef idx="3">
-        <a:scrgbClr r="0" g="0" b="0"/>
-      </a:fillRef>
-      <a:effectRef idx="2">
-        <a:scrgbClr r="0" g="0" b="0"/>
-      </a:effectRef>
-      <a:fontRef idx="minor">
-        <a:schemeClr val="lt1"/>
-      </a:fontRef>
-    </dgm:style>
-  </dgm:styleLbl>
-  <dgm:styleLbl name="node1">
-    <dgm:scene3d>
-      <a:camera prst="orthographicFront"/>
-      <a:lightRig rig="threePt" dir="t"/>
-    </dgm:scene3d>
-    <dgm:sp3d/>
-    <dgm:txPr/>
-    <dgm:style>
-      <a:lnRef idx="0">
-        <a:scrgbClr r="0" g="0" b="0"/>
-      </a:lnRef>
-      <a:fillRef idx="3">
-        <a:scrgbClr r="0" g="0" b="0"/>
-      </a:fillRef>
-      <a:effectRef idx="2">
-        <a:scrgbClr r="0" g="0" b="0"/>
-      </a:effectRef>
-      <a:fontRef idx="minor">
-        <a:schemeClr val="lt1"/>
-      </a:fontRef>
-    </dgm:style>
-  </dgm:styleLbl>
-  <dgm:styleLbl name="node2">
-    <dgm:scene3d>
-      <a:camera prst="orthographicFront"/>
-      <a:lightRig rig="threePt" dir="t"/>
-    </dgm:scene3d>
-    <dgm:sp3d/>
-    <dgm:txPr/>
-    <dgm:style>
-      <a:lnRef idx="0">
-        <a:scrgbClr r="0" g="0" b="0"/>
-      </a:lnRef>
-      <a:fillRef idx="3">
-        <a:scrgbClr r="0" g="0" b="0"/>
-      </a:fillRef>
-      <a:effectRef idx="2">
-        <a:scrgbClr r="0" g="0" b="0"/>
-      </a:effectRef>
-      <a:fontRef idx="minor">
-        <a:schemeClr val="lt1"/>
-      </a:fontRef>
-    </dgm:style>
-  </dgm:styleLbl>
-  <dgm:styleLbl name="node3">
-    <dgm:scene3d>
-      <a:camera prst="orthographicFront"/>
-      <a:lightRig rig="threePt" dir="t"/>
-    </dgm:scene3d>
-    <dgm:sp3d/>
-    <dgm:txPr/>
-    <dgm:style>
-      <a:lnRef idx="0">
-        <a:scrgbClr r="0" g="0" b="0"/>
-      </a:lnRef>
-      <a:fillRef idx="3">
-        <a:scrgbClr r="0" g="0" b="0"/>
-      </a:fillRef>
-      <a:effectRef idx="2">
-        <a:scrgbClr r="0" g="0" b="0"/>
-      </a:effectRef>
-      <a:fontRef idx="minor">
-        <a:schemeClr val="lt1"/>
-      </a:fontRef>
-    </dgm:style>
-  </dgm:styleLbl>
-  <dgm:styleLbl name="node4">
-    <dgm:scene3d>
-      <a:camera prst="orthographicFront"/>
-      <a:lightRig rig="threePt" dir="t"/>
-    </dgm:scene3d>
-    <dgm:sp3d/>
-    <dgm:txPr/>
-    <dgm:style>
-      <a:lnRef idx="0">
-        <a:scrgbClr r="0" g="0" b="0"/>
-      </a:lnRef>
-      <a:fillRef idx="3">
-        <a:scrgbClr r="0" g="0" b="0"/>
-      </a:fillRef>
-      <a:effectRef idx="2">
-        <a:scrgbClr r="0" g="0" b="0"/>
-      </a:effectRef>
-      <a:fontRef idx="minor">
-        <a:schemeClr val="lt1"/>
-      </a:fontRef>
-    </dgm:style>
-  </dgm:styleLbl>
-  <dgm:styleLbl name="fgImgPlace1">
-    <dgm:scene3d>
-      <a:camera prst="orthographicFront"/>
-      <a:lightRig rig="threePt" dir="t"/>
-    </dgm:scene3d>
-    <dgm:sp3d/>
-    <dgm:txPr/>
-    <dgm:style>
-      <a:lnRef idx="0">
-        <a:scrgbClr r="0" g="0" b="0"/>
-      </a:lnRef>
-      <a:fillRef idx="1">
-        <a:scrgbClr r="0" g="0" b="0"/>
-      </a:fillRef>
-      <a:effectRef idx="2">
-        <a:scrgbClr r="0" g="0" b="0"/>
-      </a:effectRef>
-      <a:fontRef idx="minor"/>
-    </dgm:style>
-  </dgm:styleLbl>
-  <dgm:styleLbl name="alignImgPlace1">
-    <dgm:scene3d>
-      <a:camera prst="orthographicFront"/>
-      <a:lightRig rig="threePt" dir="t"/>
-    </dgm:scene3d>
-    <dgm:sp3d/>
-    <dgm:txPr/>
-    <dgm:style>
-      <a:lnRef idx="0">
-        <a:scrgbClr r="0" g="0" b="0"/>
-      </a:lnRef>
-      <a:fillRef idx="1">
-        <a:scrgbClr r="0" g="0" b="0"/>
-      </a:fillRef>
-      <a:effectRef idx="2">
-        <a:scrgbClr r="0" g="0" b="0"/>
-      </a:effectRef>
-      <a:fontRef idx="minor"/>
-    </dgm:style>
-  </dgm:styleLbl>
-  <dgm:styleLbl name="bgImgPlace1">
-    <dgm:scene3d>
-      <a:camera prst="orthographicFront"/>
-      <a:lightRig rig="threePt" dir="t"/>
-    </dgm:scene3d>
-    <dgm:sp3d/>
-    <dgm:txPr/>
-    <dgm:style>
-      <a:lnRef idx="0">
-        <a:scrgbClr r="0" g="0" b="0"/>
-      </a:lnRef>
-      <a:fillRef idx="1">
-        <a:scrgbClr r="0" g="0" b="0"/>
-      </a:fillRef>
-      <a:effectRef idx="2">
-        <a:scrgbClr r="0" g="0" b="0"/>
-      </a:effectRef>
-      <a:fontRef idx="minor"/>
-    </dgm:style>
-  </dgm:styleLbl>
-  <dgm:styleLbl name="sibTrans2D1">
-    <dgm:scene3d>
-      <a:camera prst="orthographicFront"/>
-      <a:lightRig rig="threePt" dir="t"/>
-    </dgm:scene3d>
-    <dgm:sp3d/>
-    <dgm:txPr/>
-    <dgm:style>
-      <a:lnRef idx="0">
-        <a:scrgbClr r="0" g="0" b="0"/>
-      </a:lnRef>
-      <a:fillRef idx="3">
-        <a:scrgbClr r="0" g="0" b="0"/>
-      </a:fillRef>
-      <a:effectRef idx="2">
-        <a:scrgbClr r="0" g="0" b="0"/>
-      </a:effectRef>
-      <a:fontRef idx="minor">
-        <a:schemeClr val="lt1"/>
-      </a:fontRef>
-    </dgm:style>
-  </dgm:styleLbl>
-  <dgm:styleLbl name="fgSibTrans2D1">
-    <dgm:scene3d>
-      <a:camera prst="orthographicFront"/>
-      <a:lightRig rig="threePt" dir="t"/>
-    </dgm:scene3d>
-    <dgm:sp3d/>
-    <dgm:txPr/>
-    <dgm:style>
-      <a:lnRef idx="0">
-        <a:scrgbClr r="0" g="0" b="0"/>
-      </a:lnRef>
-      <a:fillRef idx="3">
-        <a:scrgbClr r="0" g="0" b="0"/>
-      </a:fillRef>
-      <a:effectRef idx="2">
-        <a:scrgbClr r="0" g="0" b="0"/>
-      </a:effectRef>
-      <a:fontRef idx="minor">
-        <a:schemeClr val="lt1"/>
-      </a:fontRef>
-    </dgm:style>
-  </dgm:styleLbl>
-  <dgm:styleLbl name="bgSibTrans2D1">
-    <dgm:scene3d>
-      <a:camera prst="orthographicFront"/>
-      <a:lightRig rig="threePt" dir="t"/>
-    </dgm:scene3d>
-    <dgm:sp3d/>
-    <dgm:txPr/>
-    <dgm:style>
-      <a:lnRef idx="0">
-        <a:scrgbClr r="0" g="0" b="0"/>
-      </a:lnRef>
-      <a:fillRef idx="3">
-        <a:scrgbClr r="0" g="0" b="0"/>
-      </a:fillRef>
-      <a:effectRef idx="2">
-        <a:scrgbClr r="0" g="0" b="0"/>
-      </a:effectRef>
-      <a:fontRef idx="minor">
-        <a:schemeClr val="lt1"/>
-      </a:fontRef>
-    </dgm:style>
-  </dgm:styleLbl>
-  <dgm:styleLbl name="sibTrans1D1">
-    <dgm:scene3d>
-      <a:camera prst="orthographicFront"/>
-      <a:lightRig rig="threePt" dir="t"/>
-    </dgm:scene3d>
-    <dgm:sp3d/>
-    <dgm:txPr/>
-    <dgm:style>
-      <a:lnRef idx="1">
-        <a:scrgbClr r="0" g="0" b="0"/>
-      </a:lnRef>
-      <a:fillRef idx="0">
-        <a:scrgbClr r="0" g="0" b="0"/>
-      </a:fillRef>
-      <a:effectRef idx="0">
-        <a:scrgbClr r="0" g="0" b="0"/>
-      </a:effectRef>
-      <a:fontRef idx="minor"/>
-    </dgm:style>
-  </dgm:styleLbl>
-  <dgm:styleLbl name="callout">
-    <dgm:scene3d>
-      <a:camera prst="orthographicFront"/>
-      <a:lightRig rig="threePt" dir="t"/>
-    </dgm:scene3d>
-    <dgm:sp3d/>
-    <dgm:txPr/>
-    <dgm:style>
-      <a:lnRef idx="2">
-        <a:scrgbClr r="0" g="0" b="0"/>
-      </a:lnRef>
-      <a:fillRef idx="1">
-        <a:scrgbClr r="0" g="0" b="0"/>
-      </a:fillRef>
-      <a:effectRef idx="1">
-        <a:scrgbClr r="0" g="0" b="0"/>
-      </a:effectRef>
-      <a:fontRef idx="minor"/>
-    </dgm:style>
-  </dgm:styleLbl>
-  <dgm:styleLbl name="asst0">
-    <dgm:scene3d>
-      <a:camera prst="orthographicFront"/>
-      <a:lightRig rig="threePt" dir="t"/>
-    </dgm:scene3d>
-    <dgm:sp3d/>
-    <dgm:txPr/>
-    <dgm:style>
-      <a:lnRef idx="0">
-        <a:scrgbClr r="0" g="0" b="0"/>
-      </a:lnRef>
-      <a:fillRef idx="3">
-        <a:scrgbClr r="0" g="0" b="0"/>
-      </a:fillRef>
-      <a:effectRef idx="2">
-        <a:scrgbClr r="0" g="0" b="0"/>
-      </a:effectRef>
-      <a:fontRef idx="minor">
-        <a:schemeClr val="lt1"/>
-      </a:fontRef>
-    </dgm:style>
-  </dgm:styleLbl>
-  <dgm:styleLbl name="asst1">
-    <dgm:scene3d>
-      <a:camera prst="orthographicFront"/>
-      <a:lightRig rig="threePt" dir="t"/>
-    </dgm:scene3d>
-    <dgm:sp3d/>
-    <dgm:txPr/>
-    <dgm:style>
-      <a:lnRef idx="0">
-        <a:scrgbClr r="0" g="0" b="0"/>
-      </a:lnRef>
-      <a:fillRef idx="3">
-        <a:scrgbClr r="0" g="0" b="0"/>
-      </a:fillRef>
-      <a:effectRef idx="2">
-        <a:scrgbClr r="0" g="0" b="0"/>
-      </a:effectRef>
-      <a:fontRef idx="minor">
-        <a:schemeClr val="lt1"/>
-      </a:fontRef>
-    </dgm:style>
-  </dgm:styleLbl>
-  <dgm:styleLbl name="asst2">
-    <dgm:scene3d>
-      <a:camera prst="orthographicFront"/>
-      <a:lightRig rig="threePt" dir="t"/>
-    </dgm:scene3d>
-    <dgm:sp3d/>
-    <dgm:txPr/>
-    <dgm:style>
-      <a:lnRef idx="0">
-        <a:scrgbClr r="0" g="0" b="0"/>
-      </a:lnRef>
-      <a:fillRef idx="3">
-        <a:scrgbClr r="0" g="0" b="0"/>
-      </a:fillRef>
-      <a:effectRef idx="2">
-        <a:scrgbClr r="0" g="0" b="0"/>
-      </a:effectRef>
-      <a:fontRef idx="minor">
-        <a:schemeClr val="lt1"/>
-      </a:fontRef>
-    </dgm:style>
-  </dgm:styleLbl>
-  <dgm:styleLbl name="asst3">
-    <dgm:scene3d>
-      <a:camera prst="orthographicFront"/>
-      <a:lightRig rig="threePt" dir="t"/>
-    </dgm:scene3d>
-    <dgm:sp3d/>
-    <dgm:txPr/>
-    <dgm:style>
-      <a:lnRef idx="0">
-        <a:scrgbClr r="0" g="0" b="0"/>
-      </a:lnRef>
-      <a:fillRef idx="3">
-        <a:scrgbClr r="0" g="0" b="0"/>
-      </a:fillRef>
-      <a:effectRef idx="2">
-        <a:scrgbClr r="0" g="0" b="0"/>
-      </a:effectRef>
-      <a:fontRef idx="minor">
-        <a:schemeClr val="lt1"/>
-      </a:fontRef>
-    </dgm:style>
-  </dgm:styleLbl>
-  <dgm:styleLbl name="asst4">
-    <dgm:scene3d>
-      <a:camera prst="orthographicFront"/>
-      <a:lightRig rig="threePt" dir="t"/>
-    </dgm:scene3d>
-    <dgm:sp3d/>
-    <dgm:txPr/>
-    <dgm:style>
-      <a:lnRef idx="0">
-        <a:scrgbClr r="0" g="0" b="0"/>
-      </a:lnRef>
-      <a:fillRef idx="3">
-        <a:scrgbClr r="0" g="0" b="0"/>
-      </a:fillRef>
-      <a:effectRef idx="2">
-        <a:scrgbClr r="0" g="0" b="0"/>
-      </a:effectRef>
-      <a:fontRef idx="minor">
-        <a:schemeClr val="lt1"/>
-      </a:fontRef>
-    </dgm:style>
-  </dgm:styleLbl>
-  <dgm:styleLbl name="parChTrans2D1">
-    <dgm:scene3d>
-      <a:camera prst="orthographicFront"/>
-      <a:lightRig rig="threePt" dir="t"/>
-    </dgm:scene3d>
-    <dgm:sp3d/>
-    <dgm:txPr/>
-    <dgm:style>
-      <a:lnRef idx="0">
-        <a:scrgbClr r="0" g="0" b="0"/>
-      </a:lnRef>
-      <a:fillRef idx="3">
-        <a:scrgbClr r="0" g="0" b="0"/>
-      </a:fillRef>
-      <a:effectRef idx="2">
-        <a:scrgbClr r="0" g="0" b="0"/>
-      </a:effectRef>
-      <a:fontRef idx="minor">
-        <a:schemeClr val="lt1"/>
-      </a:fontRef>
-    </dgm:style>
-  </dgm:styleLbl>
-  <dgm:styleLbl name="parChTrans2D2">
-    <dgm:scene3d>
-      <a:camera prst="orthographicFront"/>
-      <a:lightRig rig="threePt" dir="t"/>
-    </dgm:scene3d>
-    <dgm:sp3d/>
-    <dgm:txPr/>
-    <dgm:style>
-      <a:lnRef idx="0">
-        <a:scrgbClr r="0" g="0" b="0"/>
-      </a:lnRef>
-      <a:fillRef idx="3">
-        <a:scrgbClr r="0" g="0" b="0"/>
-      </a:fillRef>
-      <a:effectRef idx="2">
-        <a:scrgbClr r="0" g="0" b="0"/>
-      </a:effectRef>
-      <a:fontRef idx="minor">
-        <a:schemeClr val="lt1"/>
-      </a:fontRef>
-    </dgm:style>
-  </dgm:styleLbl>
-  <dgm:styleLbl name="parChTrans2D3">
-    <dgm:scene3d>
-      <a:camera prst="orthographicFront"/>
-      <a:lightRig rig="threePt" dir="t"/>
-    </dgm:scene3d>
-    <dgm:sp3d/>
-    <dgm:txPr/>
-    <dgm:style>
-      <a:lnRef idx="1">
-        <a:scrgbClr r="0" g="0" b="0"/>
-      </a:lnRef>
-      <a:fillRef idx="3">
-        <a:scrgbClr r="0" g="0" b="0"/>
-      </a:fillRef>
-      <a:effectRef idx="2">
-        <a:scrgbClr r="0" g="0" b="0"/>
-      </a:effectRef>
-      <a:fontRef idx="minor">
-        <a:schemeClr val="lt1"/>
-      </a:fontRef>
-    </dgm:style>
-  </dgm:styleLbl>
-  <dgm:styleLbl name="parChTrans2D4">
-    <dgm:scene3d>
-      <a:camera prst="orthographicFront"/>
-      <a:lightRig rig="threePt" dir="t"/>
-    </dgm:scene3d>
-    <dgm:sp3d/>
-    <dgm:txPr/>
-    <dgm:style>
-      <a:lnRef idx="1">
-        <a:scrgbClr r="0" g="0" b="0"/>
-      </a:lnRef>
-      <a:fillRef idx="3">
-        <a:scrgbClr r="0" g="0" b="0"/>
-      </a:fillRef>
-      <a:effectRef idx="2">
-        <a:scrgbClr r="0" g="0" b="0"/>
-      </a:effectRef>
-      <a:fontRef idx="minor">
-        <a:schemeClr val="lt1"/>
-      </a:fontRef>
-    </dgm:style>
-  </dgm:styleLbl>
-  <dgm:styleLbl name="parChTrans1D1">
-    <dgm:scene3d>
-      <a:camera prst="orthographicFront"/>
-      <a:lightRig rig="threePt" dir="t"/>
-    </dgm:scene3d>
-    <dgm:sp3d/>
-    <dgm:txPr/>
-    <dgm:style>
-      <a:lnRef idx="1">
-        <a:scrgbClr r="0" g="0" b="0"/>
-      </a:lnRef>
-      <a:fillRef idx="0">
-        <a:scrgbClr r="0" g="0" b="0"/>
-      </a:fillRef>
-      <a:effectRef idx="0">
-        <a:scrgbClr r="0" g="0" b="0"/>
-      </a:effectRef>
-      <a:fontRef idx="minor"/>
-    </dgm:style>
-  </dgm:styleLbl>
-  <dgm:styleLbl name="parChTrans1D2">
-    <dgm:scene3d>
-      <a:camera prst="orthographicFront"/>
-      <a:lightRig rig="threePt" dir="t"/>
-    </dgm:scene3d>
-    <dgm:sp3d/>
-    <dgm:txPr/>
-    <dgm:style>
-      <a:lnRef idx="1">
-        <a:scrgbClr r="0" g="0" b="0"/>
-      </a:lnRef>
-      <a:fillRef idx="0">
-        <a:scrgbClr r="0" g="0" b="0"/>
-      </a:fillRef>
-      <a:effectRef idx="0">
-        <a:scrgbClr r="0" g="0" b="0"/>
-      </a:effectRef>
-      <a:fontRef idx="minor"/>
-    </dgm:style>
-  </dgm:styleLbl>
-  <dgm:styleLbl name="parChTrans1D3">
-    <dgm:scene3d>
-      <a:camera prst="orthographicFront"/>
-      <a:lightRig rig="threePt" dir="t"/>
-    </dgm:scene3d>
-    <dgm:sp3d/>
-    <dgm:txPr/>
-    <dgm:style>
-      <a:lnRef idx="1">
-        <a:scrgbClr r="0" g="0" b="0"/>
-      </a:lnRef>
-      <a:fillRef idx="0">
-        <a:scrgbClr r="0" g="0" b="0"/>
-      </a:fillRef>
-      <a:effectRef idx="0">
-        <a:scrgbClr r="0" g="0" b="0"/>
-      </a:effectRef>
-      <a:fontRef idx="minor"/>
-    </dgm:style>
-  </dgm:styleLbl>
-  <dgm:styleLbl name="parChTrans1D4">
-    <dgm:scene3d>
-      <a:camera prst="orthographicFront"/>
-      <a:lightRig rig="threePt" dir="t"/>
-    </dgm:scene3d>
-    <dgm:sp3d/>
-    <dgm:txPr/>
-    <dgm:style>
-      <a:lnRef idx="1">
-        <a:scrgbClr r="0" g="0" b="0"/>
-      </a:lnRef>
-      <a:fillRef idx="0">
-        <a:scrgbClr r="0" g="0" b="0"/>
-      </a:fillRef>
-      <a:effectRef idx="0">
-        <a:scrgbClr r="0" g="0" b="0"/>
-      </a:effectRef>
-      <a:fontRef idx="minor"/>
-    </dgm:style>
-  </dgm:styleLbl>
-  <dgm:styleLbl name="fgAcc1">
-    <dgm:scene3d>
-      <a:camera prst="orthographicFront"/>
-      <a:lightRig rig="threePt" dir="t"/>
-    </dgm:scene3d>
-    <dgm:sp3d/>
-    <dgm:txPr/>
-    <dgm:style>
-      <a:lnRef idx="1">
-        <a:scrgbClr r="0" g="0" b="0"/>
-      </a:lnRef>
-      <a:fillRef idx="1">
-        <a:scrgbClr r="0" g="0" b="0"/>
-      </a:fillRef>
-      <a:effectRef idx="0">
-        <a:scrgbClr r="0" g="0" b="0"/>
-      </a:effectRef>
-      <a:fontRef idx="minor"/>
-    </dgm:style>
-  </dgm:styleLbl>
-  <dgm:styleLbl name="conFgAcc1">
-    <dgm:scene3d>
-      <a:camera prst="orthographicFront"/>
-      <a:lightRig rig="threePt" dir="t"/>
-    </dgm:scene3d>
-    <dgm:sp3d/>
-    <dgm:txPr/>
-    <dgm:style>
-      <a:lnRef idx="1">
-        <a:scrgbClr r="0" g="0" b="0"/>
-      </a:lnRef>
-      <a:fillRef idx="1">
-        <a:scrgbClr r="0" g="0" b="0"/>
-      </a:fillRef>
-      <a:effectRef idx="0">
-        <a:scrgbClr r="0" g="0" b="0"/>
-      </a:effectRef>
-      <a:fontRef idx="minor"/>
-    </dgm:style>
-  </dgm:styleLbl>
-  <dgm:styleLbl name="alignAcc1">
-    <dgm:scene3d>
-      <a:camera prst="orthographicFront"/>
-      <a:lightRig rig="threePt" dir="t"/>
-    </dgm:scene3d>
-    <dgm:sp3d/>
-    <dgm:txPr/>
-    <dgm:style>
-      <a:lnRef idx="1">
-        <a:scrgbClr r="0" g="0" b="0"/>
-      </a:lnRef>
-      <a:fillRef idx="1">
-        <a:scrgbClr r="0" g="0" b="0"/>
-      </a:fillRef>
-      <a:effectRef idx="0">
-        <a:scrgbClr r="0" g="0" b="0"/>
-      </a:effectRef>
-      <a:fontRef idx="minor"/>
-    </dgm:style>
-  </dgm:styleLbl>
-  <dgm:styleLbl name="trAlignAcc1">
-    <dgm:scene3d>
-      <a:camera prst="orthographicFront"/>
-      <a:lightRig rig="threePt" dir="t"/>
-    </dgm:scene3d>
-    <dgm:sp3d/>
-    <dgm:txPr/>
-    <dgm:style>
-      <a:lnRef idx="1">
-        <a:scrgbClr r="0" g="0" b="0"/>
-      </a:lnRef>
-      <a:fillRef idx="1">
-        <a:scrgbClr r="0" g="0" b="0"/>
-      </a:fillRef>
-      <a:effectRef idx="0">
-        <a:scrgbClr r="0" g="0" b="0"/>
-      </a:effectRef>
-      <a:fontRef idx="minor"/>
-    </dgm:style>
-  </dgm:styleLbl>
-  <dgm:styleLbl name="bgAcc1">
-    <dgm:scene3d>
-      <a:camera prst="orthographicFront"/>
-      <a:lightRig rig="threePt" dir="t"/>
-    </dgm:scene3d>
-    <dgm:sp3d/>
-    <dgm:txPr/>
-    <dgm:style>
-      <a:lnRef idx="1">
-        <a:scrgbClr r="0" g="0" b="0"/>
-      </a:lnRef>
-      <a:fillRef idx="1">
-        <a:scrgbClr r="0" g="0" b="0"/>
-      </a:fillRef>
-      <a:effectRef idx="0">
-        <a:scrgbClr r="0" g="0" b="0"/>
-      </a:effectRef>
-      <a:fontRef idx="minor"/>
-    </dgm:style>
-  </dgm:styleLbl>
-  <dgm:styleLbl name="solidFgAcc1">
-    <dgm:scene3d>
-      <a:camera prst="orthographicFront"/>
-      <a:lightRig rig="threePt" dir="t"/>
-    </dgm:scene3d>
-    <dgm:sp3d/>
-    <dgm:txPr/>
-    <dgm:style>
-      <a:lnRef idx="1">
-        <a:scrgbClr r="0" g="0" b="0"/>
-      </a:lnRef>
-      <a:fillRef idx="1">
-        <a:scrgbClr r="0" g="0" b="0"/>
-      </a:fillRef>
-      <a:effectRef idx="0">
-        <a:scrgbClr r="0" g="0" b="0"/>
-      </a:effectRef>
-      <a:fontRef idx="minor"/>
-    </dgm:style>
-  </dgm:styleLbl>
-  <dgm:styleLbl name="solidAlignAcc1">
-    <dgm:scene3d>
-      <a:camera prst="orthographicFront"/>
-      <a:lightRig rig="threePt" dir="t"/>
-    </dgm:scene3d>
-    <dgm:sp3d/>
-    <dgm:txPr/>
-    <dgm:style>
-      <a:lnRef idx="1">
-        <a:scrgbClr r="0" g="0" b="0"/>
-      </a:lnRef>
-      <a:fillRef idx="1">
-        <a:scrgbClr r="0" g="0" b="0"/>
-      </a:fillRef>
-      <a:effectRef idx="0">
-        <a:scrgbClr r="0" g="0" b="0"/>
-      </a:effectRef>
-      <a:fontRef idx="minor"/>
-    </dgm:style>
-  </dgm:styleLbl>
-  <dgm:styleLbl name="solidBgAcc1">
-    <dgm:scene3d>
-      <a:camera prst="orthographicFront"/>
-      <a:lightRig rig="threePt" dir="t"/>
-    </dgm:scene3d>
-    <dgm:sp3d/>
-    <dgm:txPr/>
-    <dgm:style>
-      <a:lnRef idx="1">
-        <a:scrgbClr r="0" g="0" b="0"/>
-      </a:lnRef>
-      <a:fillRef idx="1">
-        <a:scrgbClr r="0" g="0" b="0"/>
-      </a:fillRef>
-      <a:effectRef idx="0">
-        <a:scrgbClr r="0" g="0" b="0"/>
-      </a:effectRef>
-      <a:fontRef idx="minor"/>
-    </dgm:style>
-  </dgm:styleLbl>
-  <dgm:styleLbl name="fgAccFollowNode1">
-    <dgm:scene3d>
-      <a:camera prst="orthographicFront"/>
-      <a:lightRig rig="threePt" dir="t"/>
-    </dgm:scene3d>
-    <dgm:sp3d/>
-    <dgm:txPr/>
-    <dgm:style>
-      <a:lnRef idx="1">
-        <a:scrgbClr r="0" g="0" b="0"/>
-      </a:lnRef>
-      <a:fillRef idx="1">
-        <a:scrgbClr r="0" g="0" b="0"/>
-      </a:fillRef>
-      <a:effectRef idx="0">
-        <a:scrgbClr r="0" g="0" b="0"/>
-      </a:effectRef>
-      <a:fontRef idx="minor"/>
-    </dgm:style>
-  </dgm:styleLbl>
-  <dgm:styleLbl name="alignAccFollowNode1">
-    <dgm:scene3d>
-      <a:camera prst="orthographicFront"/>
-      <a:lightRig rig="threePt" dir="t"/>
-    </dgm:scene3d>
-    <dgm:sp3d/>
-    <dgm:txPr/>
-    <dgm:style>
-      <a:lnRef idx="1">
-        <a:scrgbClr r="0" g="0" b="0"/>
-      </a:lnRef>
-      <a:fillRef idx="1">
-        <a:scrgbClr r="0" g="0" b="0"/>
-      </a:fillRef>
-      <a:effectRef idx="0">
-        <a:scrgbClr r="0" g="0" b="0"/>
-      </a:effectRef>
-      <a:fontRef idx="minor"/>
-    </dgm:style>
-  </dgm:styleLbl>
-  <dgm:styleLbl name="bgAccFollowNode1">
-    <dgm:scene3d>
-      <a:camera prst="orthographicFront"/>
-      <a:lightRig rig="threePt" dir="t"/>
-    </dgm:scene3d>
-    <dgm:sp3d/>
-    <dgm:txPr/>
-    <dgm:style>
-      <a:lnRef idx="1">
-        <a:scrgbClr r="0" g="0" b="0"/>
-      </a:lnRef>
-      <a:fillRef idx="1">
-        <a:scrgbClr r="0" g="0" b="0"/>
-      </a:fillRef>
-      <a:effectRef idx="0">
-        <a:scrgbClr r="0" g="0" b="0"/>
-      </a:effectRef>
-      <a:fontRef idx="minor"/>
-    </dgm:style>
-  </dgm:styleLbl>
-  <dgm:styleLbl name="fgAcc0">
-    <dgm:scene3d>
-      <a:camera prst="orthographicFront"/>
-      <a:lightRig rig="threePt" dir="t"/>
-    </dgm:scene3d>
-    <dgm:sp3d/>
-    <dgm:txPr/>
-    <dgm:style>
-      <a:lnRef idx="1">
-        <a:scrgbClr r="0" g="0" b="0"/>
-      </a:lnRef>
-      <a:fillRef idx="1">
-        <a:scrgbClr r="0" g="0" b="0"/>
-      </a:fillRef>
-      <a:effectRef idx="0">
-        <a:scrgbClr r="0" g="0" b="0"/>
-      </a:effectRef>
-      <a:fontRef idx="minor"/>
-    </dgm:style>
-  </dgm:styleLbl>
-  <dgm:styleLbl name="fgAcc2">
-    <dgm:scene3d>
-      <a:camera prst="orthographicFront"/>
-      <a:lightRig rig="threePt" dir="t"/>
-    </dgm:scene3d>
-    <dgm:sp3d/>
-    <dgm:txPr/>
-    <dgm:style>
-      <a:lnRef idx="1">
-        <a:scrgbClr r="0" g="0" b="0"/>
-      </a:lnRef>
-      <a:fillRef idx="1">
-        <a:scrgbClr r="0" g="0" b="0"/>
-      </a:fillRef>
-      <a:effectRef idx="0">
-        <a:scrgbClr r="0" g="0" b="0"/>
-      </a:effectRef>
-      <a:fontRef idx="minor"/>
-    </dgm:style>
-  </dgm:styleLbl>
-  <dgm:styleLbl name="fgAcc3">
-    <dgm:scene3d>
-      <a:camera prst="orthographicFront"/>
-      <a:lightRig rig="threePt" dir="t"/>
-    </dgm:scene3d>
-    <dgm:sp3d/>
-    <dgm:txPr/>
-    <dgm:style>
-      <a:lnRef idx="1">
-        <a:scrgbClr r="0" g="0" b="0"/>
-      </a:lnRef>
-      <a:fillRef idx="1">
-        <a:scrgbClr r="0" g="0" b="0"/>
-      </a:fillRef>
-      <a:effectRef idx="0">
-        <a:scrgbClr r="0" g="0" b="0"/>
-      </a:effectRef>
-      <a:fontRef idx="minor"/>
-    </dgm:style>
-  </dgm:styleLbl>
-  <dgm:styleLbl name="fgAcc4">
-    <dgm:scene3d>
-      <a:camera prst="orthographicFront"/>
-      <a:lightRig rig="threePt" dir="t"/>
-    </dgm:scene3d>
-    <dgm:sp3d/>
-    <dgm:txPr/>
-    <dgm:style>
-      <a:lnRef idx="1">
-        <a:scrgbClr r="0" g="0" b="0"/>
-      </a:lnRef>
-      <a:fillRef idx="1">
-        <a:scrgbClr r="0" g="0" b="0"/>
-      </a:fillRef>
-      <a:effectRef idx="0">
-        <a:scrgbClr r="0" g="0" b="0"/>
-      </a:effectRef>
-      <a:fontRef idx="minor"/>
-    </dgm:style>
-  </dgm:styleLbl>
-  <dgm:styleLbl name="bgShp">
-    <dgm:scene3d>
-      <a:camera prst="orthographicFront"/>
-      <a:lightRig rig="threePt" dir="t"/>
-    </dgm:scene3d>
-    <dgm:sp3d/>
-    <dgm:txPr/>
-    <dgm:style>
-      <a:lnRef idx="0">
-        <a:scrgbClr r="0" g="0" b="0"/>
-      </a:lnRef>
-      <a:fillRef idx="1">
-        <a:scrgbClr r="0" g="0" b="0"/>
-      </a:fillRef>
-      <a:effectRef idx="2">
-        <a:scrgbClr r="0" g="0" b="0"/>
-      </a:effectRef>
-      <a:fontRef idx="minor"/>
-    </dgm:style>
-  </dgm:styleLbl>
-  <dgm:styleLbl name="dkBgShp">
-    <dgm:scene3d>
-      <a:camera prst="orthographicFront"/>
-      <a:lightRig rig="threePt" dir="t"/>
-    </dgm:scene3d>
-    <dgm:sp3d/>
-    <dgm:txPr/>
-    <dgm:style>
-      <a:lnRef idx="0">
-        <a:scrgbClr r="0" g="0" b="0"/>
-      </a:lnRef>
-      <a:fillRef idx="1">
-        <a:scrgbClr r="0" g="0" b="0"/>
-      </a:fillRef>
-      <a:effectRef idx="2">
-        <a:scrgbClr r="0" g="0" b="0"/>
-      </a:effectRef>
-      <a:fontRef idx="minor"/>
-    </dgm:style>
-  </dgm:styleLbl>
-  <dgm:styleLbl name="trBgShp">
-    <dgm:scene3d>
-      <a:camera prst="orthographicFront"/>
-      <a:lightRig rig="threePt" dir="t"/>
-    </dgm:scene3d>
-    <dgm:sp3d/>
-    <dgm:txPr/>
-    <dgm:style>
-      <a:lnRef idx="0">
-        <a:scrgbClr r="0" g="0" b="0"/>
-      </a:lnRef>
-      <a:fillRef idx="1">
-        <a:scrgbClr r="0" g="0" b="0"/>
-      </a:fillRef>
-      <a:effectRef idx="0">
-        <a:scrgbClr r="0" g="0" b="0"/>
-      </a:effectRef>
-      <a:fontRef idx="minor"/>
-    </dgm:style>
-  </dgm:styleLbl>
-  <dgm:styleLbl name="fgShp">
-    <dgm:scene3d>
-      <a:camera prst="orthographicFront"/>
-      <a:lightRig rig="threePt" dir="t"/>
-    </dgm:scene3d>
-    <dgm:sp3d/>
-    <dgm:txPr/>
-    <dgm:style>
-      <a:lnRef idx="0">
-        <a:scrgbClr r="0" g="0" b="0"/>
-      </a:lnRef>
-      <a:fillRef idx="3">
-        <a:scrgbClr r="0" g="0" b="0"/>
-      </a:fillRef>
-      <a:effectRef idx="2">
         <a:scrgbClr r="0" g="0" b="0"/>
       </a:effectRef>
       <a:fontRef idx="minor"/>
@@ -9763,6 +6965,332 @@
           <a:bodyPr/>
           <a:lstStyle/>
           <a:p>
+            <a:pPr marL="0" marR="0" lvl="0" indent="0" algn="l" defTabSz="914400" rtl="0" eaLnBrk="1" fontAlgn="auto" latinLnBrk="0" hangingPunct="1">
+              <a:lnSpc>
+                <a:spcPct val="100000"/>
+              </a:lnSpc>
+              <a:spcBef>
+                <a:spcPts val="0"/>
+              </a:spcBef>
+              <a:spcAft>
+                <a:spcPts val="0"/>
+              </a:spcAft>
+              <a:buClrTx/>
+              <a:buSzTx/>
+              <a:buFontTx/>
+              <a:buNone/>
+              <a:tabLst/>
+              <a:defRPr/>
+            </a:pPr>
+            <a:r>
+              <a:rPr lang="en-US" sz="1800" dirty="0">
+                <a:effectLst/>
+                <a:latin typeface="Aptos" panose="020B0004020202020204" pitchFamily="34" charset="0"/>
+                <a:ea typeface="Aptos" panose="020B0004020202020204" pitchFamily="34" charset="0"/>
+                <a:cs typeface="Times New Roman" panose="02020603050405020304" pitchFamily="18" charset="0"/>
+              </a:rPr>
+              <a:t>Because Logistic Regression was the most promising, I decided to do a grid search in order to hyperparameter tune it. I also tried </a:t>
+            </a:r>
+            <a:r>
+              <a:rPr lang="en-US" sz="1800" dirty="0" err="1">
+                <a:effectLst/>
+                <a:latin typeface="Aptos" panose="020B0004020202020204" pitchFamily="34" charset="0"/>
+                <a:ea typeface="Aptos" panose="020B0004020202020204" pitchFamily="34" charset="0"/>
+                <a:cs typeface="Times New Roman" panose="02020603050405020304" pitchFamily="18" charset="0"/>
+              </a:rPr>
+              <a:t>undersampling</a:t>
+            </a:r>
+            <a:r>
+              <a:rPr lang="en-US" sz="1800" dirty="0">
+                <a:effectLst/>
+                <a:latin typeface="Aptos" panose="020B0004020202020204" pitchFamily="34" charset="0"/>
+                <a:ea typeface="Aptos" panose="020B0004020202020204" pitchFamily="34" charset="0"/>
+                <a:cs typeface="Times New Roman" panose="02020603050405020304" pitchFamily="18" charset="0"/>
+              </a:rPr>
+              <a:t> to deal with the imbalanced data. </a:t>
+            </a:r>
+            <a:r>
+              <a:rPr lang="en-US" sz="1800" kern="100" dirty="0">
+                <a:effectLst/>
+                <a:latin typeface="Aptos" panose="020B0004020202020204" pitchFamily="34" charset="0"/>
+                <a:ea typeface="Aptos" panose="020B0004020202020204" pitchFamily="34" charset="0"/>
+                <a:cs typeface="Times New Roman" panose="02020603050405020304" pitchFamily="18" charset="0"/>
+              </a:rPr>
+              <a:t>. We would need to balance having a complex model which has the chance to overfit and using the simpler model which may not capture all important features. Here it seems that the simple Logistic Regression model with default parameters (aside from balanced class weight) is the best choice.</a:t>
+            </a:r>
+          </a:p>
+          <a:p>
+            <a:endParaRPr lang="en-US" dirty="0"/>
+          </a:p>
+        </p:txBody>
+      </p:sp>
+      <p:sp>
+        <p:nvSpPr>
+          <p:cNvPr id="4" name="Slide Number Placeholder 3"/>
+          <p:cNvSpPr>
+            <a:spLocks noGrp="1"/>
+          </p:cNvSpPr>
+          <p:nvPr>
+            <p:ph type="sldNum" sz="quarter" idx="5"/>
+          </p:nvPr>
+        </p:nvSpPr>
+        <p:spPr/>
+        <p:txBody>
+          <a:bodyPr/>
+          <a:lstStyle/>
+          <a:p>
+            <a:fld id="{11A202E3-3BB7-40F4-8260-DF247007A5D0}" type="slidenum">
+              <a:rPr lang="en-US" smtClean="0"/>
+              <a:t>16</a:t>
+            </a:fld>
+            <a:endParaRPr lang="en-US"/>
+          </a:p>
+        </p:txBody>
+      </p:sp>
+    </p:spTree>
+    <p:extLst>
+      <p:ext uri="{BB962C8B-B14F-4D97-AF65-F5344CB8AC3E}">
+        <p14:creationId xmlns:p14="http://schemas.microsoft.com/office/powerpoint/2010/main" val="3747177324"/>
+      </p:ext>
+    </p:extLst>
+  </p:cSld>
+  <p:clrMapOvr>
+    <a:masterClrMapping/>
+  </p:clrMapOvr>
+</p:notes>
+</file>
+
+<file path=ppt/notesSlides/notesSlide11.xml><?xml version="1.0" encoding="utf-8"?>
+<p:notes xmlns:a="http://schemas.openxmlformats.org/drawingml/2006/main" xmlns:r="http://schemas.openxmlformats.org/officeDocument/2006/relationships" xmlns:p="http://schemas.openxmlformats.org/presentationml/2006/main">
+  <p:cSld>
+    <p:spTree>
+      <p:nvGrpSpPr>
+        <p:cNvPr id="1" name=""/>
+        <p:cNvGrpSpPr/>
+        <p:nvPr/>
+      </p:nvGrpSpPr>
+      <p:grpSpPr>
+        <a:xfrm>
+          <a:off x="0" y="0"/>
+          <a:ext cx="0" cy="0"/>
+          <a:chOff x="0" y="0"/>
+          <a:chExt cx="0" cy="0"/>
+        </a:xfrm>
+      </p:grpSpPr>
+      <p:sp>
+        <p:nvSpPr>
+          <p:cNvPr id="2" name="Slide Image Placeholder 1"/>
+          <p:cNvSpPr>
+            <a:spLocks noGrp="1" noRot="1" noChangeAspect="1"/>
+          </p:cNvSpPr>
+          <p:nvPr>
+            <p:ph type="sldImg"/>
+          </p:nvPr>
+        </p:nvSpPr>
+        <p:spPr/>
+      </p:sp>
+      <p:sp>
+        <p:nvSpPr>
+          <p:cNvPr id="3" name="Notes Placeholder 2"/>
+          <p:cNvSpPr>
+            <a:spLocks noGrp="1"/>
+          </p:cNvSpPr>
+          <p:nvPr>
+            <p:ph type="body" idx="1"/>
+          </p:nvPr>
+        </p:nvSpPr>
+        <p:spPr/>
+        <p:txBody>
+          <a:bodyPr/>
+          <a:lstStyle/>
+          <a:p>
+            <a:pPr lvl="0"/>
+            <a:r>
+              <a:rPr lang="en-US" dirty="0"/>
+              <a:t>Prioritizing Complaint Response: </a:t>
+            </a:r>
+            <a:r>
+              <a:rPr lang="en-US" sz="1800" dirty="0">
+                <a:effectLst/>
+                <a:latin typeface="Aptos" panose="020B0004020202020204" pitchFamily="34" charset="0"/>
+                <a:ea typeface="Aptos" panose="020B0004020202020204" pitchFamily="34" charset="0"/>
+                <a:cs typeface="Times New Roman" panose="02020603050405020304" pitchFamily="18" charset="0"/>
+              </a:rPr>
+              <a:t>The Consumer Financial Protection Bureau can use this model to automatically prioritize incoming consumer complaints based on the likelihood of a timely response.</a:t>
+            </a:r>
+          </a:p>
+          <a:p>
+            <a:pPr lvl="0"/>
+            <a:endParaRPr lang="en-US" sz="1800" dirty="0">
+              <a:effectLst/>
+              <a:latin typeface="Aptos" panose="020B0004020202020204" pitchFamily="34" charset="0"/>
+              <a:cs typeface="Times New Roman" panose="02020603050405020304" pitchFamily="18" charset="0"/>
+            </a:endParaRPr>
+          </a:p>
+          <a:p>
+            <a:pPr marL="0" marR="0" lvl="0" indent="0" algn="l" defTabSz="914400" rtl="0" eaLnBrk="1" fontAlgn="auto" latinLnBrk="0" hangingPunct="1">
+              <a:lnSpc>
+                <a:spcPct val="100000"/>
+              </a:lnSpc>
+              <a:spcBef>
+                <a:spcPts val="0"/>
+              </a:spcBef>
+              <a:spcAft>
+                <a:spcPts val="0"/>
+              </a:spcAft>
+              <a:buClrTx/>
+              <a:buSzTx/>
+              <a:buFontTx/>
+              <a:buNone/>
+              <a:tabLst/>
+              <a:defRPr/>
+            </a:pPr>
+            <a:r>
+              <a:rPr lang="en-US" dirty="0"/>
+              <a:t>Identifying Systemic Issues: By analyzing patterns in the complaints and their response times, the model can identify systemic issues within the companies or specific products that frequently result in delays.  </a:t>
+            </a:r>
+          </a:p>
+          <a:p>
+            <a:pPr lvl="0"/>
+            <a:endParaRPr lang="en-US" dirty="0"/>
+          </a:p>
+          <a:p>
+            <a:pPr marL="0" marR="0" lvl="0" indent="0" algn="l" defTabSz="914400" rtl="0" eaLnBrk="1" fontAlgn="auto" latinLnBrk="0" hangingPunct="1">
+              <a:lnSpc>
+                <a:spcPct val="100000"/>
+              </a:lnSpc>
+              <a:spcBef>
+                <a:spcPts val="0"/>
+              </a:spcBef>
+              <a:spcAft>
+                <a:spcPts val="0"/>
+              </a:spcAft>
+              <a:buClrTx/>
+              <a:buSzTx/>
+              <a:buFontTx/>
+              <a:buNone/>
+              <a:tabLst/>
+              <a:defRPr/>
+            </a:pPr>
+            <a:r>
+              <a:rPr lang="en-US" dirty="0"/>
+              <a:t>Improving Consumer Experience: By providing insights into the factors that influence timely responses, organizations can develop strategies to improve overall response times and enhance the consumer experience.</a:t>
+            </a:r>
+          </a:p>
+          <a:p>
+            <a:pPr lvl="0"/>
+            <a:endParaRPr lang="en-US" dirty="0"/>
+          </a:p>
+        </p:txBody>
+      </p:sp>
+      <p:sp>
+        <p:nvSpPr>
+          <p:cNvPr id="4" name="Slide Number Placeholder 3"/>
+          <p:cNvSpPr>
+            <a:spLocks noGrp="1"/>
+          </p:cNvSpPr>
+          <p:nvPr>
+            <p:ph type="sldNum" sz="quarter" idx="5"/>
+          </p:nvPr>
+        </p:nvSpPr>
+        <p:spPr/>
+        <p:txBody>
+          <a:bodyPr/>
+          <a:lstStyle/>
+          <a:p>
+            <a:fld id="{11A202E3-3BB7-40F4-8260-DF247007A5D0}" type="slidenum">
+              <a:rPr lang="en-US" smtClean="0"/>
+              <a:t>17</a:t>
+            </a:fld>
+            <a:endParaRPr lang="en-US"/>
+          </a:p>
+        </p:txBody>
+      </p:sp>
+    </p:spTree>
+    <p:extLst>
+      <p:ext uri="{BB962C8B-B14F-4D97-AF65-F5344CB8AC3E}">
+        <p14:creationId xmlns:p14="http://schemas.microsoft.com/office/powerpoint/2010/main" val="2714522870"/>
+      </p:ext>
+    </p:extLst>
+  </p:cSld>
+  <p:clrMapOvr>
+    <a:masterClrMapping/>
+  </p:clrMapOvr>
+</p:notes>
+</file>
+
+<file path=ppt/notesSlides/notesSlide12.xml><?xml version="1.0" encoding="utf-8"?>
+<p:notes xmlns:a="http://schemas.openxmlformats.org/drawingml/2006/main" xmlns:r="http://schemas.openxmlformats.org/officeDocument/2006/relationships" xmlns:p="http://schemas.openxmlformats.org/presentationml/2006/main">
+  <p:cSld>
+    <p:spTree>
+      <p:nvGrpSpPr>
+        <p:cNvPr id="1" name=""/>
+        <p:cNvGrpSpPr/>
+        <p:nvPr/>
+      </p:nvGrpSpPr>
+      <p:grpSpPr>
+        <a:xfrm>
+          <a:off x="0" y="0"/>
+          <a:ext cx="0" cy="0"/>
+          <a:chOff x="0" y="0"/>
+          <a:chExt cx="0" cy="0"/>
+        </a:xfrm>
+      </p:grpSpPr>
+      <p:sp>
+        <p:nvSpPr>
+          <p:cNvPr id="2" name="Slide Image Placeholder 1"/>
+          <p:cNvSpPr>
+            <a:spLocks noGrp="1" noRot="1" noChangeAspect="1"/>
+          </p:cNvSpPr>
+          <p:nvPr>
+            <p:ph type="sldImg"/>
+          </p:nvPr>
+        </p:nvSpPr>
+        <p:spPr/>
+      </p:sp>
+      <p:sp>
+        <p:nvSpPr>
+          <p:cNvPr id="3" name="Notes Placeholder 2"/>
+          <p:cNvSpPr>
+            <a:spLocks noGrp="1"/>
+          </p:cNvSpPr>
+          <p:nvPr>
+            <p:ph type="body" idx="1"/>
+          </p:nvPr>
+        </p:nvSpPr>
+        <p:spPr/>
+        <p:txBody>
+          <a:bodyPr/>
+          <a:lstStyle/>
+          <a:p>
+            <a:pPr marL="0" marR="0" lvl="0" indent="0" algn="l" defTabSz="914400" rtl="0" eaLnBrk="1" fontAlgn="auto" latinLnBrk="0" hangingPunct="1">
+              <a:lnSpc>
+                <a:spcPct val="107000"/>
+              </a:lnSpc>
+              <a:spcBef>
+                <a:spcPts val="0"/>
+              </a:spcBef>
+              <a:spcAft>
+                <a:spcPts val="800"/>
+              </a:spcAft>
+              <a:buClrTx/>
+              <a:buSzTx/>
+              <a:buFontTx/>
+              <a:buNone/>
+              <a:tabLst/>
+              <a:defRPr/>
+            </a:pPr>
+            <a:r>
+              <a:rPr lang="en-US" sz="1800" kern="100" dirty="0">
+                <a:effectLst/>
+                <a:latin typeface="Aptos" panose="020B0004020202020204" pitchFamily="34" charset="0"/>
+                <a:ea typeface="Aptos" panose="020B0004020202020204" pitchFamily="34" charset="0"/>
+                <a:cs typeface="Times New Roman" panose="02020603050405020304" pitchFamily="18" charset="0"/>
+              </a:rPr>
+              <a:t>The narratives can be broken down into more keyboards that extract phrases that indicate urgency, complexity, emotional tone, and specific requests. </a:t>
+            </a:r>
+          </a:p>
+          <a:p>
             <a:pPr marL="0" marR="0">
               <a:lnSpc>
                 <a:spcPct val="107000"/>
@@ -9774,15 +7302,12 @@
                 <a:spcPts val="800"/>
               </a:spcAft>
             </a:pPr>
-            <a:r>
-              <a:rPr lang="en-US" sz="1800" kern="100" dirty="0">
-                <a:effectLst/>
-                <a:latin typeface="Aptos" panose="020B0004020202020204" pitchFamily="34" charset="0"/>
-                <a:ea typeface="Aptos" panose="020B0004020202020204" pitchFamily="34" charset="0"/>
-                <a:cs typeface="Times New Roman" panose="02020603050405020304" pitchFamily="18" charset="0"/>
-              </a:rPr>
-              <a:t>The models can be applied to more years in the range of complaints to the Consumer Financial Protection Bureau. Complaints with narratives only account for 42% of all complaints in 2022, so we may want to consider the remaining data. This would point to particular companies or products that are more likely to have untimely responses, although this may not require machine learning as NLP is not required for 58% of the data.</a:t>
-            </a:r>
+            <a:endParaRPr lang="en-US" sz="1800" kern="100" dirty="0">
+              <a:effectLst/>
+              <a:latin typeface="Aptos" panose="020B0004020202020204" pitchFamily="34" charset="0"/>
+              <a:ea typeface="Aptos" panose="020B0004020202020204" pitchFamily="34" charset="0"/>
+              <a:cs typeface="Times New Roman" panose="02020603050405020304" pitchFamily="18" charset="0"/>
+            </a:endParaRPr>
           </a:p>
           <a:p>
             <a:pPr marL="0" marR="0">
@@ -9796,6 +7321,25 @@
                 <a:spcPts val="800"/>
               </a:spcAft>
             </a:pPr>
+            <a:endParaRPr lang="en-US" sz="1800" kern="100" dirty="0">
+              <a:effectLst/>
+              <a:latin typeface="Aptos" panose="020B0004020202020204" pitchFamily="34" charset="0"/>
+              <a:ea typeface="Aptos" panose="020B0004020202020204" pitchFamily="34" charset="0"/>
+              <a:cs typeface="Times New Roman" panose="02020603050405020304" pitchFamily="18" charset="0"/>
+            </a:endParaRPr>
+          </a:p>
+          <a:p>
+            <a:pPr marL="0" marR="0">
+              <a:lnSpc>
+                <a:spcPct val="107000"/>
+              </a:lnSpc>
+              <a:spcBef>
+                <a:spcPts val="0"/>
+              </a:spcBef>
+              <a:spcAft>
+                <a:spcPts val="800"/>
+              </a:spcAft>
+            </a:pPr>
             <a:r>
               <a:rPr lang="en-US" sz="1800" kern="100" dirty="0">
                 <a:effectLst/>
@@ -9803,8 +7347,45 @@
                 <a:ea typeface="Aptos" panose="020B0004020202020204" pitchFamily="34" charset="0"/>
                 <a:cs typeface="Times New Roman" panose="02020603050405020304" pitchFamily="18" charset="0"/>
               </a:rPr>
-              <a:t>Outside this dataset, we can look at whether or not the dates could be related to why some companies did not offer a timely response. Perhaps some companies were going through bankruptcy and so did not have consumer complaints as a priority.</a:t>
-            </a:r>
+              <a:t>The models can be applied to more years in the range of complaints to the Consumer Financial Protection Bureau. Complaints with narratives only account for 42% of all complaints in 2022, so we may want to consider the remaining data. This would point to particular companies or products that are more likely to have untimely responses, although this may not require machine learning as NLP is not required for 58% of the data.</a:t>
+            </a:r>
+          </a:p>
+          <a:p>
+            <a:pPr marL="0" marR="0">
+              <a:lnSpc>
+                <a:spcPct val="107000"/>
+              </a:lnSpc>
+              <a:spcBef>
+                <a:spcPts val="0"/>
+              </a:spcBef>
+              <a:spcAft>
+                <a:spcPts val="800"/>
+              </a:spcAft>
+            </a:pPr>
+            <a:r>
+              <a:rPr lang="en-US" sz="1800" kern="100" dirty="0">
+                <a:effectLst/>
+                <a:latin typeface="Aptos" panose="020B0004020202020204" pitchFamily="34" charset="0"/>
+                <a:ea typeface="Aptos" panose="020B0004020202020204" pitchFamily="34" charset="0"/>
+                <a:cs typeface="Times New Roman" panose="02020603050405020304" pitchFamily="18" charset="0"/>
+              </a:rPr>
+              <a:t>Outside this dataset, we can look at whether or not the dates could be related to why some companies did not offer a timely response. Perhaps some companies were going through bankruptcy and so did not have consumer complaints as a priority. </a:t>
+            </a:r>
+            <a:r>
+              <a:rPr lang="en-US" sz="1800" dirty="0">
+                <a:effectLst/>
+                <a:latin typeface="Aptos" panose="020B0004020202020204" pitchFamily="34" charset="0"/>
+                <a:ea typeface="Aptos" panose="020B0004020202020204" pitchFamily="34" charset="0"/>
+                <a:cs typeface="Times New Roman" panose="02020603050405020304" pitchFamily="18" charset="0"/>
+              </a:rPr>
+              <a:t>Additionally, logistics data from companies as well as other historical data can contribute to better predictions.</a:t>
+            </a:r>
+            <a:endParaRPr lang="en-US" sz="1800" kern="100" dirty="0">
+              <a:effectLst/>
+              <a:latin typeface="Aptos" panose="020B0004020202020204" pitchFamily="34" charset="0"/>
+              <a:ea typeface="Aptos" panose="020B0004020202020204" pitchFamily="34" charset="0"/>
+              <a:cs typeface="Times New Roman" panose="02020603050405020304" pitchFamily="18" charset="0"/>
+            </a:endParaRPr>
           </a:p>
           <a:p>
             <a:endParaRPr lang="en-US" dirty="0"/>
@@ -9828,7 +7409,7 @@
           <a:p>
             <a:fld id="{11A202E3-3BB7-40F4-8260-DF247007A5D0}" type="slidenum">
               <a:rPr lang="en-US" smtClean="0"/>
-              <a:t>17</a:t>
+              <a:t>18</a:t>
             </a:fld>
             <a:endParaRPr lang="en-US"/>
           </a:p>
@@ -9892,9 +7473,127 @@
           <a:lstStyle/>
           <a:p>
             <a:r>
+              <a:rPr lang="en-US" b="1" dirty="0"/>
+              <a:t>1. Complaint submitted</a:t>
+            </a:r>
+          </a:p>
+          <a:p>
+            <a:r>
               <a:rPr lang="en-US" dirty="0"/>
-              <a:t>According to consumerfinace.gov, 98% of complaints sent to companies get timely responses .</a:t>
-            </a:r>
+              <a:t>You submit a complaint, or another government agency forwards your complaint to us. You will receive email updates and can </a:t>
+            </a:r>
+            <a:r>
+              <a:rPr lang="en-US" dirty="0">
+                <a:hlinkClick r:id="rId3"/>
+              </a:rPr>
+              <a:t>check the status</a:t>
+            </a:r>
+            <a:r>
+              <a:rPr lang="en-US" dirty="0"/>
+              <a:t> of your complaint.</a:t>
+            </a:r>
+          </a:p>
+          <a:p>
+            <a:r>
+              <a:rPr lang="en-US" b="1" dirty="0"/>
+              <a:t>2. Route</a:t>
+            </a:r>
+          </a:p>
+          <a:p>
+            <a:r>
+              <a:rPr lang="en-US" dirty="0"/>
+              <a:t>The complaint is sent directly to the company so it can review the issues in your complaint.  OR is sent to another government agency if they deem it more useful.</a:t>
+            </a:r>
+          </a:p>
+          <a:p>
+            <a:r>
+              <a:rPr lang="en-US" b="1" dirty="0"/>
+              <a:t>3. Company response</a:t>
+            </a:r>
+          </a:p>
+          <a:p>
+            <a:r>
+              <a:rPr lang="en-US" dirty="0"/>
+              <a:t>The company will communicate with you as needed and respond to the issues in your complaint. Companies generally respond in 15 days. In some cases, the company will let you know their response is in progress and provide a final response in 60 days.</a:t>
+            </a:r>
+          </a:p>
+          <a:p>
+            <a:endParaRPr lang="en-US" dirty="0"/>
+          </a:p>
+          <a:p>
+            <a:pPr marL="0" marR="0" lvl="0" indent="0" algn="l" defTabSz="914400" rtl="0" eaLnBrk="1" fontAlgn="auto" latinLnBrk="0" hangingPunct="1">
+              <a:lnSpc>
+                <a:spcPct val="100000"/>
+              </a:lnSpc>
+              <a:spcBef>
+                <a:spcPts val="0"/>
+              </a:spcBef>
+              <a:spcAft>
+                <a:spcPts val="0"/>
+              </a:spcAft>
+              <a:buClrTx/>
+              <a:buSzTx/>
+              <a:buFontTx/>
+              <a:buNone/>
+              <a:tabLst/>
+              <a:defRPr/>
+            </a:pPr>
+            <a:r>
+              <a:rPr lang="en-US" dirty="0"/>
+              <a:t>This is where the narrative and the timely response interact the most. </a:t>
+            </a:r>
+            <a:r>
+              <a:rPr lang="en-US" sz="1800" kern="100" dirty="0">
+                <a:effectLst/>
+                <a:latin typeface="Aptos" panose="020B0004020202020204" pitchFamily="34" charset="0"/>
+                <a:ea typeface="Aptos" panose="020B0004020202020204" pitchFamily="34" charset="0"/>
+                <a:cs typeface="Times New Roman" panose="02020603050405020304" pitchFamily="18" charset="0"/>
+              </a:rPr>
+              <a:t>Many of the narratives contain legal language, specific requests, or convey a sense of urgency. NLP should be able to grasp some of this complexity in the narratives and help us evaluate how much it contributes to timely response. </a:t>
+            </a:r>
+          </a:p>
+          <a:p>
+            <a:endParaRPr lang="en-US" dirty="0"/>
+          </a:p>
+          <a:p>
+            <a:endParaRPr lang="en-US" dirty="0"/>
+          </a:p>
+          <a:p>
+            <a:r>
+              <a:rPr lang="en-US" b="1" dirty="0"/>
+              <a:t>4. Complaint published</a:t>
+            </a:r>
+          </a:p>
+          <a:p>
+            <a:r>
+              <a:rPr lang="en-US" dirty="0"/>
+              <a:t>We publish information about your complaint (without information that directly identifies you) in our public Consumer Complaint Database. With your consent we also publish your description of what happened, after taking steps to remove personal information. Learn more about </a:t>
+            </a:r>
+            <a:r>
+              <a:rPr lang="en-US" dirty="0">
+                <a:hlinkClick r:id="rId4"/>
+              </a:rPr>
+              <a:t>how we share complaint data</a:t>
+            </a:r>
+            <a:r>
+              <a:rPr lang="en-US" dirty="0"/>
+              <a:t>.</a:t>
+            </a:r>
+          </a:p>
+          <a:p>
+            <a:r>
+              <a:rPr lang="en-US" b="1" dirty="0"/>
+              <a:t>5. Consumer review</a:t>
+            </a:r>
+          </a:p>
+          <a:p>
+            <a:r>
+              <a:rPr lang="en-US" dirty="0"/>
+              <a:t>We will let you know when the company responds. You’ll be able to review the company’s response and will have 60 days to provide feedback about the company's response.</a:t>
+            </a:r>
+          </a:p>
+          <a:p>
+            <a:endParaRPr lang="en-US" dirty="0"/>
           </a:p>
         </p:txBody>
       </p:sp>
@@ -9915,7 +7614,7 @@
           <a:p>
             <a:fld id="{11A202E3-3BB7-40F4-8260-DF247007A5D0}" type="slidenum">
               <a:rPr lang="en-US" smtClean="0"/>
-              <a:t>5</a:t>
+              <a:t>4</a:t>
             </a:fld>
             <a:endParaRPr lang="en-US"/>
           </a:p>
@@ -9924,7 +7623,7 @@
     </p:spTree>
     <p:extLst>
       <p:ext uri="{BB962C8B-B14F-4D97-AF65-F5344CB8AC3E}">
-        <p14:creationId xmlns:p14="http://schemas.microsoft.com/office/powerpoint/2010/main" val="3213390679"/>
+        <p14:creationId xmlns:p14="http://schemas.microsoft.com/office/powerpoint/2010/main" val="3656040981"/>
       </p:ext>
     </p:extLst>
   </p:cSld>
@@ -9980,7 +7679,7 @@
           <a:p>
             <a:r>
               <a:rPr lang="en-US" dirty="0"/>
-              <a:t>The highlighted fields will eventually be our features and timely response will be our label.</a:t>
+              <a:t>According to consumerfinace.gov, 98% of complaints sent to companies get timely responses .</a:t>
             </a:r>
           </a:p>
         </p:txBody>
@@ -10011,7 +7710,7 @@
     </p:spTree>
     <p:extLst>
       <p:ext uri="{BB962C8B-B14F-4D97-AF65-F5344CB8AC3E}">
-        <p14:creationId xmlns:p14="http://schemas.microsoft.com/office/powerpoint/2010/main" val="1146965178"/>
+        <p14:creationId xmlns:p14="http://schemas.microsoft.com/office/powerpoint/2010/main" val="3213390679"/>
       </p:ext>
     </p:extLst>
   </p:cSld>
@@ -10065,108 +7764,9 @@
           <a:bodyPr/>
           <a:lstStyle/>
           <a:p>
-            <a:pPr marL="342900" marR="0" lvl="0" indent="-342900">
-              <a:lnSpc>
-                <a:spcPct val="107000"/>
-              </a:lnSpc>
-              <a:spcBef>
-                <a:spcPts val="0"/>
-              </a:spcBef>
-              <a:spcAft>
-                <a:spcPts val="0"/>
-              </a:spcAft>
-              <a:buFont typeface="Symbol" panose="05050102010706020507" pitchFamily="18" charset="2"/>
-              <a:buChar char=""/>
-            </a:pPr>
-            <a:r>
-              <a:rPr lang="en-US" sz="1200" kern="100" dirty="0">
-                <a:effectLst/>
-                <a:latin typeface="Aptos" panose="020B0004020202020204" pitchFamily="34" charset="0"/>
-                <a:ea typeface="Aptos" panose="020B0004020202020204" pitchFamily="34" charset="0"/>
-                <a:cs typeface="Times New Roman" panose="02020603050405020304" pitchFamily="18" charset="0"/>
-              </a:rPr>
-              <a:t>'Date received', 'Submitted via', 'Date sent to company': how and when should be irrelevant</a:t>
-            </a:r>
-          </a:p>
-          <a:p>
-            <a:pPr marL="342900" marR="0" lvl="0" indent="-342900">
-              <a:lnSpc>
-                <a:spcPct val="107000"/>
-              </a:lnSpc>
-              <a:spcBef>
-                <a:spcPts val="0"/>
-              </a:spcBef>
-              <a:spcAft>
-                <a:spcPts val="0"/>
-              </a:spcAft>
-              <a:buFont typeface="Symbol" panose="05050102010706020507" pitchFamily="18" charset="2"/>
-              <a:buChar char=""/>
-            </a:pPr>
-            <a:r>
-              <a:rPr lang="en-US" sz="1200" kern="100" dirty="0">
-                <a:effectLst/>
-                <a:latin typeface="Aptos" panose="020B0004020202020204" pitchFamily="34" charset="0"/>
-                <a:ea typeface="Aptos" panose="020B0004020202020204" pitchFamily="34" charset="0"/>
-                <a:cs typeface="Times New Roman" panose="02020603050405020304" pitchFamily="18" charset="0"/>
-              </a:rPr>
-              <a:t>'Company public response', 'Company response to consumer': this is optional on the company's end</a:t>
-            </a:r>
-          </a:p>
-          <a:p>
-            <a:pPr marL="342900" marR="0" lvl="0" indent="-342900">
-              <a:lnSpc>
-                <a:spcPct val="107000"/>
-              </a:lnSpc>
-              <a:spcBef>
-                <a:spcPts val="0"/>
-              </a:spcBef>
-              <a:spcAft>
-                <a:spcPts val="0"/>
-              </a:spcAft>
-              <a:buFont typeface="Symbol" panose="05050102010706020507" pitchFamily="18" charset="2"/>
-              <a:buChar char=""/>
-            </a:pPr>
-            <a:r>
-              <a:rPr lang="en-US" sz="1200" kern="100" dirty="0">
-                <a:effectLst/>
-                <a:latin typeface="Aptos" panose="020B0004020202020204" pitchFamily="34" charset="0"/>
-                <a:ea typeface="Aptos" panose="020B0004020202020204" pitchFamily="34" charset="0"/>
-                <a:cs typeface="Times New Roman" panose="02020603050405020304" pitchFamily="18" charset="0"/>
-              </a:rPr>
-              <a:t>'State', 'ZIP code': where is irrelevant</a:t>
-            </a:r>
-          </a:p>
-          <a:p>
-            <a:pPr marL="342900" marR="0" lvl="0" indent="-342900">
-              <a:lnSpc>
-                <a:spcPct val="107000"/>
-              </a:lnSpc>
-              <a:spcBef>
-                <a:spcPts val="0"/>
-              </a:spcBef>
-              <a:spcAft>
-                <a:spcPts val="800"/>
-              </a:spcAft>
-              <a:buFont typeface="Symbol" panose="05050102010706020507" pitchFamily="18" charset="2"/>
-              <a:buChar char=""/>
-            </a:pPr>
-            <a:r>
-              <a:rPr lang="en-US" sz="1200" kern="100" dirty="0">
-                <a:effectLst/>
-                <a:latin typeface="Aptos" panose="020B0004020202020204" pitchFamily="34" charset="0"/>
-                <a:ea typeface="Aptos" panose="020B0004020202020204" pitchFamily="34" charset="0"/>
-                <a:cs typeface="Times New Roman" panose="02020603050405020304" pitchFamily="18" charset="0"/>
-              </a:rPr>
-              <a:t>'Tags', 'Consumer consent provided?', 'Consumer disputed?', 'Complaint ID': this customer identification is irrelevant</a:t>
-            </a:r>
-          </a:p>
-          <a:p>
-            <a:endParaRPr lang="en-US" dirty="0"/>
-          </a:p>
-          <a:p>
             <a:r>
               <a:rPr lang="en-US" dirty="0"/>
-              <a:t>The missing data is handled by putting in placeholder text.</a:t>
+              <a:t>The highlighted fields will eventually be our features and timely response will be our label.</a:t>
             </a:r>
           </a:p>
         </p:txBody>
@@ -10197,7 +7797,7 @@
     </p:spTree>
     <p:extLst>
       <p:ext uri="{BB962C8B-B14F-4D97-AF65-F5344CB8AC3E}">
-        <p14:creationId xmlns:p14="http://schemas.microsoft.com/office/powerpoint/2010/main" val="844442541"/>
+        <p14:creationId xmlns:p14="http://schemas.microsoft.com/office/powerpoint/2010/main" val="1146965178"/>
       </p:ext>
     </p:extLst>
   </p:cSld>
@@ -10251,9 +7851,9 @@
           <a:bodyPr/>
           <a:lstStyle/>
           <a:p>
-            <a:pPr marL="0" marR="0" lvl="0" indent="0" algn="l" defTabSz="914400" rtl="0" eaLnBrk="1" fontAlgn="auto" latinLnBrk="0" hangingPunct="1">
+            <a:pPr marL="342900" marR="0" lvl="0" indent="-342900">
               <a:lnSpc>
-                <a:spcPct val="100000"/>
+                <a:spcPct val="107000"/>
               </a:lnSpc>
               <a:spcBef>
                 <a:spcPts val="0"/>
@@ -10261,30 +7861,23 @@
               <a:spcAft>
                 <a:spcPts val="0"/>
               </a:spcAft>
-              <a:buClrTx/>
-              <a:buSzTx/>
-              <a:buFontTx/>
-              <a:buNone/>
-              <a:tabLst/>
-              <a:defRPr/>
+              <a:buFont typeface="Symbol" panose="05050102010706020507" pitchFamily="18" charset="2"/>
+              <a:buChar char=""/>
             </a:pPr>
             <a:r>
-              <a:rPr lang="en-US" dirty="0"/>
-              <a:t>There are </a:t>
-            </a:r>
-            <a:r>
-              <a:rPr lang="en-US" b="1" dirty="0"/>
-              <a:t>800,356 </a:t>
-            </a:r>
-            <a:r>
-              <a:rPr lang="en-US" b="0" dirty="0"/>
-              <a:t>complaints without narratives. So around 42% have narratives.</a:t>
-            </a:r>
-          </a:p>
-          <a:p>
-            <a:pPr marL="0" marR="0" lvl="0" indent="0" algn="l" defTabSz="914400" rtl="0" eaLnBrk="1" fontAlgn="auto" latinLnBrk="0" hangingPunct="1">
+              <a:rPr lang="en-US" sz="1200" kern="100" dirty="0">
+                <a:effectLst/>
+                <a:latin typeface="Aptos" panose="020B0004020202020204" pitchFamily="34" charset="0"/>
+                <a:ea typeface="Aptos" panose="020B0004020202020204" pitchFamily="34" charset="0"/>
+                <a:cs typeface="Times New Roman" panose="02020603050405020304" pitchFamily="18" charset="0"/>
+              </a:rPr>
+              <a:t>'Date received', 'Submitted via', 'Date sent to company': how and when should be irrelevant</a:t>
+            </a:r>
+          </a:p>
+          <a:p>
+            <a:pPr marL="342900" marR="0" lvl="0" indent="-342900">
               <a:lnSpc>
-                <a:spcPct val="100000"/>
+                <a:spcPct val="107000"/>
               </a:lnSpc>
               <a:spcBef>
                 <a:spcPts val="0"/>
@@ -10292,19 +7885,23 @@
               <a:spcAft>
                 <a:spcPts val="0"/>
               </a:spcAft>
-              <a:buClrTx/>
-              <a:buSzTx/>
-              <a:buFontTx/>
-              <a:buNone/>
-              <a:tabLst/>
-              <a:defRPr/>
+              <a:buFont typeface="Symbol" panose="05050102010706020507" pitchFamily="18" charset="2"/>
+              <a:buChar char=""/>
             </a:pPr>
-            <a:endParaRPr lang="en-US" dirty="0"/>
-          </a:p>
-          <a:p>
-            <a:pPr marL="0" marR="0" lvl="0" indent="0" algn="l" defTabSz="914400" rtl="0" eaLnBrk="1" fontAlgn="auto" latinLnBrk="0" hangingPunct="1">
+            <a:r>
+              <a:rPr lang="en-US" sz="1200" kern="100" dirty="0">
+                <a:effectLst/>
+                <a:latin typeface="Aptos" panose="020B0004020202020204" pitchFamily="34" charset="0"/>
+                <a:ea typeface="Aptos" panose="020B0004020202020204" pitchFamily="34" charset="0"/>
+                <a:cs typeface="Times New Roman" panose="02020603050405020304" pitchFamily="18" charset="0"/>
+              </a:rPr>
+              <a:t>'Company public response', 'Company response to consumer': this is optional on the company's end</a:t>
+            </a:r>
+          </a:p>
+          <a:p>
+            <a:pPr marL="342900" marR="0" lvl="0" indent="-342900">
               <a:lnSpc>
-                <a:spcPct val="100000"/>
+                <a:spcPct val="107000"/>
               </a:lnSpc>
               <a:spcBef>
                 <a:spcPts val="0"/>
@@ -10312,20 +7909,51 @@
               <a:spcAft>
                 <a:spcPts val="0"/>
               </a:spcAft>
-              <a:buClrTx/>
-              <a:buSzTx/>
-              <a:buFontTx/>
-              <a:buNone/>
-              <a:tabLst/>
-              <a:defRPr/>
+              <a:buFont typeface="Symbol" panose="05050102010706020507" pitchFamily="18" charset="2"/>
+              <a:buChar char=""/>
             </a:pPr>
             <a:r>
+              <a:rPr lang="en-US" sz="1200" kern="100" dirty="0">
+                <a:effectLst/>
+                <a:latin typeface="Aptos" panose="020B0004020202020204" pitchFamily="34" charset="0"/>
+                <a:ea typeface="Aptos" panose="020B0004020202020204" pitchFamily="34" charset="0"/>
+                <a:cs typeface="Times New Roman" panose="02020603050405020304" pitchFamily="18" charset="0"/>
+              </a:rPr>
+              <a:t>'State', 'ZIP code': where is irrelevant</a:t>
+            </a:r>
+          </a:p>
+          <a:p>
+            <a:pPr marL="342900" marR="0" lvl="0" indent="-342900">
+              <a:lnSpc>
+                <a:spcPct val="107000"/>
+              </a:lnSpc>
+              <a:spcBef>
+                <a:spcPts val="0"/>
+              </a:spcBef>
+              <a:spcAft>
+                <a:spcPts val="800"/>
+              </a:spcAft>
+              <a:buFont typeface="Symbol" panose="05050102010706020507" pitchFamily="18" charset="2"/>
+              <a:buChar char=""/>
+            </a:pPr>
+            <a:r>
+              <a:rPr lang="en-US" sz="1200" kern="100" dirty="0">
+                <a:effectLst/>
+                <a:latin typeface="Aptos" panose="020B0004020202020204" pitchFamily="34" charset="0"/>
+                <a:ea typeface="Aptos" panose="020B0004020202020204" pitchFamily="34" charset="0"/>
+                <a:cs typeface="Times New Roman" panose="02020603050405020304" pitchFamily="18" charset="0"/>
+              </a:rPr>
+              <a:t>'Tags', 'Consumer consent provided?', 'Consumer disputed?', 'Complaint ID': this customer identification is irrelevant</a:t>
+            </a:r>
+          </a:p>
+          <a:p>
+            <a:endParaRPr lang="en-US" dirty="0"/>
+          </a:p>
+          <a:p>
+            <a:r>
               <a:rPr lang="en-US" dirty="0"/>
-              <a:t>Timely response above 99% for 2022. The website says more conservatively 98%.</a:t>
-            </a:r>
-          </a:p>
-          <a:p>
-            <a:endParaRPr lang="en-US" dirty="0"/>
+              <a:t>The missing data is handled by putting in placeholder text.</a:t>
+            </a:r>
           </a:p>
         </p:txBody>
       </p:sp>
@@ -10346,7 +7974,7 @@
           <a:p>
             <a:fld id="{11A202E3-3BB7-40F4-8260-DF247007A5D0}" type="slidenum">
               <a:rPr lang="en-US" smtClean="0"/>
-              <a:t>9</a:t>
+              <a:t>8</a:t>
             </a:fld>
             <a:endParaRPr lang="en-US"/>
           </a:p>
@@ -10355,7 +7983,7 @@
     </p:spTree>
     <p:extLst>
       <p:ext uri="{BB962C8B-B14F-4D97-AF65-F5344CB8AC3E}">
-        <p14:creationId xmlns:p14="http://schemas.microsoft.com/office/powerpoint/2010/main" val="1028115278"/>
+        <p14:creationId xmlns:p14="http://schemas.microsoft.com/office/powerpoint/2010/main" val="844442541"/>
       </p:ext>
     </p:extLst>
   </p:cSld>
@@ -10427,13 +8055,59 @@
               <a:defRPr/>
             </a:pPr>
             <a:r>
-              <a:rPr lang="en-US" sz="1800" kern="100" dirty="0">
-                <a:effectLst/>
-                <a:latin typeface="Aptos" panose="020B0004020202020204" pitchFamily="34" charset="0"/>
-                <a:ea typeface="Aptos" panose="020B0004020202020204" pitchFamily="34" charset="0"/>
-                <a:cs typeface="Times New Roman" panose="02020603050405020304" pitchFamily="18" charset="0"/>
-              </a:rPr>
-              <a:t>Chi-square analysis was done on the categorical features to find the most influential features on timely response. The top 3 categorical features are 'Product', 'Company', and 'Sub-product'.</a:t>
+              <a:rPr lang="en-US" dirty="0"/>
+              <a:t>There are </a:t>
+            </a:r>
+            <a:r>
+              <a:rPr lang="en-US" b="1" dirty="0"/>
+              <a:t>800,356 </a:t>
+            </a:r>
+            <a:r>
+              <a:rPr lang="en-US" b="0" dirty="0"/>
+              <a:t>complaints without narratives. So around 42% have narratives.</a:t>
+            </a:r>
+          </a:p>
+          <a:p>
+            <a:pPr marL="0" marR="0" lvl="0" indent="0" algn="l" defTabSz="914400" rtl="0" eaLnBrk="1" fontAlgn="auto" latinLnBrk="0" hangingPunct="1">
+              <a:lnSpc>
+                <a:spcPct val="100000"/>
+              </a:lnSpc>
+              <a:spcBef>
+                <a:spcPts val="0"/>
+              </a:spcBef>
+              <a:spcAft>
+                <a:spcPts val="0"/>
+              </a:spcAft>
+              <a:buClrTx/>
+              <a:buSzTx/>
+              <a:buFontTx/>
+              <a:buNone/>
+              <a:tabLst/>
+              <a:defRPr/>
+            </a:pPr>
+            <a:endParaRPr lang="en-US" dirty="0"/>
+          </a:p>
+          <a:p>
+            <a:pPr marL="0" marR="0" lvl="0" indent="0" algn="l" defTabSz="914400" rtl="0" eaLnBrk="1" fontAlgn="auto" latinLnBrk="0" hangingPunct="1">
+              <a:lnSpc>
+                <a:spcPct val="100000"/>
+              </a:lnSpc>
+              <a:spcBef>
+                <a:spcPts val="0"/>
+              </a:spcBef>
+              <a:spcAft>
+                <a:spcPts val="0"/>
+              </a:spcAft>
+              <a:buClrTx/>
+              <a:buSzTx/>
+              <a:buFontTx/>
+              <a:buNone/>
+              <a:tabLst/>
+              <a:defRPr/>
+            </a:pPr>
+            <a:r>
+              <a:rPr lang="en-US" dirty="0"/>
+              <a:t>Timely response above 99% for 2022. The website says more conservatively 98%.</a:t>
             </a:r>
           </a:p>
           <a:p>
@@ -10467,7 +8141,7 @@
     </p:spTree>
     <p:extLst>
       <p:ext uri="{BB962C8B-B14F-4D97-AF65-F5344CB8AC3E}">
-        <p14:creationId xmlns:p14="http://schemas.microsoft.com/office/powerpoint/2010/main" val="1613131387"/>
+        <p14:creationId xmlns:p14="http://schemas.microsoft.com/office/powerpoint/2010/main" val="1028115278"/>
       </p:ext>
     </p:extLst>
   </p:cSld>
@@ -10521,10 +8195,35 @@
           <a:bodyPr/>
           <a:lstStyle/>
           <a:p>
-            <a:r>
-              <a:rPr lang="en-US" dirty="0"/>
-              <a:t>I choose ordinal instead of one hot encoding because there were over 2000 unique companies.</a:t>
-            </a:r>
+            <a:pPr marL="0" marR="0" lvl="0" indent="0" algn="l" defTabSz="914400" rtl="0" eaLnBrk="1" fontAlgn="auto" latinLnBrk="0" hangingPunct="1">
+              <a:lnSpc>
+                <a:spcPct val="100000"/>
+              </a:lnSpc>
+              <a:spcBef>
+                <a:spcPts val="0"/>
+              </a:spcBef>
+              <a:spcAft>
+                <a:spcPts val="0"/>
+              </a:spcAft>
+              <a:buClrTx/>
+              <a:buSzTx/>
+              <a:buFontTx/>
+              <a:buNone/>
+              <a:tabLst/>
+              <a:defRPr/>
+            </a:pPr>
+            <a:r>
+              <a:rPr lang="en-US" sz="1800" kern="100" dirty="0">
+                <a:effectLst/>
+                <a:latin typeface="Aptos" panose="020B0004020202020204" pitchFamily="34" charset="0"/>
+                <a:ea typeface="Aptos" panose="020B0004020202020204" pitchFamily="34" charset="0"/>
+                <a:cs typeface="Times New Roman" panose="02020603050405020304" pitchFamily="18" charset="0"/>
+              </a:rPr>
+              <a:t>Chi-square analysis was done on the categorical features to find the most influential features on timely response. The top 3 categorical features are 'Product', 'Company', and 'Sub-product'.</a:t>
+            </a:r>
+          </a:p>
+          <a:p>
+            <a:endParaRPr lang="en-US" dirty="0"/>
           </a:p>
         </p:txBody>
       </p:sp>
@@ -10545,7 +8244,7 @@
           <a:p>
             <a:fld id="{11A202E3-3BB7-40F4-8260-DF247007A5D0}" type="slidenum">
               <a:rPr lang="en-US" smtClean="0"/>
-              <a:t>12</a:t>
+              <a:t>11</a:t>
             </a:fld>
             <a:endParaRPr lang="en-US"/>
           </a:p>
@@ -10554,7 +8253,7 @@
     </p:spTree>
     <p:extLst>
       <p:ext uri="{BB962C8B-B14F-4D97-AF65-F5344CB8AC3E}">
-        <p14:creationId xmlns:p14="http://schemas.microsoft.com/office/powerpoint/2010/main" val="1974091937"/>
+        <p14:creationId xmlns:p14="http://schemas.microsoft.com/office/powerpoint/2010/main" val="1613131387"/>
       </p:ext>
     </p:extLst>
   </p:cSld>
@@ -10626,70 +8325,45 @@
               <a:defRPr/>
             </a:pPr>
             <a:r>
-              <a:rPr lang="en-US" sz="1800" kern="100" dirty="0">
+              <a:rPr lang="en-US" dirty="0"/>
+              <a:t>The main NLP I did was </a:t>
+            </a:r>
+            <a:r>
+              <a:rPr lang="en-US" b="1" i="0" dirty="0">
+                <a:solidFill>
+                  <a:srgbClr val="FFFFFF"/>
+                </a:solidFill>
                 <a:effectLst/>
-                <a:latin typeface="Aptos" panose="020B0004020202020204" pitchFamily="34" charset="0"/>
-                <a:ea typeface="Aptos" panose="020B0004020202020204" pitchFamily="34" charset="0"/>
-                <a:cs typeface="Times New Roman" panose="02020603050405020304" pitchFamily="18" charset="0"/>
+                <a:highlight>
+                  <a:srgbClr val="131417"/>
+                </a:highlight>
+                <a:latin typeface="Source Sans 3"/>
               </a:rPr>
-              <a:t>As a binary classification problem, 3 models were considered: Decision Tree, Random Forest, and Logistic Regression. Since there is a significant different between Decision Tree and the other two models, I decided to move on ahead and refine Random Forest and Logistic Regression.</a:t>
-            </a:r>
-          </a:p>
-          <a:p>
-            <a:pPr marL="0" marR="0" lvl="0" indent="0" algn="l" defTabSz="914400" rtl="0" eaLnBrk="1" fontAlgn="auto" latinLnBrk="0" hangingPunct="1">
-              <a:lnSpc>
-                <a:spcPct val="100000"/>
-              </a:lnSpc>
-              <a:spcBef>
-                <a:spcPts val="0"/>
-              </a:spcBef>
-              <a:spcAft>
-                <a:spcPts val="0"/>
-              </a:spcAft>
-              <a:buClrTx/>
-              <a:buSzTx/>
-              <a:buFontTx/>
-              <a:buNone/>
-              <a:tabLst/>
-              <a:defRPr/>
-            </a:pPr>
-            <a:endParaRPr lang="en-US" sz="1800" kern="100" dirty="0">
-              <a:effectLst/>
-              <a:latin typeface="Aptos" panose="020B0004020202020204" pitchFamily="34" charset="0"/>
-              <a:ea typeface="Aptos" panose="020B0004020202020204" pitchFamily="34" charset="0"/>
-              <a:cs typeface="Times New Roman" panose="02020603050405020304" pitchFamily="18" charset="0"/>
-            </a:endParaRPr>
-          </a:p>
-          <a:p>
-            <a:pPr marL="0" marR="0" lvl="0" indent="0" algn="l" defTabSz="914400" rtl="0" eaLnBrk="1" fontAlgn="auto" latinLnBrk="0" hangingPunct="1">
-              <a:lnSpc>
-                <a:spcPct val="100000"/>
-              </a:lnSpc>
-              <a:spcBef>
-                <a:spcPts val="0"/>
-              </a:spcBef>
-              <a:spcAft>
-                <a:spcPts val="0"/>
-              </a:spcAft>
-              <a:buClrTx/>
-              <a:buSzTx/>
-              <a:buFontTx/>
-              <a:buNone/>
-              <a:tabLst/>
-              <a:defRPr/>
-            </a:pPr>
-            <a:r>
-              <a:rPr lang="en-US" sz="1800" kern="100" dirty="0">
+              <a:t>Term Frequency-Inverse Document Frequency,</a:t>
+            </a:r>
+            <a:r>
+              <a:rPr lang="en-US" b="0" i="0" dirty="0">
+                <a:solidFill>
+                  <a:srgbClr val="FFFFFF"/>
+                </a:solidFill>
                 <a:effectLst/>
-                <a:latin typeface="Aptos" panose="020B0004020202020204" pitchFamily="34" charset="0"/>
-                <a:ea typeface="Aptos" panose="020B0004020202020204" pitchFamily="34" charset="0"/>
-                <a:cs typeface="Times New Roman" panose="02020603050405020304" pitchFamily="18" charset="0"/>
+                <a:highlight>
+                  <a:srgbClr val="131417"/>
+                </a:highlight>
+                <a:latin typeface="Nunito" panose="020F0502020204030204" pitchFamily="2" charset="0"/>
               </a:rPr>
-              <a:t>Initial testing gave AUC scores.</a:t>
-            </a:r>
-          </a:p>
-          <a:p>
+              <a:t> can be defined as the calculation of how relevant a word in a series or corpus is to a text. The meaning increases proportionally to the number of times in the text a word appears but is compensated by the word frequency in the corpus (data-set).</a:t>
+            </a:r>
             <a:endParaRPr lang="en-US" dirty="0"/>
+          </a:p>
+          <a:p>
+            <a:endParaRPr lang="en-US" dirty="0"/>
+          </a:p>
+          <a:p>
+            <a:r>
+              <a:rPr lang="en-US" dirty="0"/>
+              <a:t>I choose ordinal instead of one hot encoding because there were over 2000 unique companies.</a:t>
+            </a:r>
           </a:p>
         </p:txBody>
       </p:sp>
@@ -10710,7 +8384,7 @@
           <a:p>
             <a:fld id="{11A202E3-3BB7-40F4-8260-DF247007A5D0}" type="slidenum">
               <a:rPr lang="en-US" smtClean="0"/>
-              <a:t>14</a:t>
+              <a:t>13</a:t>
             </a:fld>
             <a:endParaRPr lang="en-US"/>
           </a:p>
@@ -10719,7 +8393,7 @@
     </p:spTree>
     <p:extLst>
       <p:ext uri="{BB962C8B-B14F-4D97-AF65-F5344CB8AC3E}">
-        <p14:creationId xmlns:p14="http://schemas.microsoft.com/office/powerpoint/2010/main" val="154965589"/>
+        <p14:creationId xmlns:p14="http://schemas.microsoft.com/office/powerpoint/2010/main" val="1974091937"/>
       </p:ext>
     </p:extLst>
   </p:cSld>
@@ -10791,44 +8465,76 @@
               <a:defRPr/>
             </a:pPr>
             <a:r>
-              <a:rPr lang="en-US" sz="1800" dirty="0">
-                <a:effectLst/>
-                <a:latin typeface="Aptos" panose="020B0004020202020204" pitchFamily="34" charset="0"/>
-                <a:ea typeface="Aptos" panose="020B0004020202020204" pitchFamily="34" charset="0"/>
-                <a:cs typeface="Times New Roman" panose="02020603050405020304" pitchFamily="18" charset="0"/>
-              </a:rPr>
-              <a:t>Because Logistic Regression was the most promising, I decided to do a grid search in order to hyperparameter tune it. I also tried </a:t>
-            </a:r>
-            <a:r>
-              <a:rPr lang="en-US" sz="1800" dirty="0" err="1">
-                <a:effectLst/>
-                <a:latin typeface="Aptos" panose="020B0004020202020204" pitchFamily="34" charset="0"/>
-                <a:ea typeface="Aptos" panose="020B0004020202020204" pitchFamily="34" charset="0"/>
-                <a:cs typeface="Times New Roman" panose="02020603050405020304" pitchFamily="18" charset="0"/>
-              </a:rPr>
-              <a:t>undersampling</a:t>
-            </a:r>
-            <a:r>
-              <a:rPr lang="en-US" sz="1800" dirty="0">
-                <a:effectLst/>
-                <a:latin typeface="Aptos" panose="020B0004020202020204" pitchFamily="34" charset="0"/>
-                <a:ea typeface="Aptos" panose="020B0004020202020204" pitchFamily="34" charset="0"/>
-                <a:cs typeface="Times New Roman" panose="02020603050405020304" pitchFamily="18" charset="0"/>
-              </a:rPr>
-              <a:t> to deal with the imbalanced data. </a:t>
-            </a:r>
-            <a:r>
               <a:rPr lang="en-US" sz="1800" kern="100" dirty="0">
                 <a:effectLst/>
                 <a:latin typeface="Aptos" panose="020B0004020202020204" pitchFamily="34" charset="0"/>
                 <a:ea typeface="Aptos" panose="020B0004020202020204" pitchFamily="34" charset="0"/>
                 <a:cs typeface="Times New Roman" panose="02020603050405020304" pitchFamily="18" charset="0"/>
               </a:rPr>
-              <a:t>. We would need to balance having a complex model which has the chance to overfit and using the simpler model which may not capture all important features. Here it seems that the simple Logistic Regression model with default parameters (aside from balanced class weight) is the best choice.</a:t>
+              <a:t>As a binary classification problem, 3 models were considered: Decision Tree, Random Forest, and Logistic Regression. Since there is a significant different between Decision Tree and the other two models, I decided to move on ahead and refine Random Forest and Logistic Regression.</a:t>
+            </a:r>
+          </a:p>
+          <a:p>
+            <a:pPr marL="0" marR="0" lvl="0" indent="0" algn="l" defTabSz="914400" rtl="0" eaLnBrk="1" fontAlgn="auto" latinLnBrk="0" hangingPunct="1">
+              <a:lnSpc>
+                <a:spcPct val="100000"/>
+              </a:lnSpc>
+              <a:spcBef>
+                <a:spcPts val="0"/>
+              </a:spcBef>
+              <a:spcAft>
+                <a:spcPts val="0"/>
+              </a:spcAft>
+              <a:buClrTx/>
+              <a:buSzTx/>
+              <a:buFontTx/>
+              <a:buNone/>
+              <a:tabLst/>
+              <a:defRPr/>
+            </a:pPr>
+            <a:endParaRPr lang="en-US" sz="1800" kern="100" dirty="0">
+              <a:effectLst/>
+              <a:latin typeface="Aptos" panose="020B0004020202020204" pitchFamily="34" charset="0"/>
+              <a:ea typeface="Aptos" panose="020B0004020202020204" pitchFamily="34" charset="0"/>
+              <a:cs typeface="Times New Roman" panose="02020603050405020304" pitchFamily="18" charset="0"/>
+            </a:endParaRPr>
+          </a:p>
+          <a:p>
+            <a:pPr marL="0" marR="0" lvl="0" indent="0" algn="l" defTabSz="914400" rtl="0" eaLnBrk="1" fontAlgn="auto" latinLnBrk="0" hangingPunct="1">
+              <a:lnSpc>
+                <a:spcPct val="100000"/>
+              </a:lnSpc>
+              <a:spcBef>
+                <a:spcPts val="0"/>
+              </a:spcBef>
+              <a:spcAft>
+                <a:spcPts val="0"/>
+              </a:spcAft>
+              <a:buClrTx/>
+              <a:buSzTx/>
+              <a:buFontTx/>
+              <a:buNone/>
+              <a:tabLst/>
+              <a:defRPr/>
+            </a:pPr>
+            <a:r>
+              <a:rPr lang="en-US" sz="1800" kern="100" dirty="0">
+                <a:effectLst/>
+                <a:latin typeface="Aptos" panose="020B0004020202020204" pitchFamily="34" charset="0"/>
+                <a:ea typeface="Aptos" panose="020B0004020202020204" pitchFamily="34" charset="0"/>
+                <a:cs typeface="Times New Roman" panose="02020603050405020304" pitchFamily="18" charset="0"/>
+              </a:rPr>
+              <a:t>I used AUC because most models would give 98% accuracy because we have imbalanced data.</a:t>
             </a:r>
           </a:p>
           <a:p>
             <a:endParaRPr lang="en-US" dirty="0"/>
+          </a:p>
+          <a:p>
+            <a:r>
+              <a:rPr lang="en-US" dirty="0"/>
+              <a:t>Recall that the Area Under the ROC curve is a value between 0 and 1 that summarizes the ROC curve (plot of the true positive rate against the false positive rate), where 0.5 AUC represents a model that is random.</a:t>
+            </a:r>
           </a:p>
         </p:txBody>
       </p:sp>
@@ -10858,7 +8564,7 @@
     </p:spTree>
     <p:extLst>
       <p:ext uri="{BB962C8B-B14F-4D97-AF65-F5344CB8AC3E}">
-        <p14:creationId xmlns:p14="http://schemas.microsoft.com/office/powerpoint/2010/main" val="3747177324"/>
+        <p14:creationId xmlns:p14="http://schemas.microsoft.com/office/powerpoint/2010/main" val="154965589"/>
       </p:ext>
     </p:extLst>
   </p:cSld>
@@ -16869,8 +14575,275 @@
           <a:chExt cx="0" cy="0"/>
         </a:xfrm>
       </p:grpSpPr>
-      <mc:AlternateContent xmlns:mc="http://schemas.openxmlformats.org/markup-compatibility/2006">
-        <mc:Choice xmlns:a14="http://schemas.microsoft.com/office/drawing/2010/main" Requires="a14">
+      <p:sp useBgFill="1">
+        <p:nvSpPr>
+          <p:cNvPr id="8" name="Rectangle 7">
+            <a:extLst>
+              <a:ext uri="{FF2B5EF4-FFF2-40B4-BE49-F238E27FC236}">
+                <a16:creationId xmlns:a16="http://schemas.microsoft.com/office/drawing/2014/main" id="{3BFBA67F-0D4D-4C2E-A1D7-82D080A4B3AD}"/>
+              </a:ext>
+              <a:ext uri="{C183D7F6-B498-43B3-948B-1728B52AA6E4}">
+                <adec:decorative xmlns:adec="http://schemas.microsoft.com/office/drawing/2017/decorative" val="1"/>
+              </a:ext>
+            </a:extLst>
+          </p:cNvPr>
+          <p:cNvSpPr>
+            <a:spLocks noGrp="1" noRot="1" noChangeAspect="1" noMove="1" noResize="1" noEditPoints="1" noAdjustHandles="1" noChangeArrowheads="1" noChangeShapeType="1" noTextEdit="1"/>
+          </p:cNvSpPr>
+          <p:nvPr>
+            <p:extLst>
+              <p:ext uri="{386F3935-93C4-4BCD-93E2-E3B085C9AB24}">
+                <p16:designElem xmlns:p16="http://schemas.microsoft.com/office/powerpoint/2015/main" val="1"/>
+              </p:ext>
+            </p:extLst>
+          </p:nvPr>
+        </p:nvSpPr>
+        <p:spPr>
+          <a:xfrm>
+            <a:off x="0" y="0"/>
+            <a:ext cx="12192000" cy="6858000"/>
+          </a:xfrm>
+          <a:prstGeom prst="rect">
+            <a:avLst/>
+          </a:prstGeom>
+          <a:ln>
+            <a:noFill/>
+          </a:ln>
+        </p:spPr>
+        <p:style>
+          <a:lnRef idx="2">
+            <a:schemeClr val="accent1">
+              <a:shade val="50000"/>
+            </a:schemeClr>
+          </a:lnRef>
+          <a:fillRef idx="1">
+            <a:schemeClr val="accent1"/>
+          </a:fillRef>
+          <a:effectRef idx="0">
+            <a:schemeClr val="accent1"/>
+          </a:effectRef>
+          <a:fontRef idx="minor">
+            <a:schemeClr val="lt1"/>
+          </a:fontRef>
+        </p:style>
+        <p:txBody>
+          <a:bodyPr rtlCol="0" anchor="ctr"/>
+          <a:lstStyle/>
+          <a:p>
+            <a:pPr algn="ctr"/>
+            <a:endParaRPr lang="en-US"/>
+          </a:p>
+        </p:txBody>
+      </p:sp>
+      <p:sp>
+        <p:nvSpPr>
+          <p:cNvPr id="2" name="Title 1">
+            <a:extLst>
+              <a:ext uri="{FF2B5EF4-FFF2-40B4-BE49-F238E27FC236}">
+                <a16:creationId xmlns:a16="http://schemas.microsoft.com/office/drawing/2014/main" id="{B0E8B987-A31B-FEB5-7DC9-D60DCA1F0136}"/>
+              </a:ext>
+            </a:extLst>
+          </p:cNvPr>
+          <p:cNvSpPr>
+            <a:spLocks noGrp="1"/>
+          </p:cNvSpPr>
+          <p:nvPr>
+            <p:ph type="title"/>
+          </p:nvPr>
+        </p:nvSpPr>
+        <p:spPr>
+          <a:xfrm>
+            <a:off x="913795" y="609600"/>
+            <a:ext cx="10353761" cy="1326321"/>
+          </a:xfrm>
+        </p:spPr>
+        <p:txBody>
+          <a:bodyPr>
+            <a:normAutofit/>
+          </a:bodyPr>
+          <a:lstStyle/>
+          <a:p>
+            <a:r>
+              <a:rPr lang="en-US" dirty="0"/>
+              <a:t>Facts</a:t>
+            </a:r>
+          </a:p>
+        </p:txBody>
+      </p:sp>
+      <p:sp>
+        <p:nvSpPr>
+          <p:cNvPr id="10" name="Rectangle 9">
+            <a:extLst>
+              <a:ext uri="{FF2B5EF4-FFF2-40B4-BE49-F238E27FC236}">
+                <a16:creationId xmlns:a16="http://schemas.microsoft.com/office/drawing/2014/main" id="{EFA2AC96-1E47-421C-A03F-F98E354EB4E6}"/>
+              </a:ext>
+              <a:ext uri="{C183D7F6-B498-43B3-948B-1728B52AA6E4}">
+                <adec:decorative xmlns:adec="http://schemas.microsoft.com/office/drawing/2017/decorative" val="1"/>
+              </a:ext>
+            </a:extLst>
+          </p:cNvPr>
+          <p:cNvSpPr>
+            <a:spLocks noGrp="1" noRot="1" noChangeAspect="1" noMove="1" noResize="1" noEditPoints="1" noAdjustHandles="1" noChangeArrowheads="1" noChangeShapeType="1" noTextEdit="1"/>
+          </p:cNvSpPr>
+          <p:nvPr>
+            <p:extLst>
+              <p:ext uri="{386F3935-93C4-4BCD-93E2-E3B085C9AB24}">
+                <p16:designElem xmlns:p16="http://schemas.microsoft.com/office/powerpoint/2015/main" val="1"/>
+              </p:ext>
+            </p:extLst>
+          </p:nvPr>
+        </p:nvSpPr>
+        <p:spPr>
+          <a:xfrm>
+            <a:off x="0" y="2095500"/>
+            <a:ext cx="12192000" cy="4762500"/>
+          </a:xfrm>
+          <a:prstGeom prst="rect">
+            <a:avLst/>
+          </a:prstGeom>
+          <a:solidFill>
+            <a:schemeClr val="bg1">
+              <a:alpha val="50000"/>
+            </a:schemeClr>
+          </a:solidFill>
+          <a:ln>
+            <a:noFill/>
+          </a:ln>
+        </p:spPr>
+        <p:style>
+          <a:lnRef idx="2">
+            <a:schemeClr val="accent1">
+              <a:shade val="50000"/>
+            </a:schemeClr>
+          </a:lnRef>
+          <a:fillRef idx="1001">
+            <a:schemeClr val="dk1"/>
+          </a:fillRef>
+          <a:effectRef idx="0">
+            <a:schemeClr val="accent1"/>
+          </a:effectRef>
+          <a:fontRef idx="minor">
+            <a:schemeClr val="lt1"/>
+          </a:fontRef>
+        </p:style>
+        <p:txBody>
+          <a:bodyPr rtlCol="0" anchor="ctr"/>
+          <a:lstStyle/>
+          <a:p>
+            <a:pPr algn="ctr"/>
+            <a:endParaRPr lang="en-US"/>
+          </a:p>
+        </p:txBody>
+      </p:sp>
+      <p:sp>
+        <p:nvSpPr>
+          <p:cNvPr id="3" name="Content Placeholder 2">
+            <a:extLst>
+              <a:ext uri="{FF2B5EF4-FFF2-40B4-BE49-F238E27FC236}">
+                <a16:creationId xmlns:a16="http://schemas.microsoft.com/office/drawing/2014/main" id="{3BCBE280-99F1-5AE2-D164-97CC49EFF7EC}"/>
+              </a:ext>
+            </a:extLst>
+          </p:cNvPr>
+          <p:cNvSpPr>
+            <a:spLocks noGrp="1"/>
+          </p:cNvSpPr>
+          <p:nvPr>
+            <p:ph idx="1"/>
+          </p:nvPr>
+        </p:nvSpPr>
+        <p:spPr>
+          <a:xfrm>
+            <a:off x="1466850" y="2463800"/>
+            <a:ext cx="9247652" cy="3327400"/>
+          </a:xfrm>
+        </p:spPr>
+        <p:txBody>
+          <a:bodyPr>
+            <a:normAutofit/>
+          </a:bodyPr>
+          <a:lstStyle/>
+          <a:p>
+            <a:r>
+              <a:rPr lang="en-US" dirty="0"/>
+              <a:t>328213 entries</a:t>
+            </a:r>
+          </a:p>
+          <a:p>
+            <a:pPr lvl="1"/>
+            <a:r>
+              <a:rPr lang="en-US" dirty="0"/>
+              <a:t>6 features (down to 4 features). 5 categorical, 1 text.</a:t>
+            </a:r>
+          </a:p>
+          <a:p>
+            <a:pPr lvl="1"/>
+            <a:r>
+              <a:rPr lang="en-US" dirty="0"/>
+              <a:t>Label is timely response</a:t>
+            </a:r>
+          </a:p>
+          <a:p>
+            <a:r>
+              <a:rPr lang="en-US" dirty="0"/>
+              <a:t>Timely response rates are 325534 Yes vs 2679 No. </a:t>
+            </a:r>
+          </a:p>
+        </p:txBody>
+      </p:sp>
+    </p:spTree>
+    <p:extLst>
+      <p:ext uri="{BB962C8B-B14F-4D97-AF65-F5344CB8AC3E}">
+        <p14:creationId xmlns:p14="http://schemas.microsoft.com/office/powerpoint/2010/main" val="755428250"/>
+      </p:ext>
+    </p:extLst>
+  </p:cSld>
+  <p:clrMapOvr>
+    <a:masterClrMapping/>
+  </p:clrMapOvr>
+</p:sld>
+</file>
+
+<file path=ppt/slides/slide11.xml><?xml version="1.0" encoding="utf-8"?>
+<p:sld xmlns:a="http://schemas.openxmlformats.org/drawingml/2006/main" xmlns:r="http://schemas.openxmlformats.org/officeDocument/2006/relationships" xmlns:p="http://schemas.openxmlformats.org/presentationml/2006/main">
+  <p:cSld>
+    <p:bg>
+      <p:bgPr>
+        <a:blipFill rotWithShape="1">
+          <a:blip r:embed="rId3">
+            <a:duotone>
+              <a:schemeClr val="bg2">
+                <a:shade val="18000"/>
+                <a:satMod val="160000"/>
+                <a:lumMod val="28000"/>
+              </a:schemeClr>
+              <a:schemeClr val="bg2">
+                <a:tint val="95000"/>
+                <a:satMod val="160000"/>
+                <a:lumMod val="116000"/>
+              </a:schemeClr>
+            </a:duotone>
+          </a:blip>
+          <a:stretch/>
+        </a:blipFill>
+        <a:effectLst/>
+      </p:bgPr>
+    </p:bg>
+    <p:spTree>
+      <p:nvGrpSpPr>
+        <p:cNvPr id="1" name=""/>
+        <p:cNvGrpSpPr/>
+        <p:nvPr/>
+      </p:nvGrpSpPr>
+      <p:grpSpPr>
+        <a:xfrm>
+          <a:off x="0" y="0"/>
+          <a:ext cx="0" cy="0"/>
+          <a:chOff x="0" y="0"/>
+          <a:chExt cx="0" cy="0"/>
+        </a:xfrm>
+      </p:grpSpPr>
+      <mc:AlternateContent xmlns:mc="http://schemas.openxmlformats.org/markup-compatibility/2006" xmlns:a14="http://schemas.microsoft.com/office/drawing/2010/main">
+        <mc:Choice Requires="a14">
           <p:sp>
             <p:nvSpPr>
               <p:cNvPr id="2" name="Title 1">
@@ -16937,7 +14910,7 @@
             </p:txBody>
           </p:sp>
         </mc:Choice>
-        <mc:Fallback>
+        <mc:Fallback xmlns="">
           <p:sp>
             <p:nvSpPr>
               <p:cNvPr id="2" name="Title 1">
@@ -17175,7 +15148,7 @@
 </p:sld>
 </file>
 
-<file path=ppt/slides/slide11.xml><?xml version="1.0" encoding="utf-8"?>
+<file path=ppt/slides/slide12.xml><?xml version="1.0" encoding="utf-8"?>
 <p:sld xmlns:a="http://schemas.openxmlformats.org/drawingml/2006/main" xmlns:r="http://schemas.openxmlformats.org/officeDocument/2006/relationships" xmlns:p="http://schemas.openxmlformats.org/presentationml/2006/main">
   <p:cSld>
     <p:bg>
@@ -17480,7 +15453,7 @@
 </p:sld>
 </file>
 
-<file path=ppt/slides/slide12.xml><?xml version="1.0" encoding="utf-8"?>
+<file path=ppt/slides/slide13.xml><?xml version="1.0" encoding="utf-8"?>
 <p:sld xmlns:a="http://schemas.openxmlformats.org/drawingml/2006/main" xmlns:r="http://schemas.openxmlformats.org/officeDocument/2006/relationships" xmlns:p="http://schemas.openxmlformats.org/presentationml/2006/main">
   <p:cSld>
     <p:bg>
@@ -17777,7 +15750,7 @@
 </p:sld>
 </file>
 
-<file path=ppt/slides/slide13.xml><?xml version="1.0" encoding="utf-8"?>
+<file path=ppt/slides/slide14.xml><?xml version="1.0" encoding="utf-8"?>
 <p:sld xmlns:a="http://schemas.openxmlformats.org/drawingml/2006/main" xmlns:r="http://schemas.openxmlformats.org/officeDocument/2006/relationships" xmlns:p="http://schemas.openxmlformats.org/presentationml/2006/main">
   <p:cSld>
     <p:bg>
@@ -17990,7 +15963,7 @@
 </p:sld>
 </file>
 
-<file path=ppt/slides/slide14.xml><?xml version="1.0" encoding="utf-8"?>
+<file path=ppt/slides/slide15.xml><?xml version="1.0" encoding="utf-8"?>
 <p:sld xmlns:a="http://schemas.openxmlformats.org/drawingml/2006/main" xmlns:r="http://schemas.openxmlformats.org/officeDocument/2006/relationships" xmlns:p="http://schemas.openxmlformats.org/presentationml/2006/main">
   <p:cSld>
     <p:bg>
@@ -18145,7 +16118,7 @@
             <p:ph idx="1"/>
             <p:extLst>
               <p:ext uri="{D42A27DB-BD31-4B8C-83A1-F6EECF244321}">
-                <p14:modId xmlns:p14="http://schemas.microsoft.com/office/powerpoint/2010/main" val="3171504007"/>
+                <p14:modId xmlns:p14="http://schemas.microsoft.com/office/powerpoint/2010/main" val="3689622154"/>
               </p:ext>
             </p:extLst>
           </p:nvPr>
@@ -18173,7 +16146,7 @@
 </p:sld>
 </file>
 
-<file path=ppt/slides/slide15.xml><?xml version="1.0" encoding="utf-8"?>
+<file path=ppt/slides/slide16.xml><?xml version="1.0" encoding="utf-8"?>
 <p:sld xmlns:a="http://schemas.openxmlformats.org/drawingml/2006/main" xmlns:r="http://schemas.openxmlformats.org/officeDocument/2006/relationships" xmlns:p="http://schemas.openxmlformats.org/presentationml/2006/main">
   <p:cSld>
     <p:bg>
@@ -18487,124 +16460,6 @@
 </p:sld>
 </file>
 
-<file path=ppt/slides/slide16.xml><?xml version="1.0" encoding="utf-8"?>
-<p:sld xmlns:a="http://schemas.openxmlformats.org/drawingml/2006/main" xmlns:r="http://schemas.openxmlformats.org/officeDocument/2006/relationships" xmlns:p="http://schemas.openxmlformats.org/presentationml/2006/main">
-  <p:cSld>
-    <p:bg>
-      <p:bgPr>
-        <a:blipFill rotWithShape="1">
-          <a:blip r:embed="rId2">
-            <a:duotone>
-              <a:schemeClr val="bg2">
-                <a:shade val="18000"/>
-                <a:satMod val="160000"/>
-                <a:lumMod val="28000"/>
-              </a:schemeClr>
-              <a:schemeClr val="bg2">
-                <a:tint val="95000"/>
-                <a:satMod val="160000"/>
-                <a:lumMod val="116000"/>
-              </a:schemeClr>
-            </a:duotone>
-          </a:blip>
-          <a:stretch/>
-        </a:blipFill>
-        <a:effectLst/>
-      </p:bgPr>
-    </p:bg>
-    <p:spTree>
-      <p:nvGrpSpPr>
-        <p:cNvPr id="1" name=""/>
-        <p:cNvGrpSpPr/>
-        <p:nvPr/>
-      </p:nvGrpSpPr>
-      <p:grpSpPr>
-        <a:xfrm>
-          <a:off x="0" y="0"/>
-          <a:ext cx="0" cy="0"/>
-          <a:chOff x="0" y="0"/>
-          <a:chExt cx="0" cy="0"/>
-        </a:xfrm>
-      </p:grpSpPr>
-      <p:sp>
-        <p:nvSpPr>
-          <p:cNvPr id="2" name="Title 1">
-            <a:extLst>
-              <a:ext uri="{FF2B5EF4-FFF2-40B4-BE49-F238E27FC236}">
-                <a16:creationId xmlns:a16="http://schemas.microsoft.com/office/drawing/2014/main" id="{BAC23CE4-1CB1-A768-C113-ADD26FD3771D}"/>
-              </a:ext>
-            </a:extLst>
-          </p:cNvPr>
-          <p:cNvSpPr>
-            <a:spLocks noGrp="1"/>
-          </p:cNvSpPr>
-          <p:nvPr>
-            <p:ph type="title"/>
-          </p:nvPr>
-        </p:nvSpPr>
-        <p:spPr>
-          <a:xfrm>
-            <a:off x="752475" y="609600"/>
-            <a:ext cx="3643150" cy="5603310"/>
-          </a:xfrm>
-        </p:spPr>
-        <p:txBody>
-          <a:bodyPr>
-            <a:normAutofit/>
-          </a:bodyPr>
-          <a:lstStyle/>
-          <a:p>
-            <a:r>
-              <a:rPr lang="en-US" sz="2400"/>
-              <a:t>Recommendations</a:t>
-            </a:r>
-          </a:p>
-        </p:txBody>
-      </p:sp>
-      <p:graphicFrame>
-        <p:nvGraphicFramePr>
-          <p:cNvPr id="5" name="Content Placeholder 2">
-            <a:extLst>
-              <a:ext uri="{FF2B5EF4-FFF2-40B4-BE49-F238E27FC236}">
-                <a16:creationId xmlns:a16="http://schemas.microsoft.com/office/drawing/2014/main" id="{76E4235B-7DC9-0A2A-DEB0-52D84361D36B}"/>
-              </a:ext>
-            </a:extLst>
-          </p:cNvPr>
-          <p:cNvGraphicFramePr>
-            <a:graphicFrameLocks noGrp="1"/>
-          </p:cNvGraphicFramePr>
-          <p:nvPr>
-            <p:ph idx="1"/>
-            <p:extLst>
-              <p:ext uri="{D42A27DB-BD31-4B8C-83A1-F6EECF244321}">
-                <p14:modId xmlns:p14="http://schemas.microsoft.com/office/powerpoint/2010/main" val="1753496189"/>
-              </p:ext>
-            </p:extLst>
-          </p:nvPr>
-        </p:nvGraphicFramePr>
-        <p:xfrm>
-          <a:off x="5127625" y="1114425"/>
-          <a:ext cx="5924550" cy="4629150"/>
-        </p:xfrm>
-        <a:graphic>
-          <a:graphicData uri="http://schemas.openxmlformats.org/drawingml/2006/diagram">
-            <dgm:relIds xmlns:dgm="http://schemas.openxmlformats.org/drawingml/2006/diagram" xmlns:r="http://schemas.openxmlformats.org/officeDocument/2006/relationships" r:dm="rId3" r:lo="rId4" r:qs="rId5" r:cs="rId6"/>
-          </a:graphicData>
-        </a:graphic>
-      </p:graphicFrame>
-    </p:spTree>
-    <p:extLst>
-      <p:ext uri="{BB962C8B-B14F-4D97-AF65-F5344CB8AC3E}">
-        <p14:creationId xmlns:p14="http://schemas.microsoft.com/office/powerpoint/2010/main" val="1831374706"/>
-      </p:ext>
-    </p:extLst>
-  </p:cSld>
-  <p:clrMapOvr>
-    <a:masterClrMapping/>
-  </p:clrMapOvr>
-</p:sld>
-</file>
-
 <file path=ppt/slides/slide17.xml><?xml version="1.0" encoding="utf-8"?>
 <p:sld xmlns:a="http://schemas.openxmlformats.org/drawingml/2006/main" xmlns:r="http://schemas.openxmlformats.org/officeDocument/2006/relationships" xmlns:p="http://schemas.openxmlformats.org/presentationml/2006/main">
   <p:cSld>
@@ -18649,7 +16504,7 @@
           <p:cNvPr id="2" name="Title 1">
             <a:extLst>
               <a:ext uri="{FF2B5EF4-FFF2-40B4-BE49-F238E27FC236}">
-                <a16:creationId xmlns:a16="http://schemas.microsoft.com/office/drawing/2014/main" id="{2E1E1C51-6454-3C59-2D8C-6799959C9077}"/>
+                <a16:creationId xmlns:a16="http://schemas.microsoft.com/office/drawing/2014/main" id="{BAC23CE4-1CB1-A768-C113-ADD26FD3771D}"/>
               </a:ext>
             </a:extLst>
           </p:cNvPr>
@@ -18673,8 +16528,8 @@
           <a:lstStyle/>
           <a:p>
             <a:r>
-              <a:rPr lang="en-US" dirty="0"/>
-              <a:t>Next Steps</a:t>
+              <a:rPr lang="en-US" sz="2400"/>
+              <a:t>Recommendations</a:t>
             </a:r>
           </a:p>
         </p:txBody>
@@ -18684,7 +16539,7 @@
           <p:cNvPr id="5" name="Content Placeholder 2">
             <a:extLst>
               <a:ext uri="{FF2B5EF4-FFF2-40B4-BE49-F238E27FC236}">
-                <a16:creationId xmlns:a16="http://schemas.microsoft.com/office/drawing/2014/main" id="{570ABA33-3F8D-8762-D328-78EC29E8DA89}"/>
+                <a16:creationId xmlns:a16="http://schemas.microsoft.com/office/drawing/2014/main" id="{76E4235B-7DC9-0A2A-DEB0-52D84361D36B}"/>
               </a:ext>
             </a:extLst>
           </p:cNvPr>
@@ -18695,7 +16550,7 @@
             <p:ph idx="1"/>
             <p:extLst>
               <p:ext uri="{D42A27DB-BD31-4B8C-83A1-F6EECF244321}">
-                <p14:modId xmlns:p14="http://schemas.microsoft.com/office/powerpoint/2010/main" val="446705785"/>
+                <p14:modId xmlns:p14="http://schemas.microsoft.com/office/powerpoint/2010/main" val="2264594989"/>
               </p:ext>
             </p:extLst>
           </p:nvPr>
@@ -18710,6 +16565,343 @@
           </a:graphicData>
         </a:graphic>
       </p:graphicFrame>
+    </p:spTree>
+    <p:extLst>
+      <p:ext uri="{BB962C8B-B14F-4D97-AF65-F5344CB8AC3E}">
+        <p14:creationId xmlns:p14="http://schemas.microsoft.com/office/powerpoint/2010/main" val="1831374706"/>
+      </p:ext>
+    </p:extLst>
+  </p:cSld>
+  <p:clrMapOvr>
+    <a:masterClrMapping/>
+  </p:clrMapOvr>
+</p:sld>
+</file>
+
+<file path=ppt/slides/slide18.xml><?xml version="1.0" encoding="utf-8"?>
+<p:sld xmlns:a="http://schemas.openxmlformats.org/drawingml/2006/main" xmlns:r="http://schemas.openxmlformats.org/officeDocument/2006/relationships" xmlns:p="http://schemas.openxmlformats.org/presentationml/2006/main">
+  <p:cSld>
+    <p:bg>
+      <p:bgPr>
+        <a:blipFill rotWithShape="1">
+          <a:blip r:embed="rId3">
+            <a:duotone>
+              <a:schemeClr val="bg2">
+                <a:shade val="18000"/>
+                <a:satMod val="160000"/>
+                <a:lumMod val="28000"/>
+              </a:schemeClr>
+              <a:schemeClr val="bg2">
+                <a:tint val="95000"/>
+                <a:satMod val="160000"/>
+                <a:lumMod val="116000"/>
+              </a:schemeClr>
+            </a:duotone>
+          </a:blip>
+          <a:stretch/>
+        </a:blipFill>
+        <a:effectLst/>
+      </p:bgPr>
+    </p:bg>
+    <p:spTree>
+      <p:nvGrpSpPr>
+        <p:cNvPr id="1" name=""/>
+        <p:cNvGrpSpPr/>
+        <p:nvPr/>
+      </p:nvGrpSpPr>
+      <p:grpSpPr>
+        <a:xfrm>
+          <a:off x="0" y="0"/>
+          <a:ext cx="0" cy="0"/>
+          <a:chOff x="0" y="0"/>
+          <a:chExt cx="0" cy="0"/>
+        </a:xfrm>
+      </p:grpSpPr>
+      <p:pic>
+        <p:nvPicPr>
+          <p:cNvPr id="9" name="Picture 8" descr="Stock numbers on a digital display">
+            <a:extLst>
+              <a:ext uri="{FF2B5EF4-FFF2-40B4-BE49-F238E27FC236}">
+                <a16:creationId xmlns:a16="http://schemas.microsoft.com/office/drawing/2014/main" id="{23DE3136-92EF-AD61-765A-D4DA5CE30C10}"/>
+              </a:ext>
+            </a:extLst>
+          </p:cNvPr>
+          <p:cNvPicPr>
+            <a:picLocks noChangeAspect="1"/>
+          </p:cNvPicPr>
+          <p:nvPr/>
+        </p:nvPicPr>
+        <p:blipFill>
+          <a:blip r:embed="rId4">
+            <a:alphaModFix amt="20000"/>
+            <a:grayscl/>
+          </a:blip>
+          <a:srcRect b="3462"/>
+          <a:stretch/>
+        </p:blipFill>
+        <p:spPr>
+          <a:xfrm>
+            <a:off x="20" y="2030"/>
+            <a:ext cx="12191980" cy="6855970"/>
+          </a:xfrm>
+          <a:prstGeom prst="rect">
+            <a:avLst/>
+          </a:prstGeom>
+        </p:spPr>
+      </p:pic>
+      <p:sp>
+        <p:nvSpPr>
+          <p:cNvPr id="12" name="Rectangle 11">
+            <a:extLst>
+              <a:ext uri="{FF2B5EF4-FFF2-40B4-BE49-F238E27FC236}">
+                <a16:creationId xmlns:a16="http://schemas.microsoft.com/office/drawing/2014/main" id="{8303E62F-257C-43A0-BEF7-E0DECD856D26}"/>
+              </a:ext>
+              <a:ext uri="{C183D7F6-B498-43B3-948B-1728B52AA6E4}">
+                <adec:decorative xmlns:adec="http://schemas.microsoft.com/office/drawing/2017/decorative" val="1"/>
+              </a:ext>
+            </a:extLst>
+          </p:cNvPr>
+          <p:cNvSpPr>
+            <a:spLocks noGrp="1" noRot="1" noChangeAspect="1" noMove="1" noResize="1" noEditPoints="1" noAdjustHandles="1" noChangeArrowheads="1" noChangeShapeType="1" noTextEdit="1"/>
+          </p:cNvSpPr>
+          <p:nvPr>
+            <p:extLst>
+              <p:ext uri="{386F3935-93C4-4BCD-93E2-E3B085C9AB24}">
+                <p16:designElem xmlns:p16="http://schemas.microsoft.com/office/powerpoint/2015/main" val="1"/>
+              </p:ext>
+            </p:extLst>
+          </p:nvPr>
+        </p:nvSpPr>
+        <p:spPr>
+          <a:xfrm>
+            <a:off x="-5325" y="0"/>
+            <a:ext cx="12192000" cy="6858000"/>
+          </a:xfrm>
+          <a:prstGeom prst="rect">
+            <a:avLst/>
+          </a:prstGeom>
+          <a:gradFill flip="none" rotWithShape="1">
+            <a:gsLst>
+              <a:gs pos="32000">
+                <a:schemeClr val="bg2">
+                  <a:lumMod val="75000"/>
+                  <a:alpha val="3000"/>
+                </a:schemeClr>
+              </a:gs>
+              <a:gs pos="100000">
+                <a:sysClr val="windowText" lastClr="000000">
+                  <a:alpha val="70000"/>
+                </a:sysClr>
+              </a:gs>
+            </a:gsLst>
+            <a:path path="circle">
+              <a:fillToRect l="50000" t="5000" r="50000" b="95000"/>
+            </a:path>
+            <a:tileRect/>
+          </a:gradFill>
+          <a:ln w="9525" cap="flat" cmpd="sng" algn="ctr">
+            <a:noFill/>
+            <a:prstDash val="solid"/>
+          </a:ln>
+          <a:effectLst/>
+        </p:spPr>
+        <p:txBody>
+          <a:bodyPr rtlCol="0" anchor="ctr"/>
+          <a:lstStyle/>
+          <a:p>
+            <a:pPr marL="0" marR="0" lvl="0" indent="0" algn="ctr" defTabSz="457200" eaLnBrk="1" fontAlgn="auto" latinLnBrk="0" hangingPunct="1">
+              <a:lnSpc>
+                <a:spcPct val="100000"/>
+              </a:lnSpc>
+              <a:spcBef>
+                <a:spcPts val="0"/>
+              </a:spcBef>
+              <a:spcAft>
+                <a:spcPts val="0"/>
+              </a:spcAft>
+              <a:buClrTx/>
+              <a:buSzTx/>
+              <a:buFontTx/>
+              <a:buNone/>
+              <a:tabLst/>
+              <a:defRPr/>
+            </a:pPr>
+            <a:endParaRPr kumimoji="0" lang="en-US" sz="1800" b="0" i="0" u="none" strike="noStrike" kern="0" cap="none" spc="0" normalizeH="0" baseline="0" noProof="0">
+              <a:ln>
+                <a:noFill/>
+              </a:ln>
+              <a:solidFill>
+                <a:prstClr val="white"/>
+              </a:solidFill>
+              <a:effectLst/>
+              <a:uLnTx/>
+              <a:uFillTx/>
+              <a:latin typeface="Calibri"/>
+              <a:ea typeface="+mn-ea"/>
+              <a:cs typeface="+mn-cs"/>
+            </a:endParaRPr>
+          </a:p>
+        </p:txBody>
+      </p:sp>
+      <p:sp>
+        <p:nvSpPr>
+          <p:cNvPr id="2" name="Title 1">
+            <a:extLst>
+              <a:ext uri="{FF2B5EF4-FFF2-40B4-BE49-F238E27FC236}">
+                <a16:creationId xmlns:a16="http://schemas.microsoft.com/office/drawing/2014/main" id="{2E1E1C51-6454-3C59-2D8C-6799959C9077}"/>
+              </a:ext>
+            </a:extLst>
+          </p:cNvPr>
+          <p:cNvSpPr>
+            <a:spLocks noGrp="1"/>
+          </p:cNvSpPr>
+          <p:nvPr>
+            <p:ph type="title"/>
+          </p:nvPr>
+        </p:nvSpPr>
+        <p:spPr>
+          <a:xfrm>
+            <a:off x="913795" y="609600"/>
+            <a:ext cx="10353761" cy="1326321"/>
+          </a:xfrm>
+        </p:spPr>
+        <p:txBody>
+          <a:bodyPr vert="horz" lIns="91440" tIns="45720" rIns="91440" bIns="45720" rtlCol="0" anchor="ctr">
+            <a:normAutofit/>
+          </a:bodyPr>
+          <a:lstStyle/>
+          <a:p>
+            <a:r>
+              <a:rPr lang="en-US" dirty="0"/>
+              <a:t>Next Steps</a:t>
+            </a:r>
+          </a:p>
+        </p:txBody>
+      </p:sp>
+      <p:sp>
+        <p:nvSpPr>
+          <p:cNvPr id="6" name="TextBox 5">
+            <a:extLst>
+              <a:ext uri="{FF2B5EF4-FFF2-40B4-BE49-F238E27FC236}">
+                <a16:creationId xmlns:a16="http://schemas.microsoft.com/office/drawing/2014/main" id="{CC1C3153-4557-9A5F-0D55-7F31023600D4}"/>
+              </a:ext>
+            </a:extLst>
+          </p:cNvPr>
+          <p:cNvSpPr txBox="1"/>
+          <p:nvPr/>
+        </p:nvSpPr>
+        <p:spPr>
+          <a:xfrm>
+            <a:off x="913795" y="2096064"/>
+            <a:ext cx="10353762" cy="3695136"/>
+          </a:xfrm>
+          <a:prstGeom prst="rect">
+            <a:avLst/>
+          </a:prstGeom>
+        </p:spPr>
+        <p:txBody>
+          <a:bodyPr vert="horz" lIns="91440" tIns="45720" rIns="91440" bIns="45720" rtlCol="0">
+            <a:normAutofit/>
+          </a:bodyPr>
+          <a:lstStyle/>
+          <a:p>
+            <a:pPr marL="285750" indent="-228600" defTabSz="914400">
+              <a:lnSpc>
+                <a:spcPct val="120000"/>
+              </a:lnSpc>
+              <a:spcAft>
+                <a:spcPts val="600"/>
+              </a:spcAft>
+              <a:buFont typeface="Arial" panose="020B0604020202020204" pitchFamily="34" charset="0"/>
+              <a:buChar char="•"/>
+            </a:pPr>
+            <a:r>
+              <a:rPr lang="en-US" dirty="0">
+                <a:effectLst>
+                  <a:outerShdw blurRad="50800" dist="38100" dir="2700000" algn="tl" rotWithShape="0">
+                    <a:srgbClr val="000000">
+                      <a:alpha val="48000"/>
+                    </a:srgbClr>
+                  </a:outerShdw>
+                </a:effectLst>
+              </a:rPr>
+              <a:t>Specific Language Indicators</a:t>
+            </a:r>
+          </a:p>
+          <a:p>
+            <a:pPr marL="285750" indent="-228600" defTabSz="914400">
+              <a:lnSpc>
+                <a:spcPct val="120000"/>
+              </a:lnSpc>
+              <a:spcAft>
+                <a:spcPts val="600"/>
+              </a:spcAft>
+              <a:buFont typeface="Arial" panose="020B0604020202020204" pitchFamily="34" charset="0"/>
+              <a:buChar char="•"/>
+            </a:pPr>
+            <a:r>
+              <a:rPr lang="en-US" dirty="0">
+                <a:effectLst>
+                  <a:outerShdw blurRad="50800" dist="38100" dir="2700000" algn="tl" rotWithShape="0">
+                    <a:srgbClr val="000000">
+                      <a:alpha val="48000"/>
+                    </a:srgbClr>
+                  </a:outerShdw>
+                </a:effectLst>
+              </a:rPr>
+              <a:t>Larger Date Range</a:t>
+            </a:r>
+          </a:p>
+          <a:p>
+            <a:pPr marL="285750" indent="-228600" defTabSz="914400">
+              <a:lnSpc>
+                <a:spcPct val="120000"/>
+              </a:lnSpc>
+              <a:spcAft>
+                <a:spcPts val="600"/>
+              </a:spcAft>
+              <a:buFont typeface="Arial" panose="020B0604020202020204" pitchFamily="34" charset="0"/>
+              <a:buChar char="•"/>
+            </a:pPr>
+            <a:r>
+              <a:rPr lang="en-US" dirty="0">
+                <a:effectLst>
+                  <a:outerShdw blurRad="50800" dist="38100" dir="2700000" algn="tl" rotWithShape="0">
+                    <a:srgbClr val="000000">
+                      <a:alpha val="48000"/>
+                    </a:srgbClr>
+                  </a:outerShdw>
+                </a:effectLst>
+              </a:rPr>
+              <a:t>Complaints without narratives</a:t>
+            </a:r>
+          </a:p>
+          <a:p>
+            <a:pPr marL="285750" indent="-228600" defTabSz="914400">
+              <a:lnSpc>
+                <a:spcPct val="120000"/>
+              </a:lnSpc>
+              <a:spcAft>
+                <a:spcPts val="600"/>
+              </a:spcAft>
+              <a:buFont typeface="Arial" panose="020B0604020202020204" pitchFamily="34" charset="0"/>
+              <a:buChar char="•"/>
+            </a:pPr>
+            <a:r>
+              <a:rPr lang="en-US" dirty="0">
+                <a:effectLst>
+                  <a:outerShdw blurRad="50800" dist="38100" dir="2700000" algn="tl" rotWithShape="0">
+                    <a:srgbClr val="000000">
+                      <a:alpha val="48000"/>
+                    </a:srgbClr>
+                  </a:outerShdw>
+                </a:effectLst>
+              </a:rPr>
+              <a:t>Other datasets</a:t>
+            </a:r>
+          </a:p>
+        </p:txBody>
+      </p:sp>
     </p:spTree>
     <p:extLst>
       <p:ext uri="{BB962C8B-B14F-4D97-AF65-F5344CB8AC3E}">
@@ -19234,6 +17426,136 @@
 <file path=ppt/slides/slide4.xml><?xml version="1.0" encoding="utf-8"?>
 <p:sld xmlns:a="http://schemas.openxmlformats.org/drawingml/2006/main" xmlns:r="http://schemas.openxmlformats.org/officeDocument/2006/relationships" xmlns:p="http://schemas.openxmlformats.org/presentationml/2006/main">
   <p:cSld>
+    <p:spTree>
+      <p:nvGrpSpPr>
+        <p:cNvPr id="1" name=""/>
+        <p:cNvGrpSpPr/>
+        <p:nvPr/>
+      </p:nvGrpSpPr>
+      <p:grpSpPr>
+        <a:xfrm>
+          <a:off x="0" y="0"/>
+          <a:ext cx="0" cy="0"/>
+          <a:chOff x="0" y="0"/>
+          <a:chExt cx="0" cy="0"/>
+        </a:xfrm>
+      </p:grpSpPr>
+      <p:sp>
+        <p:nvSpPr>
+          <p:cNvPr id="2" name="Title 1">
+            <a:extLst>
+              <a:ext uri="{FF2B5EF4-FFF2-40B4-BE49-F238E27FC236}">
+                <a16:creationId xmlns:a16="http://schemas.microsoft.com/office/drawing/2014/main" id="{B7CC7558-AD0A-42A4-FC70-2FFFC845E7F7}"/>
+              </a:ext>
+            </a:extLst>
+          </p:cNvPr>
+          <p:cNvSpPr>
+            <a:spLocks noGrp="1"/>
+          </p:cNvSpPr>
+          <p:nvPr>
+            <p:ph type="title"/>
+          </p:nvPr>
+        </p:nvSpPr>
+        <p:spPr/>
+        <p:txBody>
+          <a:bodyPr/>
+          <a:lstStyle/>
+          <a:p>
+            <a:r>
+              <a:rPr lang="en-US" dirty="0"/>
+              <a:t>Complaint Filing Process</a:t>
+            </a:r>
+          </a:p>
+        </p:txBody>
+      </p:sp>
+      <p:sp>
+        <p:nvSpPr>
+          <p:cNvPr id="3" name="Content Placeholder 2">
+            <a:extLst>
+              <a:ext uri="{FF2B5EF4-FFF2-40B4-BE49-F238E27FC236}">
+                <a16:creationId xmlns:a16="http://schemas.microsoft.com/office/drawing/2014/main" id="{90EB6F3F-BD3F-6B20-FEB5-CB61CD012C74}"/>
+              </a:ext>
+            </a:extLst>
+          </p:cNvPr>
+          <p:cNvSpPr>
+            <a:spLocks noGrp="1"/>
+          </p:cNvSpPr>
+          <p:nvPr>
+            <p:ph idx="1"/>
+          </p:nvPr>
+        </p:nvSpPr>
+        <p:spPr/>
+        <p:txBody>
+          <a:bodyPr/>
+          <a:lstStyle/>
+          <a:p>
+            <a:pPr marL="457200" indent="-457200">
+              <a:buFont typeface="+mj-lt"/>
+              <a:buAutoNum type="arabicPeriod"/>
+            </a:pPr>
+            <a:r>
+              <a:rPr lang="en-US" dirty="0"/>
+              <a:t>Complaint submitted</a:t>
+            </a:r>
+          </a:p>
+          <a:p>
+            <a:pPr marL="457200" indent="-457200">
+              <a:buFont typeface="+mj-lt"/>
+              <a:buAutoNum type="arabicPeriod"/>
+            </a:pPr>
+            <a:r>
+              <a:rPr lang="en-US" dirty="0"/>
+              <a:t>Route</a:t>
+            </a:r>
+          </a:p>
+          <a:p>
+            <a:pPr marL="457200" indent="-457200">
+              <a:buFont typeface="+mj-lt"/>
+              <a:buAutoNum type="arabicPeriod"/>
+            </a:pPr>
+            <a:r>
+              <a:rPr lang="en-US" dirty="0"/>
+              <a:t>Company Response</a:t>
+            </a:r>
+          </a:p>
+          <a:p>
+            <a:pPr marL="457200" indent="-457200">
+              <a:buFont typeface="+mj-lt"/>
+              <a:buAutoNum type="arabicPeriod"/>
+            </a:pPr>
+            <a:r>
+              <a:rPr lang="en-US" dirty="0"/>
+              <a:t>Complaint published</a:t>
+            </a:r>
+          </a:p>
+          <a:p>
+            <a:pPr marL="457200" indent="-457200">
+              <a:buFont typeface="+mj-lt"/>
+              <a:buAutoNum type="arabicPeriod"/>
+            </a:pPr>
+            <a:r>
+              <a:rPr lang="en-US" dirty="0"/>
+              <a:t>Consumer review</a:t>
+            </a:r>
+          </a:p>
+        </p:txBody>
+      </p:sp>
+    </p:spTree>
+    <p:extLst>
+      <p:ext uri="{BB962C8B-B14F-4D97-AF65-F5344CB8AC3E}">
+        <p14:creationId xmlns:p14="http://schemas.microsoft.com/office/powerpoint/2010/main" val="2741760349"/>
+      </p:ext>
+    </p:extLst>
+  </p:cSld>
+  <p:clrMapOvr>
+    <a:masterClrMapping/>
+  </p:clrMapOvr>
+</p:sld>
+</file>
+
+<file path=ppt/slides/slide5.xml><?xml version="1.0" encoding="utf-8"?>
+<p:sld xmlns:a="http://schemas.openxmlformats.org/drawingml/2006/main" xmlns:r="http://schemas.openxmlformats.org/officeDocument/2006/relationships" xmlns:p="http://schemas.openxmlformats.org/presentationml/2006/main">
+  <p:cSld>
     <p:bg>
       <p:bgPr>
         <a:blipFill rotWithShape="1">
@@ -19484,7 +17806,7 @@
 </p:sld>
 </file>
 
-<file path=ppt/slides/slide5.xml><?xml version="1.0" encoding="utf-8"?>
+<file path=ppt/slides/slide6.xml><?xml version="1.0" encoding="utf-8"?>
 <p:sld xmlns:a="http://schemas.openxmlformats.org/drawingml/2006/main" xmlns:r="http://schemas.openxmlformats.org/officeDocument/2006/relationships" xmlns:p="http://schemas.openxmlformats.org/presentationml/2006/main">
   <p:cSld>
     <p:bg>
@@ -19738,7 +18060,7 @@
 </p:sld>
 </file>
 
-<file path=ppt/slides/slide6.xml><?xml version="1.0" encoding="utf-8"?>
+<file path=ppt/slides/slide7.xml><?xml version="1.0" encoding="utf-8"?>
 <p:sld xmlns:a="http://schemas.openxmlformats.org/drawingml/2006/main" xmlns:r="http://schemas.openxmlformats.org/officeDocument/2006/relationships" xmlns:p="http://schemas.openxmlformats.org/presentationml/2006/main">
   <p:cSld>
     <p:bg>
@@ -19829,8 +18151,8 @@
           </a:sp3d>
         </p:spPr>
       </p:pic>
-      <mc:AlternateContent xmlns:mc="http://schemas.openxmlformats.org/markup-compatibility/2006">
-        <mc:Choice xmlns:p14="http://schemas.microsoft.com/office/powerpoint/2010/main" Requires="p14">
+      <mc:AlternateContent xmlns:mc="http://schemas.openxmlformats.org/markup-compatibility/2006" xmlns:p14="http://schemas.microsoft.com/office/powerpoint/2010/main">
+        <mc:Choice Requires="p14">
           <p:contentPart p14:bwMode="auto" r:id="rId5">
             <p14:nvContentPartPr>
               <p14:cNvPr id="5" name="Ink 4">
@@ -19849,7 +18171,7 @@
             </p14:xfrm>
           </p:contentPart>
         </mc:Choice>
-        <mc:Fallback>
+        <mc:Fallback xmlns="">
           <p:pic>
             <p:nvPicPr>
               <p:cNvPr id="5" name="Ink 4">
@@ -19880,8 +18202,8 @@
           </p:pic>
         </mc:Fallback>
       </mc:AlternateContent>
-      <mc:AlternateContent xmlns:mc="http://schemas.openxmlformats.org/markup-compatibility/2006">
-        <mc:Choice xmlns:p14="http://schemas.microsoft.com/office/powerpoint/2010/main" Requires="p14">
+      <mc:AlternateContent xmlns:mc="http://schemas.openxmlformats.org/markup-compatibility/2006" xmlns:p14="http://schemas.microsoft.com/office/powerpoint/2010/main">
+        <mc:Choice Requires="p14">
           <p:contentPart p14:bwMode="auto" r:id="rId7">
             <p14:nvContentPartPr>
               <p14:cNvPr id="6" name="Ink 5">
@@ -19900,7 +18222,7 @@
             </p14:xfrm>
           </p:contentPart>
         </mc:Choice>
-        <mc:Fallback>
+        <mc:Fallback xmlns="">
           <p:pic>
             <p:nvPicPr>
               <p:cNvPr id="6" name="Ink 5">
@@ -19931,8 +18253,8 @@
           </p:pic>
         </mc:Fallback>
       </mc:AlternateContent>
-      <mc:AlternateContent xmlns:mc="http://schemas.openxmlformats.org/markup-compatibility/2006">
-        <mc:Choice xmlns:p14="http://schemas.microsoft.com/office/powerpoint/2010/main" Requires="p14">
+      <mc:AlternateContent xmlns:mc="http://schemas.openxmlformats.org/markup-compatibility/2006" xmlns:p14="http://schemas.microsoft.com/office/powerpoint/2010/main">
+        <mc:Choice Requires="p14">
           <p:contentPart p14:bwMode="auto" r:id="rId9">
             <p14:nvContentPartPr>
               <p14:cNvPr id="8" name="Ink 7">
@@ -19951,7 +18273,7 @@
             </p14:xfrm>
           </p:contentPart>
         </mc:Choice>
-        <mc:Fallback>
+        <mc:Fallback xmlns="">
           <p:pic>
             <p:nvPicPr>
               <p:cNvPr id="8" name="Ink 7">
@@ -19982,8 +18304,8 @@
           </p:pic>
         </mc:Fallback>
       </mc:AlternateContent>
-      <mc:AlternateContent xmlns:mc="http://schemas.openxmlformats.org/markup-compatibility/2006">
-        <mc:Choice xmlns:p14="http://schemas.microsoft.com/office/powerpoint/2010/main" Requires="p14">
+      <mc:AlternateContent xmlns:mc="http://schemas.openxmlformats.org/markup-compatibility/2006" xmlns:p14="http://schemas.microsoft.com/office/powerpoint/2010/main">
+        <mc:Choice Requires="p14">
           <p:contentPart p14:bwMode="auto" r:id="rId11">
             <p14:nvContentPartPr>
               <p14:cNvPr id="10" name="Ink 9">
@@ -20002,7 +18324,7 @@
             </p14:xfrm>
           </p:contentPart>
         </mc:Choice>
-        <mc:Fallback>
+        <mc:Fallback xmlns="">
           <p:pic>
             <p:nvPicPr>
               <p:cNvPr id="10" name="Ink 9">
@@ -20033,8 +18355,8 @@
           </p:pic>
         </mc:Fallback>
       </mc:AlternateContent>
-      <mc:AlternateContent xmlns:mc="http://schemas.openxmlformats.org/markup-compatibility/2006">
-        <mc:Choice xmlns:p14="http://schemas.microsoft.com/office/powerpoint/2010/main" Requires="p14">
+      <mc:AlternateContent xmlns:mc="http://schemas.openxmlformats.org/markup-compatibility/2006" xmlns:p14="http://schemas.microsoft.com/office/powerpoint/2010/main">
+        <mc:Choice Requires="p14">
           <p:contentPart p14:bwMode="auto" r:id="rId13">
             <p14:nvContentPartPr>
               <p14:cNvPr id="11" name="Ink 10">
@@ -20053,7 +18375,7 @@
             </p14:xfrm>
           </p:contentPart>
         </mc:Choice>
-        <mc:Fallback>
+        <mc:Fallback xmlns="">
           <p:pic>
             <p:nvPicPr>
               <p:cNvPr id="11" name="Ink 10">
@@ -20097,7 +18419,7 @@
 </p:sld>
 </file>
 
-<file path=ppt/slides/slide7.xml><?xml version="1.0" encoding="utf-8"?>
+<file path=ppt/slides/slide8.xml><?xml version="1.0" encoding="utf-8"?>
 <p:sld xmlns:a="http://schemas.openxmlformats.org/drawingml/2006/main" xmlns:r="http://schemas.openxmlformats.org/officeDocument/2006/relationships" xmlns:p="http://schemas.openxmlformats.org/presentationml/2006/main">
   <p:cSld>
     <p:bg>
@@ -20606,7 +18928,7 @@
 </p:sld>
 </file>
 
-<file path=ppt/slides/slide8.xml><?xml version="1.0" encoding="utf-8"?>
+<file path=ppt/slides/slide9.xml><?xml version="1.0" encoding="utf-8"?>
 <p:sld xmlns:a="http://schemas.openxmlformats.org/drawingml/2006/main" xmlns:r="http://schemas.openxmlformats.org/officeDocument/2006/relationships" xmlns:p="http://schemas.openxmlformats.org/presentationml/2006/main">
   <p:cSld>
     <p:bg>
@@ -20810,273 +19132,6 @@
     <p:extLst>
       <p:ext uri="{BB962C8B-B14F-4D97-AF65-F5344CB8AC3E}">
         <p14:creationId xmlns:p14="http://schemas.microsoft.com/office/powerpoint/2010/main" val="3649527521"/>
-      </p:ext>
-    </p:extLst>
-  </p:cSld>
-  <p:clrMapOvr>
-    <a:masterClrMapping/>
-  </p:clrMapOvr>
-</p:sld>
-</file>
-
-<file path=ppt/slides/slide9.xml><?xml version="1.0" encoding="utf-8"?>
-<p:sld xmlns:a="http://schemas.openxmlformats.org/drawingml/2006/main" xmlns:r="http://schemas.openxmlformats.org/officeDocument/2006/relationships" xmlns:p="http://schemas.openxmlformats.org/presentationml/2006/main">
-  <p:cSld>
-    <p:bg>
-      <p:bgPr>
-        <a:blipFill rotWithShape="1">
-          <a:blip r:embed="rId3">
-            <a:duotone>
-              <a:schemeClr val="bg2">
-                <a:shade val="18000"/>
-                <a:satMod val="160000"/>
-                <a:lumMod val="28000"/>
-              </a:schemeClr>
-              <a:schemeClr val="bg2">
-                <a:tint val="95000"/>
-                <a:satMod val="160000"/>
-                <a:lumMod val="116000"/>
-              </a:schemeClr>
-            </a:duotone>
-          </a:blip>
-          <a:stretch/>
-        </a:blipFill>
-        <a:effectLst/>
-      </p:bgPr>
-    </p:bg>
-    <p:spTree>
-      <p:nvGrpSpPr>
-        <p:cNvPr id="1" name=""/>
-        <p:cNvGrpSpPr/>
-        <p:nvPr/>
-      </p:nvGrpSpPr>
-      <p:grpSpPr>
-        <a:xfrm>
-          <a:off x="0" y="0"/>
-          <a:ext cx="0" cy="0"/>
-          <a:chOff x="0" y="0"/>
-          <a:chExt cx="0" cy="0"/>
-        </a:xfrm>
-      </p:grpSpPr>
-      <p:sp useBgFill="1">
-        <p:nvSpPr>
-          <p:cNvPr id="8" name="Rectangle 7">
-            <a:extLst>
-              <a:ext uri="{FF2B5EF4-FFF2-40B4-BE49-F238E27FC236}">
-                <a16:creationId xmlns:a16="http://schemas.microsoft.com/office/drawing/2014/main" id="{3BFBA67F-0D4D-4C2E-A1D7-82D080A4B3AD}"/>
-              </a:ext>
-              <a:ext uri="{C183D7F6-B498-43B3-948B-1728B52AA6E4}">
-                <adec:decorative xmlns:adec="http://schemas.microsoft.com/office/drawing/2017/decorative" val="1"/>
-              </a:ext>
-            </a:extLst>
-          </p:cNvPr>
-          <p:cNvSpPr>
-            <a:spLocks noGrp="1" noRot="1" noChangeAspect="1" noMove="1" noResize="1" noEditPoints="1" noAdjustHandles="1" noChangeArrowheads="1" noChangeShapeType="1" noTextEdit="1"/>
-          </p:cNvSpPr>
-          <p:nvPr>
-            <p:extLst>
-              <p:ext uri="{386F3935-93C4-4BCD-93E2-E3B085C9AB24}">
-                <p16:designElem xmlns:p16="http://schemas.microsoft.com/office/powerpoint/2015/main" val="1"/>
-              </p:ext>
-            </p:extLst>
-          </p:nvPr>
-        </p:nvSpPr>
-        <p:spPr>
-          <a:xfrm>
-            <a:off x="0" y="0"/>
-            <a:ext cx="12192000" cy="6858000"/>
-          </a:xfrm>
-          <a:prstGeom prst="rect">
-            <a:avLst/>
-          </a:prstGeom>
-          <a:ln>
-            <a:noFill/>
-          </a:ln>
-        </p:spPr>
-        <p:style>
-          <a:lnRef idx="2">
-            <a:schemeClr val="accent1">
-              <a:shade val="50000"/>
-            </a:schemeClr>
-          </a:lnRef>
-          <a:fillRef idx="1">
-            <a:schemeClr val="accent1"/>
-          </a:fillRef>
-          <a:effectRef idx="0">
-            <a:schemeClr val="accent1"/>
-          </a:effectRef>
-          <a:fontRef idx="minor">
-            <a:schemeClr val="lt1"/>
-          </a:fontRef>
-        </p:style>
-        <p:txBody>
-          <a:bodyPr rtlCol="0" anchor="ctr"/>
-          <a:lstStyle/>
-          <a:p>
-            <a:pPr algn="ctr"/>
-            <a:endParaRPr lang="en-US"/>
-          </a:p>
-        </p:txBody>
-      </p:sp>
-      <p:sp>
-        <p:nvSpPr>
-          <p:cNvPr id="2" name="Title 1">
-            <a:extLst>
-              <a:ext uri="{FF2B5EF4-FFF2-40B4-BE49-F238E27FC236}">
-                <a16:creationId xmlns:a16="http://schemas.microsoft.com/office/drawing/2014/main" id="{B0E8B987-A31B-FEB5-7DC9-D60DCA1F0136}"/>
-              </a:ext>
-            </a:extLst>
-          </p:cNvPr>
-          <p:cNvSpPr>
-            <a:spLocks noGrp="1"/>
-          </p:cNvSpPr>
-          <p:nvPr>
-            <p:ph type="title"/>
-          </p:nvPr>
-        </p:nvSpPr>
-        <p:spPr>
-          <a:xfrm>
-            <a:off x="913795" y="609600"/>
-            <a:ext cx="10353761" cy="1326321"/>
-          </a:xfrm>
-        </p:spPr>
-        <p:txBody>
-          <a:bodyPr>
-            <a:normAutofit/>
-          </a:bodyPr>
-          <a:lstStyle/>
-          <a:p>
-            <a:r>
-              <a:rPr lang="en-US" dirty="0"/>
-              <a:t>Facts</a:t>
-            </a:r>
-          </a:p>
-        </p:txBody>
-      </p:sp>
-      <p:sp>
-        <p:nvSpPr>
-          <p:cNvPr id="10" name="Rectangle 9">
-            <a:extLst>
-              <a:ext uri="{FF2B5EF4-FFF2-40B4-BE49-F238E27FC236}">
-                <a16:creationId xmlns:a16="http://schemas.microsoft.com/office/drawing/2014/main" id="{EFA2AC96-1E47-421C-A03F-F98E354EB4E6}"/>
-              </a:ext>
-              <a:ext uri="{C183D7F6-B498-43B3-948B-1728B52AA6E4}">
-                <adec:decorative xmlns:adec="http://schemas.microsoft.com/office/drawing/2017/decorative" val="1"/>
-              </a:ext>
-            </a:extLst>
-          </p:cNvPr>
-          <p:cNvSpPr>
-            <a:spLocks noGrp="1" noRot="1" noChangeAspect="1" noMove="1" noResize="1" noEditPoints="1" noAdjustHandles="1" noChangeArrowheads="1" noChangeShapeType="1" noTextEdit="1"/>
-          </p:cNvSpPr>
-          <p:nvPr>
-            <p:extLst>
-              <p:ext uri="{386F3935-93C4-4BCD-93E2-E3B085C9AB24}">
-                <p16:designElem xmlns:p16="http://schemas.microsoft.com/office/powerpoint/2015/main" val="1"/>
-              </p:ext>
-            </p:extLst>
-          </p:nvPr>
-        </p:nvSpPr>
-        <p:spPr>
-          <a:xfrm>
-            <a:off x="0" y="2095500"/>
-            <a:ext cx="12192000" cy="4762500"/>
-          </a:xfrm>
-          <a:prstGeom prst="rect">
-            <a:avLst/>
-          </a:prstGeom>
-          <a:solidFill>
-            <a:schemeClr val="bg1">
-              <a:alpha val="50000"/>
-            </a:schemeClr>
-          </a:solidFill>
-          <a:ln>
-            <a:noFill/>
-          </a:ln>
-        </p:spPr>
-        <p:style>
-          <a:lnRef idx="2">
-            <a:schemeClr val="accent1">
-              <a:shade val="50000"/>
-            </a:schemeClr>
-          </a:lnRef>
-          <a:fillRef idx="1001">
-            <a:schemeClr val="dk1"/>
-          </a:fillRef>
-          <a:effectRef idx="0">
-            <a:schemeClr val="accent1"/>
-          </a:effectRef>
-          <a:fontRef idx="minor">
-            <a:schemeClr val="lt1"/>
-          </a:fontRef>
-        </p:style>
-        <p:txBody>
-          <a:bodyPr rtlCol="0" anchor="ctr"/>
-          <a:lstStyle/>
-          <a:p>
-            <a:pPr algn="ctr"/>
-            <a:endParaRPr lang="en-US"/>
-          </a:p>
-        </p:txBody>
-      </p:sp>
-      <p:sp>
-        <p:nvSpPr>
-          <p:cNvPr id="3" name="Content Placeholder 2">
-            <a:extLst>
-              <a:ext uri="{FF2B5EF4-FFF2-40B4-BE49-F238E27FC236}">
-                <a16:creationId xmlns:a16="http://schemas.microsoft.com/office/drawing/2014/main" id="{3BCBE280-99F1-5AE2-D164-97CC49EFF7EC}"/>
-              </a:ext>
-            </a:extLst>
-          </p:cNvPr>
-          <p:cNvSpPr>
-            <a:spLocks noGrp="1"/>
-          </p:cNvSpPr>
-          <p:nvPr>
-            <p:ph idx="1"/>
-          </p:nvPr>
-        </p:nvSpPr>
-        <p:spPr>
-          <a:xfrm>
-            <a:off x="1466850" y="2463800"/>
-            <a:ext cx="9247652" cy="3327400"/>
-          </a:xfrm>
-        </p:spPr>
-        <p:txBody>
-          <a:bodyPr>
-            <a:normAutofit/>
-          </a:bodyPr>
-          <a:lstStyle/>
-          <a:p>
-            <a:r>
-              <a:rPr lang="en-US" dirty="0"/>
-              <a:t>328213 entries</a:t>
-            </a:r>
-          </a:p>
-          <a:p>
-            <a:pPr lvl="1"/>
-            <a:r>
-              <a:rPr lang="en-US" dirty="0"/>
-              <a:t>6 features (down to 4 features). 5 categorical, 1 text.</a:t>
-            </a:r>
-          </a:p>
-          <a:p>
-            <a:pPr lvl="1"/>
-            <a:r>
-              <a:rPr lang="en-US" dirty="0"/>
-              <a:t>Label is timely response</a:t>
-            </a:r>
-          </a:p>
-          <a:p>
-            <a:r>
-              <a:rPr lang="en-US" dirty="0"/>
-              <a:t>Timely response rates are 325534 Yes vs 2679 No. </a:t>
-            </a:r>
-          </a:p>
-        </p:txBody>
-      </p:sp>
-    </p:spTree>
-    <p:extLst>
-      <p:ext uri="{BB962C8B-B14F-4D97-AF65-F5344CB8AC3E}">
-        <p14:creationId xmlns:p14="http://schemas.microsoft.com/office/powerpoint/2010/main" val="755428250"/>
       </p:ext>
     </p:extLst>
   </p:cSld>
